--- a/server/presentations/Lec-02_Programming_Couchbase.pptx
+++ b/server/presentations/Lec-02_Programming_Couchbase.pptx
@@ -5,47 +5,46 @@
     <p:sldMasterId id="2147483648" r:id="rId1"/>
   </p:sldMasterIdLst>
   <p:notesMasterIdLst>
-    <p:notesMasterId r:id="rId37"/>
+    <p:notesMasterId r:id="rId36"/>
   </p:notesMasterIdLst>
   <p:handoutMasterIdLst>
-    <p:handoutMasterId r:id="rId38"/>
+    <p:handoutMasterId r:id="rId37"/>
   </p:handoutMasterIdLst>
   <p:sldIdLst>
     <p:sldId id="256" r:id="rId2"/>
     <p:sldId id="286" r:id="rId3"/>
     <p:sldId id="283" r:id="rId4"/>
-    <p:sldId id="296" r:id="rId5"/>
-    <p:sldId id="313" r:id="rId6"/>
-    <p:sldId id="307" r:id="rId7"/>
-    <p:sldId id="309" r:id="rId8"/>
-    <p:sldId id="308" r:id="rId9"/>
-    <p:sldId id="315" r:id="rId10"/>
-    <p:sldId id="314" r:id="rId11"/>
-    <p:sldId id="316" r:id="rId12"/>
+    <p:sldId id="313" r:id="rId5"/>
+    <p:sldId id="307" r:id="rId6"/>
+    <p:sldId id="308" r:id="rId7"/>
+    <p:sldId id="315" r:id="rId8"/>
+    <p:sldId id="314" r:id="rId9"/>
+    <p:sldId id="316" r:id="rId10"/>
+    <p:sldId id="285" r:id="rId11"/>
+    <p:sldId id="318" r:id="rId12"/>
     <p:sldId id="310" r:id="rId13"/>
     <p:sldId id="311" r:id="rId14"/>
     <p:sldId id="312" r:id="rId15"/>
-    <p:sldId id="285" r:id="rId16"/>
-    <p:sldId id="295" r:id="rId17"/>
-    <p:sldId id="284" r:id="rId18"/>
-    <p:sldId id="294" r:id="rId19"/>
-    <p:sldId id="287" r:id="rId20"/>
-    <p:sldId id="288" r:id="rId21"/>
-    <p:sldId id="289" r:id="rId22"/>
-    <p:sldId id="290" r:id="rId23"/>
-    <p:sldId id="291" r:id="rId24"/>
-    <p:sldId id="297" r:id="rId25"/>
-    <p:sldId id="298" r:id="rId26"/>
-    <p:sldId id="299" r:id="rId27"/>
-    <p:sldId id="300" r:id="rId28"/>
-    <p:sldId id="301" r:id="rId29"/>
-    <p:sldId id="302" r:id="rId30"/>
-    <p:sldId id="303" r:id="rId31"/>
-    <p:sldId id="304" r:id="rId32"/>
-    <p:sldId id="305" r:id="rId33"/>
-    <p:sldId id="306" r:id="rId34"/>
-    <p:sldId id="292" r:id="rId35"/>
-    <p:sldId id="267" r:id="rId36"/>
+    <p:sldId id="295" r:id="rId16"/>
+    <p:sldId id="284" r:id="rId17"/>
+    <p:sldId id="294" r:id="rId18"/>
+    <p:sldId id="288" r:id="rId19"/>
+    <p:sldId id="289" r:id="rId20"/>
+    <p:sldId id="290" r:id="rId21"/>
+    <p:sldId id="291" r:id="rId22"/>
+    <p:sldId id="297" r:id="rId23"/>
+    <p:sldId id="298" r:id="rId24"/>
+    <p:sldId id="299" r:id="rId25"/>
+    <p:sldId id="300" r:id="rId26"/>
+    <p:sldId id="301" r:id="rId27"/>
+    <p:sldId id="302" r:id="rId28"/>
+    <p:sldId id="303" r:id="rId29"/>
+    <p:sldId id="304" r:id="rId30"/>
+    <p:sldId id="305" r:id="rId31"/>
+    <p:sldId id="306" r:id="rId32"/>
+    <p:sldId id="317" r:id="rId33"/>
+    <p:sldId id="292" r:id="rId34"/>
+    <p:sldId id="267" r:id="rId35"/>
   </p:sldIdLst>
   <p:sldSz cx="9144000" cy="5143500" type="screen16x9"/>
   <p:notesSz cx="6858000" cy="9144000"/>
@@ -823,7 +822,7 @@
           <a:p>
             <a:fld id="{F39351FC-18D6-4741-8EEB-9FDB1F020AAC}" type="slidenum">
               <a:rPr lang="en-US" smtClean="0"/>
-              <a:t>6</a:t>
+              <a:t>5</a:t>
             </a:fld>
             <a:endParaRPr lang="en-US"/>
           </a:p>
@@ -907,7 +906,7 @@
           <a:p>
             <a:fld id="{F39351FC-18D6-4741-8EEB-9FDB1F020AAC}" type="slidenum">
               <a:rPr lang="en-US" smtClean="0"/>
-              <a:t>8</a:t>
+              <a:t>6</a:t>
             </a:fld>
             <a:endParaRPr lang="en-US"/>
           </a:p>
@@ -919,6 +918,329 @@
         <p14:creationId xmlns:p14="http://schemas.microsoft.com/office/powerpoint/2010/main" val="1728537958"/>
       </p:ext>
     </p:extLst>
+  </p:cSld>
+  <p:clrMapOvr>
+    <a:masterClrMapping/>
+  </p:clrMapOvr>
+</p:notes>
+</file>
+
+<file path=ppt/notesSlides/notesSlide4.xml><?xml version="1.0" encoding="utf-8"?>
+<p:notes xmlns:a="http://schemas.openxmlformats.org/drawingml/2006/main" xmlns:r="http://schemas.openxmlformats.org/officeDocument/2006/relationships" xmlns:p="http://schemas.openxmlformats.org/presentationml/2006/main">
+  <p:cSld>
+    <p:spTree>
+      <p:nvGrpSpPr>
+        <p:cNvPr id="1" name=""/>
+        <p:cNvGrpSpPr/>
+        <p:nvPr/>
+      </p:nvGrpSpPr>
+      <p:grpSpPr>
+        <a:xfrm>
+          <a:off x="0" y="0"/>
+          <a:ext cx="0" cy="0"/>
+          <a:chOff x="0" y="0"/>
+          <a:chExt cx="0" cy="0"/>
+        </a:xfrm>
+      </p:grpSpPr>
+      <p:sp>
+        <p:nvSpPr>
+          <p:cNvPr id="33793" name="Slide Image Placeholder 1"/>
+          <p:cNvSpPr>
+            <a:spLocks noGrp="1" noRot="1" noChangeAspect="1"/>
+          </p:cNvSpPr>
+          <p:nvPr>
+            <p:ph type="sldImg"/>
+          </p:nvPr>
+        </p:nvSpPr>
+        <p:spPr bwMode="auto">
+          <a:noFill/>
+          <a:ln>
+            <a:solidFill>
+              <a:srgbClr val="000000"/>
+            </a:solidFill>
+            <a:miter lim="800000"/>
+            <a:headEnd/>
+            <a:tailEnd/>
+          </a:ln>
+          <a:extLst>
+            <a:ext uri="{909E8E84-426E-40dd-AFC4-6F175D3DCCD1}">
+              <a14:hiddenFill xmlns:a14="http://schemas.microsoft.com/office/drawing/2010/main">
+                <a:solidFill>
+                  <a:srgbClr val="FFFFFF"/>
+                </a:solidFill>
+              </a14:hiddenFill>
+            </a:ext>
+            <a:ext uri="{FAA26D3D-D897-4be2-8F04-BA451C77F1D7}">
+              <ma14:placeholderFlag xmlns:ma14="http://schemas.microsoft.com/office/mac/drawingml/2011/main" val="1"/>
+            </a:ext>
+          </a:extLst>
+        </p:spPr>
+      </p:sp>
+      <p:sp>
+        <p:nvSpPr>
+          <p:cNvPr id="33794" name="Notes Placeholder 2"/>
+          <p:cNvSpPr>
+            <a:spLocks noGrp="1"/>
+          </p:cNvSpPr>
+          <p:nvPr>
+            <p:ph type="body" idx="1"/>
+          </p:nvPr>
+        </p:nvSpPr>
+        <p:spPr bwMode="auto">
+          <a:noFill/>
+          <a:extLst>
+            <a:ext uri="{909E8E84-426E-40dd-AFC4-6F175D3DCCD1}">
+              <a14:hiddenFill xmlns:a14="http://schemas.microsoft.com/office/drawing/2010/main">
+                <a:solidFill>
+                  <a:srgbClr val="FFFFFF"/>
+                </a:solidFill>
+              </a14:hiddenFill>
+            </a:ext>
+            <a:ext uri="{91240B29-F687-4f45-9708-019B960494DF}">
+              <a14:hiddenLine xmlns:a14="http://schemas.microsoft.com/office/drawing/2010/main" w="9525">
+                <a:solidFill>
+                  <a:srgbClr val="000000"/>
+                </a:solidFill>
+                <a:miter lim="800000"/>
+                <a:headEnd/>
+                <a:tailEnd/>
+              </a14:hiddenLine>
+            </a:ext>
+          </a:extLst>
+        </p:spPr>
+        <p:txBody>
+          <a:bodyPr wrap="square" numCol="1" anchor="t" anchorCtr="0" compatLnSpc="1">
+            <a:prstTxWarp prst="textNoShape">
+              <a:avLst/>
+            </a:prstTxWarp>
+          </a:bodyPr>
+          <a:lstStyle/>
+          <a:p>
+            <a:r>
+              <a:rPr lang="en-GB">
+                <a:latin typeface="Calibri" charset="0"/>
+              </a:rPr>
+              <a:t>Couchbase client </a:t>
+            </a:r>
+          </a:p>
+          <a:p>
+            <a:endParaRPr lang="en-GB">
+              <a:latin typeface="Calibri" charset="0"/>
+            </a:endParaRPr>
+          </a:p>
+          <a:p>
+            <a:r>
+              <a:rPr lang="en-GB">
+                <a:latin typeface="Calibri" charset="0"/>
+              </a:rPr>
+              <a:t>Basically, give people an overview of how the SDK’s get notified when there is a topology change via async REST.</a:t>
+            </a:r>
+          </a:p>
+          <a:p>
+            <a:endParaRPr lang="en-GB">
+              <a:latin typeface="Calibri" charset="0"/>
+            </a:endParaRPr>
+          </a:p>
+          <a:p>
+            <a:r>
+              <a:rPr lang="en-GB">
+                <a:latin typeface="Calibri" charset="0"/>
+              </a:rPr>
+              <a:t>On the SDK side, we make sure the SDK’s as much as possible, get to the know the new cluster config – over streaming API.</a:t>
+            </a:r>
+          </a:p>
+          <a:p>
+            <a:endParaRPr lang="en-GB">
+              <a:latin typeface="Calibri" charset="0"/>
+            </a:endParaRPr>
+          </a:p>
+          <a:p>
+            <a:endParaRPr lang="en-GB">
+              <a:latin typeface="Calibri" charset="0"/>
+            </a:endParaRPr>
+          </a:p>
+          <a:p>
+            <a:endParaRPr lang="en-GB">
+              <a:latin typeface="Calibri" charset="0"/>
+            </a:endParaRPr>
+          </a:p>
+        </p:txBody>
+      </p:sp>
+      <p:sp>
+        <p:nvSpPr>
+          <p:cNvPr id="33795" name="Slide Number Placeholder 3"/>
+          <p:cNvSpPr>
+            <a:spLocks noGrp="1"/>
+          </p:cNvSpPr>
+          <p:nvPr>
+            <p:ph type="sldNum" sz="quarter" idx="5"/>
+          </p:nvPr>
+        </p:nvSpPr>
+        <p:spPr bwMode="auto">
+          <a:noFill/>
+          <a:extLst>
+            <a:ext uri="{909E8E84-426E-40dd-AFC4-6F175D3DCCD1}">
+              <a14:hiddenFill xmlns:a14="http://schemas.microsoft.com/office/drawing/2010/main">
+                <a:solidFill>
+                  <a:srgbClr val="FFFFFF"/>
+                </a:solidFill>
+              </a14:hiddenFill>
+            </a:ext>
+            <a:ext uri="{91240B29-F687-4f45-9708-019B960494DF}">
+              <a14:hiddenLine xmlns:a14="http://schemas.microsoft.com/office/drawing/2010/main" w="9525">
+                <a:solidFill>
+                  <a:srgbClr val="000000"/>
+                </a:solidFill>
+                <a:miter lim="800000"/>
+                <a:headEnd/>
+                <a:tailEnd/>
+              </a14:hiddenLine>
+            </a:ext>
+          </a:extLst>
+        </p:spPr>
+        <p:txBody>
+          <a:bodyPr wrap="square" numCol="1" anchorCtr="0" compatLnSpc="1">
+            <a:prstTxWarp prst="textNoShape">
+              <a:avLst/>
+            </a:prstTxWarp>
+          </a:bodyPr>
+          <a:lstStyle>
+            <a:lvl1pPr eaLnBrk="0" hangingPunct="0">
+              <a:defRPr sz="4100">
+                <a:solidFill>
+                  <a:srgbClr val="000000"/>
+                </a:solidFill>
+                <a:latin typeface="Gill Sans" charset="0"/>
+                <a:ea typeface="ヒラギノ角ゴ ProN W3" charset="0"/>
+                <a:cs typeface="ヒラギノ角ゴ ProN W3" charset="0"/>
+                <a:sym typeface="Gill Sans" charset="0"/>
+              </a:defRPr>
+            </a:lvl1pPr>
+            <a:lvl2pPr marL="742950" indent="-285750" eaLnBrk="0" hangingPunct="0">
+              <a:defRPr sz="4100">
+                <a:solidFill>
+                  <a:srgbClr val="000000"/>
+                </a:solidFill>
+                <a:latin typeface="Gill Sans" charset="0"/>
+                <a:ea typeface="ヒラギノ角ゴ ProN W3" charset="0"/>
+                <a:cs typeface="ヒラギノ角ゴ ProN W3" charset="0"/>
+                <a:sym typeface="Gill Sans" charset="0"/>
+              </a:defRPr>
+            </a:lvl2pPr>
+            <a:lvl3pPr marL="1143000" indent="-228600" eaLnBrk="0" hangingPunct="0">
+              <a:defRPr sz="4100">
+                <a:solidFill>
+                  <a:srgbClr val="000000"/>
+                </a:solidFill>
+                <a:latin typeface="Gill Sans" charset="0"/>
+                <a:ea typeface="ヒラギノ角ゴ ProN W3" charset="0"/>
+                <a:cs typeface="ヒラギノ角ゴ ProN W3" charset="0"/>
+                <a:sym typeface="Gill Sans" charset="0"/>
+              </a:defRPr>
+            </a:lvl3pPr>
+            <a:lvl4pPr marL="1600200" indent="-228600" eaLnBrk="0" hangingPunct="0">
+              <a:defRPr sz="4100">
+                <a:solidFill>
+                  <a:srgbClr val="000000"/>
+                </a:solidFill>
+                <a:latin typeface="Gill Sans" charset="0"/>
+                <a:ea typeface="ヒラギノ角ゴ ProN W3" charset="0"/>
+                <a:cs typeface="ヒラギノ角ゴ ProN W3" charset="0"/>
+                <a:sym typeface="Gill Sans" charset="0"/>
+              </a:defRPr>
+            </a:lvl4pPr>
+            <a:lvl5pPr marL="2057400" indent="-228600" eaLnBrk="0" hangingPunct="0">
+              <a:defRPr sz="4100">
+                <a:solidFill>
+                  <a:srgbClr val="000000"/>
+                </a:solidFill>
+                <a:latin typeface="Gill Sans" charset="0"/>
+                <a:ea typeface="ヒラギノ角ゴ ProN W3" charset="0"/>
+                <a:cs typeface="ヒラギノ角ゴ ProN W3" charset="0"/>
+                <a:sym typeface="Gill Sans" charset="0"/>
+              </a:defRPr>
+            </a:lvl5pPr>
+            <a:lvl6pPr marL="2514600" indent="-228600" algn="ctr" eaLnBrk="0" fontAlgn="base" hangingPunct="0">
+              <a:spcBef>
+                <a:spcPct val="0"/>
+              </a:spcBef>
+              <a:spcAft>
+                <a:spcPct val="0"/>
+              </a:spcAft>
+              <a:defRPr sz="4100">
+                <a:solidFill>
+                  <a:srgbClr val="000000"/>
+                </a:solidFill>
+                <a:latin typeface="Gill Sans" charset="0"/>
+                <a:ea typeface="ヒラギノ角ゴ ProN W3" charset="0"/>
+                <a:cs typeface="ヒラギノ角ゴ ProN W3" charset="0"/>
+                <a:sym typeface="Gill Sans" charset="0"/>
+              </a:defRPr>
+            </a:lvl6pPr>
+            <a:lvl7pPr marL="2971800" indent="-228600" algn="ctr" eaLnBrk="0" fontAlgn="base" hangingPunct="0">
+              <a:spcBef>
+                <a:spcPct val="0"/>
+              </a:spcBef>
+              <a:spcAft>
+                <a:spcPct val="0"/>
+              </a:spcAft>
+              <a:defRPr sz="4100">
+                <a:solidFill>
+                  <a:srgbClr val="000000"/>
+                </a:solidFill>
+                <a:latin typeface="Gill Sans" charset="0"/>
+                <a:ea typeface="ヒラギノ角ゴ ProN W3" charset="0"/>
+                <a:cs typeface="ヒラギノ角ゴ ProN W3" charset="0"/>
+                <a:sym typeface="Gill Sans" charset="0"/>
+              </a:defRPr>
+            </a:lvl7pPr>
+            <a:lvl8pPr marL="3429000" indent="-228600" algn="ctr" eaLnBrk="0" fontAlgn="base" hangingPunct="0">
+              <a:spcBef>
+                <a:spcPct val="0"/>
+              </a:spcBef>
+              <a:spcAft>
+                <a:spcPct val="0"/>
+              </a:spcAft>
+              <a:defRPr sz="4100">
+                <a:solidFill>
+                  <a:srgbClr val="000000"/>
+                </a:solidFill>
+                <a:latin typeface="Gill Sans" charset="0"/>
+                <a:ea typeface="ヒラギノ角ゴ ProN W3" charset="0"/>
+                <a:cs typeface="ヒラギノ角ゴ ProN W3" charset="0"/>
+                <a:sym typeface="Gill Sans" charset="0"/>
+              </a:defRPr>
+            </a:lvl8pPr>
+            <a:lvl9pPr marL="3886200" indent="-228600" algn="ctr" eaLnBrk="0" fontAlgn="base" hangingPunct="0">
+              <a:spcBef>
+                <a:spcPct val="0"/>
+              </a:spcBef>
+              <a:spcAft>
+                <a:spcPct val="0"/>
+              </a:spcAft>
+              <a:defRPr sz="4100">
+                <a:solidFill>
+                  <a:srgbClr val="000000"/>
+                </a:solidFill>
+                <a:latin typeface="Gill Sans" charset="0"/>
+                <a:ea typeface="ヒラギノ角ゴ ProN W3" charset="0"/>
+                <a:cs typeface="ヒラギノ角ゴ ProN W3" charset="0"/>
+                <a:sym typeface="Gill Sans" charset="0"/>
+              </a:defRPr>
+            </a:lvl9pPr>
+          </a:lstStyle>
+          <a:p>
+            <a:pPr eaLnBrk="1" hangingPunct="1"/>
+            <a:fld id="{010CEAD2-3D3C-2C49-8FA0-F87DAD3AD89E}" type="slidenum">
+              <a:rPr lang="en-US" sz="1200"/>
+              <a:pPr eaLnBrk="1" hangingPunct="1"/>
+              <a:t>11</a:t>
+            </a:fld>
+            <a:endParaRPr lang="en-US" sz="1200"/>
+          </a:p>
+        </p:txBody>
+      </p:sp>
+    </p:spTree>
   </p:cSld>
   <p:clrMapOvr>
     <a:masterClrMapping/>
@@ -3172,6 +3494,67 @@
 </p:sldLayout>
 </file>
 
+<file path=ppt/slideLayouts/slideLayout8.xml><?xml version="1.0" encoding="utf-8"?>
+<p:sldLayout xmlns:a="http://schemas.openxmlformats.org/drawingml/2006/main" xmlns:r="http://schemas.openxmlformats.org/officeDocument/2006/relationships" xmlns:p="http://schemas.openxmlformats.org/presentationml/2006/main" type="blank">
+  <p:cSld name="1_Blank">
+    <p:spTree>
+      <p:nvGrpSpPr>
+        <p:cNvPr id="1" name=""/>
+        <p:cNvGrpSpPr/>
+        <p:nvPr/>
+      </p:nvGrpSpPr>
+      <p:grpSpPr>
+        <a:xfrm>
+          <a:off x="0" y="0"/>
+          <a:ext cx="0" cy="0"/>
+          <a:chOff x="0" y="0"/>
+          <a:chExt cx="0" cy="0"/>
+        </a:xfrm>
+      </p:grpSpPr>
+      <p:pic>
+        <p:nvPicPr>
+          <p:cNvPr id="3" name="Picture 2" descr="couchbase_medium_gradient gray.png"/>
+          <p:cNvPicPr>
+            <a:picLocks noChangeAspect="1"/>
+          </p:cNvPicPr>
+          <p:nvPr userDrawn="1"/>
+        </p:nvPicPr>
+        <p:blipFill>
+          <a:blip r:embed="rId2"/>
+          <a:stretch>
+            <a:fillRect/>
+          </a:stretch>
+        </p:blipFill>
+        <p:spPr>
+          <a:xfrm>
+            <a:off x="7789854" y="4648198"/>
+            <a:ext cx="1051984" cy="450851"/>
+          </a:xfrm>
+          <a:prstGeom prst="rect">
+            <a:avLst/>
+          </a:prstGeom>
+        </p:spPr>
+      </p:pic>
+    </p:spTree>
+    <p:extLst>
+      <p:ext uri="{BB962C8B-B14F-4D97-AF65-F5344CB8AC3E}">
+        <p14:creationId xmlns:p14="http://schemas.microsoft.com/office/powerpoint/2010/main" val="2055080564"/>
+      </p:ext>
+    </p:extLst>
+  </p:cSld>
+  <p:clrMapOvr>
+    <a:masterClrMapping/>
+  </p:clrMapOvr>
+  <p:timing>
+    <p:tnLst>
+      <p:par>
+        <p:cTn xmlns:p14="http://schemas.microsoft.com/office/powerpoint/2010/main" id="1" dur="indefinite" restart="never" nodeType="tmRoot"/>
+      </p:par>
+    </p:tnLst>
+  </p:timing>
+</p:sldLayout>
+</file>
+
 <file path=ppt/slideMasters/slideMaster1.xml><?xml version="1.0" encoding="utf-8"?>
 <p:sldMaster xmlns:a="http://schemas.openxmlformats.org/drawingml/2006/main" xmlns:r="http://schemas.openxmlformats.org/officeDocument/2006/relationships" xmlns:p="http://schemas.openxmlformats.org/presentationml/2006/main">
   <p:cSld>
@@ -3380,6 +3763,7 @@
     <p:sldLayoutId id="2147483663" r:id="rId5"/>
     <p:sldLayoutId id="2147483666" r:id="rId6"/>
     <p:sldLayoutId id="2147483674" r:id="rId7"/>
+    <p:sldLayoutId id="2147483678" r:id="rId8"/>
   </p:sldLayoutIdLst>
   <p:timing>
     <p:tnLst>
@@ -3691,14 +4075,7 @@
           <a:p>
             <a:r>
               <a:rPr lang="en-US" dirty="0" smtClean="0"/>
-              <a:t>Programming Model </a:t>
-            </a:r>
-            <a:br>
-              <a:rPr lang="en-US" dirty="0" smtClean="0"/>
-            </a:br>
-            <a:r>
-              <a:rPr lang="en-US" dirty="0" smtClean="0"/>
-              <a:t>for Couchbase</a:t>
+              <a:t>Programming Couchbase</a:t>
             </a:r>
             <a:endParaRPr lang="en-US" dirty="0"/>
           </a:p>
@@ -3760,36 +4137,6 @@
           <a:chExt cx="0" cy="0"/>
         </a:xfrm>
       </p:grpSpPr>
-      <p:pic>
-        <p:nvPicPr>
-          <p:cNvPr id="11" name="Picture 10" descr="dotNetAvatar.01.png"/>
-          <p:cNvPicPr>
-            <a:picLocks noChangeAspect="1"/>
-          </p:cNvPicPr>
-          <p:nvPr/>
-        </p:nvPicPr>
-        <p:blipFill>
-          <a:blip r:embed="rId2">
-            <a:extLst>
-              <a:ext uri="{28A0092B-C50C-407E-A947-70E740481C1C}">
-                <a14:useLocalDpi xmlns:a14="http://schemas.microsoft.com/office/drawing/2010/main" val="0"/>
-              </a:ext>
-            </a:extLst>
-          </a:blip>
-          <a:stretch>
-            <a:fillRect/>
-          </a:stretch>
-        </p:blipFill>
-        <p:spPr>
-          <a:xfrm>
-            <a:off x="6187440" y="762000"/>
-            <a:ext cx="2438400" cy="2438400"/>
-          </a:xfrm>
-          <a:prstGeom prst="rect">
-            <a:avLst/>
-          </a:prstGeom>
-        </p:spPr>
-      </p:pic>
       <p:sp>
         <p:nvSpPr>
           <p:cNvPr id="2" name="Title 1"/>
@@ -3797,7 +4144,7 @@
             <a:spLocks noGrp="1"/>
           </p:cNvSpPr>
           <p:nvPr>
-            <p:ph type="title"/>
+            <p:ph type="ctrTitle"/>
           </p:nvPr>
         </p:nvSpPr>
         <p:spPr/>
@@ -3807,7 +4154,7 @@
           <a:p>
             <a:r>
               <a:rPr lang="en-US" dirty="0" smtClean="0"/>
-              <a:t>.NET SDK for Couchbase</a:t>
+              <a:t>Bootstrapping</a:t>
             </a:r>
             <a:endParaRPr lang="en-US" dirty="0"/>
           </a:p>
@@ -3815,326 +4162,27 @@
       </p:sp>
       <p:sp>
         <p:nvSpPr>
-          <p:cNvPr id="3" name="Content Placeholder 2"/>
+          <p:cNvPr id="3" name="Subtitle 2"/>
           <p:cNvSpPr>
             <a:spLocks noGrp="1"/>
           </p:cNvSpPr>
           <p:nvPr>
-            <p:ph idx="1"/>
+            <p:ph type="subTitle" idx="1"/>
           </p:nvPr>
         </p:nvSpPr>
-        <p:spPr>
-          <a:xfrm>
-            <a:off x="457201" y="685800"/>
-            <a:ext cx="5730239" cy="3957320"/>
-          </a:xfrm>
-        </p:spPr>
+        <p:spPr/>
         <p:txBody>
           <a:bodyPr/>
           <a:lstStyle/>
           <a:p>
-            <a:pPr marL="0" indent="0">
-              <a:buNone/>
-            </a:pPr>
-            <a:r>
-              <a:rPr lang="en-US" sz="2000" dirty="0" smtClean="0"/>
-              <a:t>.NET</a:t>
-            </a:r>
-          </a:p>
-          <a:p>
-            <a:pPr marL="0" indent="0">
-              <a:buNone/>
-            </a:pPr>
-            <a:r>
-              <a:rPr lang="en-US" sz="1600" dirty="0" smtClean="0"/>
-              <a:t>2.0 – Document oriented, vastly improved connection management</a:t>
-            </a:r>
-          </a:p>
-          <a:p>
-            <a:pPr marL="0" indent="0">
-              <a:buNone/>
-            </a:pPr>
-            <a:r>
-              <a:rPr lang="en-US" sz="1600" dirty="0" smtClean="0"/>
-              <a:t>2.1 – Task-based Asynchronous Pattern,  pluggable transcoders, networking enhancements </a:t>
-            </a:r>
-          </a:p>
-          <a:p>
-            <a:pPr marL="0" indent="0">
-              <a:buNone/>
-            </a:pPr>
-            <a:r>
-              <a:rPr lang="en-US" sz="1600" dirty="0" smtClean="0"/>
-              <a:t>2.2 – (future) Official N1QL support, official geospatial support</a:t>
-            </a:r>
+            <a:endParaRPr lang="en-US" dirty="0"/>
           </a:p>
         </p:txBody>
       </p:sp>
-      <p:sp>
-        <p:nvSpPr>
-          <p:cNvPr id="8" name="Content Placeholder 2"/>
-          <p:cNvSpPr txBox="1">
-            <a:spLocks/>
-          </p:cNvSpPr>
-          <p:nvPr/>
-        </p:nvSpPr>
-        <p:spPr>
-          <a:xfrm>
-            <a:off x="5598161" y="3151505"/>
-            <a:ext cx="3220719" cy="1491615"/>
-          </a:xfrm>
-          <a:prstGeom prst="rect">
-            <a:avLst/>
-          </a:prstGeom>
-        </p:spPr>
-        <p:txBody>
-          <a:bodyPr vert="horz" lIns="91440" tIns="45720" rIns="91440" bIns="45720" rtlCol="0">
-            <a:noAutofit/>
-          </a:bodyPr>
-          <a:lstStyle>
-            <a:lvl1pPr marL="228600" indent="-228600" algn="l" defTabSz="457200" rtl="0" eaLnBrk="1" latinLnBrk="0" hangingPunct="1">
-              <a:lnSpc>
-                <a:spcPct val="100000"/>
-              </a:lnSpc>
-              <a:spcBef>
-                <a:spcPts val="0"/>
-              </a:spcBef>
-              <a:spcAft>
-                <a:spcPts val="300"/>
-              </a:spcAft>
-              <a:buClr>
-                <a:schemeClr val="accent1"/>
-              </a:buClr>
-              <a:buSzPct val="110000"/>
-              <a:buFont typeface="Wingdings" charset="2"/>
-              <a:buChar char="§"/>
-              <a:defRPr sz="2400" kern="1200">
-                <a:solidFill>
-                  <a:schemeClr val="tx1"/>
-                </a:solidFill>
-                <a:latin typeface="+mn-lt"/>
-                <a:ea typeface="+mn-ea"/>
-                <a:cs typeface="+mn-cs"/>
-              </a:defRPr>
-            </a:lvl1pPr>
-            <a:lvl2pPr marL="455613" indent="-225425" algn="l" defTabSz="457200" rtl="0" eaLnBrk="1" latinLnBrk="0" hangingPunct="1">
-              <a:lnSpc>
-                <a:spcPct val="100000"/>
-              </a:lnSpc>
-              <a:spcBef>
-                <a:spcPts val="0"/>
-              </a:spcBef>
-              <a:spcAft>
-                <a:spcPts val="300"/>
-              </a:spcAft>
-              <a:buClr>
-                <a:srgbClr val="262626"/>
-              </a:buClr>
-              <a:buFont typeface="Wingdings" charset="2"/>
-              <a:buChar char="§"/>
-              <a:defRPr sz="2000" kern="1200">
-                <a:solidFill>
-                  <a:schemeClr val="tx1"/>
-                </a:solidFill>
-                <a:latin typeface="+mn-lt"/>
-                <a:ea typeface="+mn-ea"/>
-                <a:cs typeface="+mn-cs"/>
-              </a:defRPr>
-            </a:lvl2pPr>
-            <a:lvl3pPr marL="631825" indent="-177800" algn="l" defTabSz="457200" rtl="0" eaLnBrk="1" latinLnBrk="0" hangingPunct="1">
-              <a:lnSpc>
-                <a:spcPct val="100000"/>
-              </a:lnSpc>
-              <a:spcBef>
-                <a:spcPts val="0"/>
-              </a:spcBef>
-              <a:spcAft>
-                <a:spcPts val="300"/>
-              </a:spcAft>
-              <a:buClr>
-                <a:srgbClr val="262626"/>
-              </a:buClr>
-              <a:buFont typeface="Lucida Grande"/>
-              <a:buChar char="–"/>
-              <a:defRPr sz="2000" kern="1200">
-                <a:solidFill>
-                  <a:schemeClr val="tx1"/>
-                </a:solidFill>
-                <a:latin typeface="+mn-lt"/>
-                <a:ea typeface="+mn-ea"/>
-                <a:cs typeface="+mn-cs"/>
-              </a:defRPr>
-            </a:lvl3pPr>
-            <a:lvl4pPr marL="800100" indent="-168275" algn="l" defTabSz="457200" rtl="0" eaLnBrk="1" latinLnBrk="0" hangingPunct="1">
-              <a:lnSpc>
-                <a:spcPct val="100000"/>
-              </a:lnSpc>
-              <a:spcBef>
-                <a:spcPts val="0"/>
-              </a:spcBef>
-              <a:spcAft>
-                <a:spcPts val="300"/>
-              </a:spcAft>
-              <a:buClr>
-                <a:srgbClr val="262626"/>
-              </a:buClr>
-              <a:buFont typeface="Lucida Grande"/>
-              <a:buChar char="–"/>
-              <a:defRPr sz="1600" kern="1200">
-                <a:solidFill>
-                  <a:schemeClr val="tx1"/>
-                </a:solidFill>
-                <a:latin typeface="+mn-lt"/>
-                <a:ea typeface="+mn-ea"/>
-                <a:cs typeface="+mn-cs"/>
-              </a:defRPr>
-            </a:lvl4pPr>
-            <a:lvl5pPr marL="969963" indent="-169863" algn="l" defTabSz="457200" rtl="0" eaLnBrk="1" latinLnBrk="0" hangingPunct="1">
-              <a:lnSpc>
-                <a:spcPct val="100000"/>
-              </a:lnSpc>
-              <a:spcBef>
-                <a:spcPts val="0"/>
-              </a:spcBef>
-              <a:spcAft>
-                <a:spcPts val="300"/>
-              </a:spcAft>
-              <a:buClr>
-                <a:srgbClr val="262626"/>
-              </a:buClr>
-              <a:buFont typeface="Lucida Grande"/>
-              <a:buChar char="–"/>
-              <a:defRPr sz="1600" kern="1200">
-                <a:solidFill>
-                  <a:schemeClr val="tx1"/>
-                </a:solidFill>
-                <a:latin typeface="+mn-lt"/>
-                <a:ea typeface="+mn-ea"/>
-                <a:cs typeface="+mn-cs"/>
-              </a:defRPr>
-            </a:lvl5pPr>
-            <a:lvl6pPr marL="2514600" indent="-228600" algn="l" defTabSz="457200" rtl="0" eaLnBrk="1" latinLnBrk="0" hangingPunct="1">
-              <a:spcBef>
-                <a:spcPct val="20000"/>
-              </a:spcBef>
-              <a:buFont typeface="Arial"/>
-              <a:buChar char="•"/>
-              <a:defRPr sz="2000" kern="1200">
-                <a:solidFill>
-                  <a:schemeClr val="tx1"/>
-                </a:solidFill>
-                <a:latin typeface="+mn-lt"/>
-                <a:ea typeface="+mn-ea"/>
-                <a:cs typeface="+mn-cs"/>
-              </a:defRPr>
-            </a:lvl6pPr>
-            <a:lvl7pPr marL="2971800" indent="-228600" algn="l" defTabSz="457200" rtl="0" eaLnBrk="1" latinLnBrk="0" hangingPunct="1">
-              <a:spcBef>
-                <a:spcPct val="20000"/>
-              </a:spcBef>
-              <a:buFont typeface="Arial"/>
-              <a:buChar char="•"/>
-              <a:defRPr sz="2000" kern="1200">
-                <a:solidFill>
-                  <a:schemeClr val="tx1"/>
-                </a:solidFill>
-                <a:latin typeface="+mn-lt"/>
-                <a:ea typeface="+mn-ea"/>
-                <a:cs typeface="+mn-cs"/>
-              </a:defRPr>
-            </a:lvl7pPr>
-            <a:lvl8pPr marL="3429000" indent="-228600" algn="l" defTabSz="457200" rtl="0" eaLnBrk="1" latinLnBrk="0" hangingPunct="1">
-              <a:spcBef>
-                <a:spcPct val="20000"/>
-              </a:spcBef>
-              <a:buFont typeface="Arial"/>
-              <a:buChar char="•"/>
-              <a:defRPr sz="2000" kern="1200">
-                <a:solidFill>
-                  <a:schemeClr val="tx1"/>
-                </a:solidFill>
-                <a:latin typeface="+mn-lt"/>
-                <a:ea typeface="+mn-ea"/>
-                <a:cs typeface="+mn-cs"/>
-              </a:defRPr>
-            </a:lvl8pPr>
-            <a:lvl9pPr marL="3886200" indent="-228600" algn="l" defTabSz="457200" rtl="0" eaLnBrk="1" latinLnBrk="0" hangingPunct="1">
-              <a:spcBef>
-                <a:spcPct val="20000"/>
-              </a:spcBef>
-              <a:buFont typeface="Arial"/>
-              <a:buChar char="•"/>
-              <a:defRPr sz="2000" kern="1200">
-                <a:solidFill>
-                  <a:schemeClr val="tx1"/>
-                </a:solidFill>
-                <a:latin typeface="+mn-lt"/>
-                <a:ea typeface="+mn-ea"/>
-                <a:cs typeface="+mn-cs"/>
-              </a:defRPr>
-            </a:lvl9pPr>
-          </a:lstStyle>
-          <a:p>
-            <a:r>
-              <a:rPr lang="en-US" sz="1800" dirty="0" smtClean="0"/>
-              <a:t>Integration for .NET</a:t>
-            </a:r>
-          </a:p>
-          <a:p>
-            <a:pPr lvl="1"/>
-            <a:r>
-              <a:rPr lang="en-US" sz="1400" dirty="0" smtClean="0"/>
-              <a:t>LINQ  (language integrated query)</a:t>
-            </a:r>
-          </a:p>
-          <a:p>
-            <a:pPr lvl="1"/>
-            <a:r>
-              <a:rPr lang="en-US" sz="1400" dirty="0" smtClean="0"/>
-              <a:t>ASP.NET Session Providers</a:t>
-            </a:r>
-          </a:p>
-          <a:p>
-            <a:pPr lvl="1"/>
-            <a:r>
-              <a:rPr lang="en-US" sz="1400" dirty="0" err="1" smtClean="0"/>
-              <a:t>Contrib</a:t>
-            </a:r>
-            <a:r>
-              <a:rPr lang="en-US" sz="1400" dirty="0" smtClean="0"/>
-              <a:t> for new features</a:t>
-            </a:r>
-          </a:p>
-        </p:txBody>
-      </p:sp>
-      <p:pic>
-        <p:nvPicPr>
-          <p:cNvPr id="12" name="Picture 11"/>
-          <p:cNvPicPr>
-            <a:picLocks noChangeAspect="1"/>
-          </p:cNvPicPr>
-          <p:nvPr/>
-        </p:nvPicPr>
-        <p:blipFill>
-          <a:blip r:embed="rId3"/>
-          <a:stretch>
-            <a:fillRect/>
-          </a:stretch>
-        </p:blipFill>
-        <p:spPr>
-          <a:xfrm>
-            <a:off x="1981200" y="2513850"/>
-            <a:ext cx="3108960" cy="2129270"/>
-          </a:xfrm>
-          <a:prstGeom prst="rect">
-            <a:avLst/>
-          </a:prstGeom>
-        </p:spPr>
-      </p:pic>
     </p:spTree>
     <p:extLst>
       <p:ext uri="{BB962C8B-B14F-4D97-AF65-F5344CB8AC3E}">
-        <p14:creationId xmlns:p14="http://schemas.microsoft.com/office/powerpoint/2010/main" val="3714359048"/>
+        <p14:creationId xmlns:p14="http://schemas.microsoft.com/office/powerpoint/2010/main" val="2129075235"/>
       </p:ext>
     </p:extLst>
   </p:cSld>
@@ -4170,32 +4218,889 @@
       </p:grpSpPr>
       <p:pic>
         <p:nvPicPr>
-          <p:cNvPr id="6" name="Picture 5" descr="nodeJSAvatar.01.png"/>
+          <p:cNvPr id="32769" name="Picture 13"/>
+          <p:cNvPicPr>
+            <a:picLocks noChangeAspect="1" noChangeArrowheads="1"/>
+          </p:cNvPicPr>
+          <p:nvPr/>
+        </p:nvPicPr>
+        <p:blipFill>
+          <a:blip r:embed="rId3">
+            <a:extLst>
+              <a:ext uri="{28A0092B-C50C-407E-A947-70E740481C1C}">
+                <a14:useLocalDpi xmlns:a14="http://schemas.microsoft.com/office/drawing/2010/main" val="0"/>
+              </a:ext>
+            </a:extLst>
+          </a:blip>
+          <a:srcRect/>
+          <a:stretch>
+            <a:fillRect/>
+          </a:stretch>
+        </p:blipFill>
+        <p:spPr bwMode="auto">
+          <a:xfrm>
+            <a:off x="6894514" y="2793206"/>
+            <a:ext cx="1195387" cy="896541"/>
+          </a:xfrm>
+          <a:prstGeom prst="rect">
+            <a:avLst/>
+          </a:prstGeom>
+          <a:noFill/>
+          <a:ln>
+            <a:noFill/>
+          </a:ln>
+          <a:extLst>
+            <a:ext uri="{909E8E84-426E-40dd-AFC4-6F175D3DCCD1}">
+              <a14:hiddenFill xmlns:a14="http://schemas.microsoft.com/office/drawing/2010/main">
+                <a:solidFill>
+                  <a:srgbClr val="FFFFFF"/>
+                </a:solidFill>
+              </a14:hiddenFill>
+            </a:ext>
+            <a:ext uri="{91240B29-F687-4f45-9708-019B960494DF}">
+              <a14:hiddenLine xmlns:a14="http://schemas.microsoft.com/office/drawing/2010/main" w="12700">
+                <a:solidFill>
+                  <a:srgbClr val="000000"/>
+                </a:solidFill>
+                <a:miter lim="800000"/>
+                <a:headEnd/>
+                <a:tailEnd/>
+              </a14:hiddenLine>
+            </a:ext>
+          </a:extLst>
+        </p:spPr>
+      </p:pic>
+      <p:pic>
+        <p:nvPicPr>
+          <p:cNvPr id="32770" name="Picture 16"/>
+          <p:cNvPicPr>
+            <a:picLocks noChangeAspect="1" noChangeArrowheads="1"/>
+          </p:cNvPicPr>
+          <p:nvPr/>
+        </p:nvPicPr>
+        <p:blipFill>
+          <a:blip r:embed="rId3">
+            <a:extLst>
+              <a:ext uri="{28A0092B-C50C-407E-A947-70E740481C1C}">
+                <a14:useLocalDpi xmlns:a14="http://schemas.microsoft.com/office/drawing/2010/main" val="0"/>
+              </a:ext>
+            </a:extLst>
+          </a:blip>
+          <a:srcRect/>
+          <a:stretch>
+            <a:fillRect/>
+          </a:stretch>
+        </p:blipFill>
+        <p:spPr bwMode="auto">
+          <a:xfrm>
+            <a:off x="6894514" y="1854994"/>
+            <a:ext cx="1195387" cy="897731"/>
+          </a:xfrm>
+          <a:prstGeom prst="rect">
+            <a:avLst/>
+          </a:prstGeom>
+          <a:noFill/>
+          <a:ln>
+            <a:noFill/>
+          </a:ln>
+          <a:extLst>
+            <a:ext uri="{909E8E84-426E-40dd-AFC4-6F175D3DCCD1}">
+              <a14:hiddenFill xmlns:a14="http://schemas.microsoft.com/office/drawing/2010/main">
+                <a:solidFill>
+                  <a:srgbClr val="FFFFFF"/>
+                </a:solidFill>
+              </a14:hiddenFill>
+            </a:ext>
+            <a:ext uri="{91240B29-F687-4f45-9708-019B960494DF}">
+              <a14:hiddenLine xmlns:a14="http://schemas.microsoft.com/office/drawing/2010/main" w="12700">
+                <a:solidFill>
+                  <a:srgbClr val="000000"/>
+                </a:solidFill>
+                <a:miter lim="800000"/>
+                <a:headEnd/>
+                <a:tailEnd/>
+              </a14:hiddenLine>
+            </a:ext>
+          </a:extLst>
+        </p:spPr>
+      </p:pic>
+      <p:pic>
+        <p:nvPicPr>
+          <p:cNvPr id="32771" name="Picture 19"/>
+          <p:cNvPicPr>
+            <a:picLocks noChangeAspect="1" noChangeArrowheads="1"/>
+          </p:cNvPicPr>
+          <p:nvPr/>
+        </p:nvPicPr>
+        <p:blipFill>
+          <a:blip r:embed="rId3">
+            <a:extLst>
+              <a:ext uri="{28A0092B-C50C-407E-A947-70E740481C1C}">
+                <a14:useLocalDpi xmlns:a14="http://schemas.microsoft.com/office/drawing/2010/main" val="0"/>
+              </a:ext>
+            </a:extLst>
+          </a:blip>
+          <a:srcRect/>
+          <a:stretch>
+            <a:fillRect/>
+          </a:stretch>
+        </p:blipFill>
+        <p:spPr bwMode="auto">
+          <a:xfrm>
+            <a:off x="6894514" y="917973"/>
+            <a:ext cx="1195387" cy="896540"/>
+          </a:xfrm>
+          <a:prstGeom prst="rect">
+            <a:avLst/>
+          </a:prstGeom>
+          <a:noFill/>
+          <a:ln>
+            <a:noFill/>
+          </a:ln>
+          <a:extLst>
+            <a:ext uri="{909E8E84-426E-40dd-AFC4-6F175D3DCCD1}">
+              <a14:hiddenFill xmlns:a14="http://schemas.microsoft.com/office/drawing/2010/main">
+                <a:solidFill>
+                  <a:srgbClr val="FFFFFF"/>
+                </a:solidFill>
+              </a14:hiddenFill>
+            </a:ext>
+            <a:ext uri="{91240B29-F687-4f45-9708-019B960494DF}">
+              <a14:hiddenLine xmlns:a14="http://schemas.microsoft.com/office/drawing/2010/main" w="12700">
+                <a:solidFill>
+                  <a:srgbClr val="000000"/>
+                </a:solidFill>
+                <a:miter lim="800000"/>
+                <a:headEnd/>
+                <a:tailEnd/>
+              </a14:hiddenLine>
+            </a:ext>
+          </a:extLst>
+        </p:spPr>
+      </p:pic>
+      <p:sp>
+        <p:nvSpPr>
+          <p:cNvPr id="14358" name="AutoShape 22"/>
+          <p:cNvSpPr>
+            <a:spLocks/>
+          </p:cNvSpPr>
+          <p:nvPr/>
+        </p:nvSpPr>
+        <p:spPr bwMode="auto">
+          <a:xfrm>
+            <a:off x="758825" y="2143125"/>
+            <a:ext cx="2668588" cy="495300"/>
+          </a:xfrm>
+          <a:prstGeom prst="roundRect">
+            <a:avLst>
+              <a:gd name="adj" fmla="val 20269"/>
+            </a:avLst>
+          </a:prstGeom>
+          <a:gradFill rotWithShape="0">
+            <a:gsLst>
+              <a:gs pos="0">
+                <a:srgbClr val="66CCFF"/>
+              </a:gs>
+              <a:gs pos="100000">
+                <a:srgbClr val="4F81BD"/>
+              </a:gs>
+            </a:gsLst>
+            <a:lin ang="5400000" scaled="1"/>
+          </a:gradFill>
+          <a:ln w="25400" cap="flat">
+            <a:solidFill>
+              <a:srgbClr val="000000"/>
+            </a:solidFill>
+            <a:prstDash val="solid"/>
+            <a:miter lim="800000"/>
+            <a:headEnd type="none" w="med" len="med"/>
+            <a:tailEnd type="none" w="med" len="med"/>
+          </a:ln>
+        </p:spPr>
+        <p:txBody>
+          <a:bodyPr lIns="0" tIns="0" rIns="0" bIns="0" anchor="ctr"/>
+          <a:lstStyle/>
+          <a:p>
+            <a:pPr>
+              <a:defRPr/>
+            </a:pPr>
+            <a:r>
+              <a:rPr lang="en-US" sz="2500" dirty="0">
+                <a:solidFill>
+                  <a:srgbClr val="FFFFFF"/>
+                </a:solidFill>
+                <a:effectLst>
+                  <a:outerShdw blurRad="38100" dist="38100" dir="2700000" algn="tl">
+                    <a:srgbClr val="000000"/>
+                  </a:outerShdw>
+                </a:effectLst>
+                <a:latin typeface="Calibri" charset="0"/>
+                <a:ea typeface="ＭＳ Ｐゴシック" charset="0"/>
+                <a:cs typeface="Calibri" charset="0"/>
+                <a:sym typeface="Calibri" charset="0"/>
+              </a:rPr>
+              <a:t>  </a:t>
+            </a:r>
+            <a:r>
+              <a:rPr lang="en-US" sz="2500" dirty="0" err="1">
+                <a:solidFill>
+                  <a:srgbClr val="FFFFFF"/>
+                </a:solidFill>
+                <a:effectLst>
+                  <a:outerShdw blurRad="38100" dist="38100" dir="2700000" algn="tl">
+                    <a:srgbClr val="000000"/>
+                  </a:outerShdw>
+                </a:effectLst>
+                <a:latin typeface="Calibri" charset="0"/>
+                <a:ea typeface="ＭＳ Ｐゴシック" charset="0"/>
+                <a:cs typeface="Calibri" charset="0"/>
+                <a:sym typeface="Calibri" charset="0"/>
+              </a:rPr>
+              <a:t>Couchbase</a:t>
+            </a:r>
+            <a:r>
+              <a:rPr lang="en-US" sz="2500" dirty="0">
+                <a:solidFill>
+                  <a:srgbClr val="FFFFFF"/>
+                </a:solidFill>
+                <a:effectLst>
+                  <a:outerShdw blurRad="38100" dist="38100" dir="2700000" algn="tl">
+                    <a:srgbClr val="000000"/>
+                  </a:outerShdw>
+                </a:effectLst>
+                <a:latin typeface="Calibri" charset="0"/>
+                <a:ea typeface="ＭＳ Ｐゴシック" charset="0"/>
+                <a:cs typeface="Calibri" charset="0"/>
+                <a:sym typeface="Calibri" charset="0"/>
+              </a:rPr>
+              <a:t> Client</a:t>
+            </a:r>
+          </a:p>
+        </p:txBody>
+      </p:sp>
+      <p:sp>
+        <p:nvSpPr>
+          <p:cNvPr id="32773" name="Rectangle 23"/>
+          <p:cNvSpPr>
+            <a:spLocks/>
+          </p:cNvSpPr>
+          <p:nvPr/>
+        </p:nvSpPr>
+        <p:spPr bwMode="auto">
+          <a:xfrm>
+            <a:off x="1490664" y="2638426"/>
+            <a:ext cx="1143642" cy="307777"/>
+          </a:xfrm>
+          <a:prstGeom prst="rect">
+            <a:avLst/>
+          </a:prstGeom>
+          <a:noFill/>
+          <a:ln>
+            <a:noFill/>
+          </a:ln>
+          <a:extLst>
+            <a:ext uri="{909E8E84-426E-40dd-AFC4-6F175D3DCCD1}">
+              <a14:hiddenFill xmlns:a14="http://schemas.microsoft.com/office/drawing/2010/main">
+                <a:solidFill>
+                  <a:srgbClr val="FFFFFF"/>
+                </a:solidFill>
+              </a14:hiddenFill>
+            </a:ext>
+            <a:ext uri="{91240B29-F687-4f45-9708-019B960494DF}">
+              <a14:hiddenLine xmlns:a14="http://schemas.microsoft.com/office/drawing/2010/main" w="12700">
+                <a:solidFill>
+                  <a:srgbClr val="000000"/>
+                </a:solidFill>
+                <a:miter lim="800000"/>
+                <a:headEnd/>
+                <a:tailEnd/>
+              </a14:hiddenLine>
+            </a:ext>
+          </a:extLst>
+        </p:spPr>
+        <p:txBody>
+          <a:bodyPr wrap="none" lIns="0" tIns="0" rIns="0" bIns="0">
+            <a:spAutoFit/>
+          </a:bodyPr>
+          <a:lstStyle/>
+          <a:p>
+            <a:pPr algn="l"/>
+            <a:r>
+              <a:rPr lang="en-US" sz="2000">
+                <a:latin typeface="Calibri Bold" charset="0"/>
+                <a:ea typeface="ＭＳ Ｐゴシック" charset="0"/>
+                <a:cs typeface="ＭＳ Ｐゴシック" charset="0"/>
+                <a:sym typeface="Calibri Bold" charset="0"/>
+              </a:rPr>
+              <a:t>App Server</a:t>
+            </a:r>
+          </a:p>
+        </p:txBody>
+      </p:sp>
+      <p:grpSp>
+        <p:nvGrpSpPr>
+          <p:cNvPr id="14362" name="Group 26"/>
+          <p:cNvGrpSpPr>
+            <a:grpSpLocks/>
+          </p:cNvGrpSpPr>
+          <p:nvPr/>
+        </p:nvGrpSpPr>
+        <p:grpSpPr bwMode="auto">
+          <a:xfrm>
+            <a:off x="3452813" y="1425178"/>
+            <a:ext cx="3613150" cy="860822"/>
+            <a:chOff x="0" y="0"/>
+            <a:chExt cx="3236" cy="1027"/>
+          </a:xfrm>
+        </p:grpSpPr>
+        <p:sp>
+          <p:nvSpPr>
+            <p:cNvPr id="32786" name="Line 24"/>
+            <p:cNvSpPr>
+              <a:spLocks noChangeShapeType="1"/>
+            </p:cNvSpPr>
+            <p:nvPr/>
+          </p:nvSpPr>
+          <p:spPr bwMode="auto">
+            <a:xfrm rot="10800000" flipH="1">
+              <a:off x="0" y="0"/>
+              <a:ext cx="3236" cy="1027"/>
+            </a:xfrm>
+            <a:prstGeom prst="line">
+              <a:avLst/>
+            </a:prstGeom>
+            <a:noFill/>
+            <a:ln w="38100">
+              <a:solidFill>
+                <a:srgbClr val="000000"/>
+              </a:solidFill>
+              <a:prstDash val="sysDot"/>
+              <a:round/>
+              <a:headEnd/>
+              <a:tailEnd type="triangle" w="med" len="med"/>
+            </a:ln>
+            <a:extLst>
+              <a:ext uri="{909E8E84-426E-40dd-AFC4-6F175D3DCCD1}">
+                <a14:hiddenFill xmlns:a14="http://schemas.microsoft.com/office/drawing/2010/main">
+                  <a:noFill/>
+                </a14:hiddenFill>
+              </a:ext>
+            </a:extLst>
+          </p:spPr>
+          <p:txBody>
+            <a:bodyPr lIns="0" tIns="0" rIns="0" bIns="0"/>
+            <a:lstStyle/>
+            <a:p>
+              <a:endParaRPr lang="en-US"/>
+            </a:p>
+          </p:txBody>
+        </p:sp>
+        <p:sp>
+          <p:nvSpPr>
+            <p:cNvPr id="32787" name="Rectangle 25"/>
+            <p:cNvSpPr>
+              <a:spLocks/>
+            </p:cNvSpPr>
+            <p:nvPr/>
+          </p:nvSpPr>
+          <p:spPr bwMode="auto">
+            <a:xfrm rot="20550000">
+              <a:off x="681" y="257"/>
+              <a:ext cx="1364" cy="312"/>
+            </a:xfrm>
+            <a:prstGeom prst="rect">
+              <a:avLst/>
+            </a:prstGeom>
+            <a:noFill/>
+            <a:ln>
+              <a:noFill/>
+            </a:ln>
+            <a:extLst>
+              <a:ext uri="{909E8E84-426E-40dd-AFC4-6F175D3DCCD1}">
+                <a14:hiddenFill xmlns:a14="http://schemas.microsoft.com/office/drawing/2010/main">
+                  <a:solidFill>
+                    <a:srgbClr val="FFFFFF"/>
+                  </a:solidFill>
+                </a14:hiddenFill>
+              </a:ext>
+              <a:ext uri="{91240B29-F687-4f45-9708-019B960494DF}">
+                <a14:hiddenLine xmlns:a14="http://schemas.microsoft.com/office/drawing/2010/main" w="12700">
+                  <a:solidFill>
+                    <a:srgbClr val="000000"/>
+                  </a:solidFill>
+                  <a:miter lim="800000"/>
+                  <a:headEnd/>
+                  <a:tailEnd/>
+                </a14:hiddenLine>
+              </a:ext>
+            </a:extLst>
+          </p:spPr>
+          <p:txBody>
+            <a:bodyPr wrap="none" lIns="0" tIns="0" rIns="0" bIns="0">
+              <a:spAutoFit/>
+            </a:bodyPr>
+            <a:lstStyle/>
+            <a:p>
+              <a:pPr algn="l"/>
+              <a:r>
+                <a:rPr lang="en-US" sz="1700">
+                  <a:latin typeface="Calibri" charset="0"/>
+                  <a:ea typeface="ＭＳ Ｐゴシック" charset="0"/>
+                  <a:cs typeface="ＭＳ Ｐゴシック" charset="0"/>
+                  <a:sym typeface="Calibri" charset="0"/>
+                </a:rPr>
+                <a:t>make connection</a:t>
+              </a:r>
+            </a:p>
+          </p:txBody>
+        </p:sp>
+      </p:grpSp>
+      <p:grpSp>
+        <p:nvGrpSpPr>
+          <p:cNvPr id="14365" name="Group 29"/>
+          <p:cNvGrpSpPr>
+            <a:grpSpLocks/>
+          </p:cNvGrpSpPr>
+          <p:nvPr/>
+        </p:nvGrpSpPr>
+        <p:grpSpPr bwMode="auto">
+          <a:xfrm>
+            <a:off x="3455988" y="1540669"/>
+            <a:ext cx="3611562" cy="859631"/>
+            <a:chOff x="0" y="0"/>
+            <a:chExt cx="3236" cy="1027"/>
+          </a:xfrm>
+        </p:grpSpPr>
+        <p:sp>
+          <p:nvSpPr>
+            <p:cNvPr id="32784" name="Line 27"/>
+            <p:cNvSpPr>
+              <a:spLocks noChangeShapeType="1"/>
+            </p:cNvSpPr>
+            <p:nvPr/>
+          </p:nvSpPr>
+          <p:spPr bwMode="auto">
+            <a:xfrm rot="10800000" flipH="1">
+              <a:off x="0" y="0"/>
+              <a:ext cx="3236" cy="1027"/>
+            </a:xfrm>
+            <a:prstGeom prst="line">
+              <a:avLst/>
+            </a:prstGeom>
+            <a:noFill/>
+            <a:ln w="38100">
+              <a:solidFill>
+                <a:srgbClr val="000000"/>
+              </a:solidFill>
+              <a:prstDash val="sysDot"/>
+              <a:round/>
+              <a:headEnd type="triangle" w="med" len="med"/>
+              <a:tailEnd/>
+            </a:ln>
+            <a:extLst>
+              <a:ext uri="{909E8E84-426E-40dd-AFC4-6F175D3DCCD1}">
+                <a14:hiddenFill xmlns:a14="http://schemas.microsoft.com/office/drawing/2010/main">
+                  <a:noFill/>
+                </a14:hiddenFill>
+              </a:ext>
+            </a:extLst>
+          </p:spPr>
+          <p:txBody>
+            <a:bodyPr lIns="0" tIns="0" rIns="0" bIns="0"/>
+            <a:lstStyle/>
+            <a:p>
+              <a:endParaRPr lang="en-US"/>
+            </a:p>
+          </p:txBody>
+        </p:sp>
+        <p:sp>
+          <p:nvSpPr>
+            <p:cNvPr id="32785" name="Rectangle 28"/>
+            <p:cNvSpPr>
+              <a:spLocks/>
+            </p:cNvSpPr>
+            <p:nvPr/>
+          </p:nvSpPr>
+          <p:spPr bwMode="auto">
+            <a:xfrm rot="20550000">
+              <a:off x="851" y="527"/>
+              <a:ext cx="1322" cy="313"/>
+            </a:xfrm>
+            <a:prstGeom prst="rect">
+              <a:avLst/>
+            </a:prstGeom>
+            <a:noFill/>
+            <a:ln>
+              <a:noFill/>
+            </a:ln>
+            <a:extLst>
+              <a:ext uri="{909E8E84-426E-40dd-AFC4-6F175D3DCCD1}">
+                <a14:hiddenFill xmlns:a14="http://schemas.microsoft.com/office/drawing/2010/main">
+                  <a:solidFill>
+                    <a:srgbClr val="FFFFFF"/>
+                  </a:solidFill>
+                </a14:hiddenFill>
+              </a:ext>
+              <a:ext uri="{91240B29-F687-4f45-9708-019B960494DF}">
+                <a14:hiddenLine xmlns:a14="http://schemas.microsoft.com/office/drawing/2010/main" w="12700">
+                  <a:solidFill>
+                    <a:srgbClr val="000000"/>
+                  </a:solidFill>
+                  <a:miter lim="800000"/>
+                  <a:headEnd/>
+                  <a:tailEnd/>
+                </a14:hiddenLine>
+              </a:ext>
+            </a:extLst>
+          </p:spPr>
+          <p:txBody>
+            <a:bodyPr wrap="none" lIns="0" tIns="0" rIns="0" bIns="0">
+              <a:spAutoFit/>
+            </a:bodyPr>
+            <a:lstStyle/>
+            <a:p>
+              <a:pPr algn="l"/>
+              <a:r>
+                <a:rPr lang="en-US" sz="1700">
+                  <a:latin typeface="Calibri" charset="0"/>
+                  <a:ea typeface="ＭＳ Ｐゴシック" charset="0"/>
+                  <a:cs typeface="ＭＳ Ｐゴシック" charset="0"/>
+                  <a:sym typeface="Calibri" charset="0"/>
+                </a:rPr>
+                <a:t>receive topology</a:t>
+              </a:r>
+            </a:p>
+          </p:txBody>
+        </p:sp>
+      </p:grpSp>
+      <p:sp>
+        <p:nvSpPr>
+          <p:cNvPr id="14367" name="Line 31"/>
+          <p:cNvSpPr>
+            <a:spLocks noChangeShapeType="1"/>
+          </p:cNvSpPr>
+          <p:nvPr/>
+        </p:nvSpPr>
+        <p:spPr bwMode="auto">
+          <a:xfrm flipH="1">
+            <a:off x="3455989" y="2300287"/>
+            <a:ext cx="3640137" cy="109538"/>
+          </a:xfrm>
+          <a:prstGeom prst="line">
+            <a:avLst/>
+          </a:prstGeom>
+          <a:noFill/>
+          <a:ln w="38100">
+            <a:solidFill>
+              <a:srgbClr val="000000"/>
+            </a:solidFill>
+            <a:prstDash val="sysDot"/>
+            <a:round/>
+            <a:headEnd type="triangle" w="med" len="med"/>
+            <a:tailEnd/>
+          </a:ln>
+          <a:extLst>
+            <a:ext uri="{909E8E84-426E-40dd-AFC4-6F175D3DCCD1}">
+              <a14:hiddenFill xmlns:a14="http://schemas.microsoft.com/office/drawing/2010/main">
+                <a:noFill/>
+              </a14:hiddenFill>
+            </a:ext>
+          </a:extLst>
+        </p:spPr>
+        <p:txBody>
+          <a:bodyPr lIns="0" tIns="0" rIns="0" bIns="0"/>
+          <a:lstStyle/>
+          <a:p>
+            <a:endParaRPr lang="en-US"/>
+          </a:p>
+        </p:txBody>
+      </p:sp>
+      <p:sp>
+        <p:nvSpPr>
+          <p:cNvPr id="14368" name="Line 32"/>
+          <p:cNvSpPr>
+            <a:spLocks noChangeShapeType="1"/>
+          </p:cNvSpPr>
+          <p:nvPr/>
+        </p:nvSpPr>
+        <p:spPr bwMode="auto">
+          <a:xfrm flipH="1">
+            <a:off x="3465513" y="2377679"/>
+            <a:ext cx="3613150" cy="91678"/>
+          </a:xfrm>
+          <a:prstGeom prst="line">
+            <a:avLst/>
+          </a:prstGeom>
+          <a:noFill/>
+          <a:ln w="38100">
+            <a:solidFill>
+              <a:srgbClr val="000000"/>
+            </a:solidFill>
+            <a:prstDash val="sysDot"/>
+            <a:round/>
+            <a:headEnd/>
+            <a:tailEnd type="triangle" w="med" len="med"/>
+          </a:ln>
+          <a:extLst>
+            <a:ext uri="{909E8E84-426E-40dd-AFC4-6F175D3DCCD1}">
+              <a14:hiddenFill xmlns:a14="http://schemas.microsoft.com/office/drawing/2010/main">
+                <a:noFill/>
+              </a14:hiddenFill>
+            </a:ext>
+          </a:extLst>
+        </p:spPr>
+        <p:txBody>
+          <a:bodyPr lIns="0" tIns="0" rIns="0" bIns="0"/>
+          <a:lstStyle/>
+          <a:p>
+            <a:endParaRPr lang="en-US"/>
+          </a:p>
+        </p:txBody>
+      </p:sp>
+      <p:sp>
+        <p:nvSpPr>
+          <p:cNvPr id="14372" name="Line 36"/>
+          <p:cNvSpPr>
+            <a:spLocks noChangeShapeType="1"/>
+          </p:cNvSpPr>
+          <p:nvPr/>
+        </p:nvSpPr>
+        <p:spPr bwMode="auto">
+          <a:xfrm rot="10800000">
+            <a:off x="3455988" y="2411017"/>
+            <a:ext cx="3611562" cy="859631"/>
+          </a:xfrm>
+          <a:prstGeom prst="line">
+            <a:avLst/>
+          </a:prstGeom>
+          <a:noFill/>
+          <a:ln w="38100">
+            <a:solidFill>
+              <a:srgbClr val="000000"/>
+            </a:solidFill>
+            <a:prstDash val="sysDot"/>
+            <a:round/>
+            <a:headEnd type="triangle" w="med" len="med"/>
+            <a:tailEnd/>
+          </a:ln>
+          <a:extLst>
+            <a:ext uri="{909E8E84-426E-40dd-AFC4-6F175D3DCCD1}">
+              <a14:hiddenFill xmlns:a14="http://schemas.microsoft.com/office/drawing/2010/main">
+                <a:noFill/>
+              </a14:hiddenFill>
+            </a:ext>
+          </a:extLst>
+        </p:spPr>
+        <p:txBody>
+          <a:bodyPr lIns="0" tIns="0" rIns="0" bIns="0"/>
+          <a:lstStyle/>
+          <a:p>
+            <a:endParaRPr lang="en-US"/>
+          </a:p>
+        </p:txBody>
+      </p:sp>
+      <p:sp>
+        <p:nvSpPr>
+          <p:cNvPr id="14373" name="Line 37"/>
+          <p:cNvSpPr>
+            <a:spLocks noChangeShapeType="1"/>
+          </p:cNvSpPr>
+          <p:nvPr/>
+        </p:nvSpPr>
+        <p:spPr bwMode="auto">
+          <a:xfrm rot="10800000">
+            <a:off x="3482976" y="2497931"/>
+            <a:ext cx="3548063" cy="866775"/>
+          </a:xfrm>
+          <a:prstGeom prst="line">
+            <a:avLst/>
+          </a:prstGeom>
+          <a:noFill/>
+          <a:ln w="38100">
+            <a:solidFill>
+              <a:srgbClr val="000000"/>
+            </a:solidFill>
+            <a:prstDash val="sysDot"/>
+            <a:round/>
+            <a:headEnd/>
+            <a:tailEnd type="triangle" w="med" len="med"/>
+          </a:ln>
+          <a:extLst>
+            <a:ext uri="{909E8E84-426E-40dd-AFC4-6F175D3DCCD1}">
+              <a14:hiddenFill xmlns:a14="http://schemas.microsoft.com/office/drawing/2010/main">
+                <a:noFill/>
+              </a14:hiddenFill>
+            </a:ext>
+          </a:extLst>
+        </p:spPr>
+        <p:txBody>
+          <a:bodyPr lIns="0" tIns="0" rIns="0" bIns="0"/>
+          <a:lstStyle/>
+          <a:p>
+            <a:endParaRPr lang="en-US"/>
+          </a:p>
+        </p:txBody>
+      </p:sp>
+      <p:pic>
+        <p:nvPicPr>
+          <p:cNvPr id="32781" name="Picture 40" descr="150x150-circle-icon.png"/>
           <p:cNvPicPr>
             <a:picLocks noChangeAspect="1"/>
           </p:cNvPicPr>
           <p:nvPr/>
         </p:nvPicPr>
         <p:blipFill>
-          <a:blip r:embed="rId2">
+          <a:blip r:embed="rId4">
             <a:extLst>
               <a:ext uri="{28A0092B-C50C-407E-A947-70E740481C1C}">
                 <a14:useLocalDpi xmlns:a14="http://schemas.microsoft.com/office/drawing/2010/main" val="0"/>
               </a:ext>
             </a:extLst>
           </a:blip>
+          <a:srcRect/>
           <a:stretch>
             <a:fillRect/>
           </a:stretch>
         </p:blipFill>
-        <p:spPr>
+        <p:spPr bwMode="auto">
           <a:xfrm>
-            <a:off x="6187440" y="762000"/>
-            <a:ext cx="2438400" cy="2438400"/>
+            <a:off x="7480300" y="1306117"/>
+            <a:ext cx="376238" cy="278606"/>
           </a:xfrm>
           <a:prstGeom prst="rect">
             <a:avLst/>
           </a:prstGeom>
+          <a:noFill/>
+          <a:ln>
+            <a:noFill/>
+          </a:ln>
+          <a:extLst>
+            <a:ext uri="{909E8E84-426E-40dd-AFC4-6F175D3DCCD1}">
+              <a14:hiddenFill xmlns:a14="http://schemas.microsoft.com/office/drawing/2010/main">
+                <a:solidFill>
+                  <a:srgbClr val="FFFFFF"/>
+                </a:solidFill>
+              </a14:hiddenFill>
+            </a:ext>
+            <a:ext uri="{91240B29-F687-4f45-9708-019B960494DF}">
+              <a14:hiddenLine xmlns:a14="http://schemas.microsoft.com/office/drawing/2010/main" w="9525">
+                <a:solidFill>
+                  <a:srgbClr val="000000"/>
+                </a:solidFill>
+                <a:miter lim="800000"/>
+                <a:headEnd/>
+                <a:tailEnd/>
+              </a14:hiddenLine>
+            </a:ext>
+          </a:extLst>
+        </p:spPr>
+      </p:pic>
+      <p:pic>
+        <p:nvPicPr>
+          <p:cNvPr id="32782" name="Picture 42" descr="150x150-circle-icon.png"/>
+          <p:cNvPicPr>
+            <a:picLocks noChangeAspect="1"/>
+          </p:cNvPicPr>
+          <p:nvPr/>
+        </p:nvPicPr>
+        <p:blipFill>
+          <a:blip r:embed="rId4">
+            <a:extLst>
+              <a:ext uri="{28A0092B-C50C-407E-A947-70E740481C1C}">
+                <a14:useLocalDpi xmlns:a14="http://schemas.microsoft.com/office/drawing/2010/main" val="0"/>
+              </a:ext>
+            </a:extLst>
+          </a:blip>
+          <a:srcRect/>
+          <a:stretch>
+            <a:fillRect/>
+          </a:stretch>
+        </p:blipFill>
+        <p:spPr bwMode="auto">
+          <a:xfrm>
+            <a:off x="7488239" y="2252663"/>
+            <a:ext cx="377825" cy="278606"/>
+          </a:xfrm>
+          <a:prstGeom prst="rect">
+            <a:avLst/>
+          </a:prstGeom>
+          <a:noFill/>
+          <a:ln>
+            <a:noFill/>
+          </a:ln>
+          <a:extLst>
+            <a:ext uri="{909E8E84-426E-40dd-AFC4-6F175D3DCCD1}">
+              <a14:hiddenFill xmlns:a14="http://schemas.microsoft.com/office/drawing/2010/main">
+                <a:solidFill>
+                  <a:srgbClr val="FFFFFF"/>
+                </a:solidFill>
+              </a14:hiddenFill>
+            </a:ext>
+            <a:ext uri="{91240B29-F687-4f45-9708-019B960494DF}">
+              <a14:hiddenLine xmlns:a14="http://schemas.microsoft.com/office/drawing/2010/main" w="9525">
+                <a:solidFill>
+                  <a:srgbClr val="000000"/>
+                </a:solidFill>
+                <a:miter lim="800000"/>
+                <a:headEnd/>
+                <a:tailEnd/>
+              </a14:hiddenLine>
+            </a:ext>
+          </a:extLst>
+        </p:spPr>
+      </p:pic>
+      <p:pic>
+        <p:nvPicPr>
+          <p:cNvPr id="32783" name="Picture 43" descr="150x150-circle-icon.png"/>
+          <p:cNvPicPr>
+            <a:picLocks noChangeAspect="1"/>
+          </p:cNvPicPr>
+          <p:nvPr/>
+        </p:nvPicPr>
+        <p:blipFill>
+          <a:blip r:embed="rId4">
+            <a:extLst>
+              <a:ext uri="{28A0092B-C50C-407E-A947-70E740481C1C}">
+                <a14:useLocalDpi xmlns:a14="http://schemas.microsoft.com/office/drawing/2010/main" val="0"/>
+              </a:ext>
+            </a:extLst>
+          </a:blip>
+          <a:srcRect/>
+          <a:stretch>
+            <a:fillRect/>
+          </a:stretch>
+        </p:blipFill>
+        <p:spPr bwMode="auto">
+          <a:xfrm>
+            <a:off x="7488239" y="3186113"/>
+            <a:ext cx="377825" cy="278606"/>
+          </a:xfrm>
+          <a:prstGeom prst="rect">
+            <a:avLst/>
+          </a:prstGeom>
+          <a:noFill/>
+          <a:ln>
+            <a:noFill/>
+          </a:ln>
+          <a:extLst>
+            <a:ext uri="{909E8E84-426E-40dd-AFC4-6F175D3DCCD1}">
+              <a14:hiddenFill xmlns:a14="http://schemas.microsoft.com/office/drawing/2010/main">
+                <a:solidFill>
+                  <a:srgbClr val="FFFFFF"/>
+                </a:solidFill>
+              </a14:hiddenFill>
+            </a:ext>
+            <a:ext uri="{91240B29-F687-4f45-9708-019B960494DF}">
+              <a14:hiddenLine xmlns:a14="http://schemas.microsoft.com/office/drawing/2010/main" w="9525">
+                <a:solidFill>
+                  <a:srgbClr val="000000"/>
+                </a:solidFill>
+                <a:miter lim="800000"/>
+                <a:headEnd/>
+                <a:tailEnd/>
+              </a14:hiddenLine>
+            </a:ext>
+          </a:extLst>
         </p:spPr>
       </p:pic>
       <p:sp>
@@ -4214,442 +5119,695 @@
           <a:lstStyle/>
           <a:p>
             <a:r>
-              <a:rPr lang="en-US" dirty="0" err="1" smtClean="0"/>
-              <a:t>Node.js</a:t>
-            </a:r>
-            <a:r>
               <a:rPr lang="en-US" dirty="0" smtClean="0"/>
-              <a:t> SDK for Couchbase</a:t>
+              <a:t>Client Setup: Getting Cluster Configuration</a:t>
             </a:r>
             <a:endParaRPr lang="en-US" dirty="0"/>
           </a:p>
         </p:txBody>
       </p:sp>
-      <p:sp>
-        <p:nvSpPr>
-          <p:cNvPr id="3" name="Content Placeholder 2"/>
-          <p:cNvSpPr>
-            <a:spLocks noGrp="1"/>
-          </p:cNvSpPr>
-          <p:nvPr>
-            <p:ph idx="1"/>
-          </p:nvPr>
-        </p:nvSpPr>
-        <p:spPr>
-          <a:xfrm>
-            <a:off x="457201" y="685800"/>
-            <a:ext cx="5953760" cy="3957320"/>
-          </a:xfrm>
-        </p:spPr>
-        <p:txBody>
-          <a:bodyPr/>
-          <a:lstStyle/>
-          <a:p>
-            <a:pPr marL="0" indent="0">
-              <a:buNone/>
-            </a:pPr>
-            <a:r>
-              <a:rPr lang="en-US" sz="2000" dirty="0" err="1" smtClean="0"/>
-              <a:t>Node.js</a:t>
-            </a:r>
-            <a:endParaRPr lang="en-US" sz="2000" dirty="0" smtClean="0"/>
-          </a:p>
-          <a:p>
-            <a:pPr marL="0" indent="0">
-              <a:buNone/>
-            </a:pPr>
-            <a:r>
-              <a:rPr lang="en-US" sz="1600" dirty="0" smtClean="0"/>
-              <a:t>2.0 – More document oriented, revised view interface, experimental N1QL support, streaming view results and automatic pipelining of multi-operations</a:t>
-            </a:r>
-          </a:p>
-          <a:p>
-            <a:pPr marL="0" indent="0">
-              <a:buNone/>
-            </a:pPr>
-            <a:r>
-              <a:rPr lang="en-US" sz="1600" dirty="0" smtClean="0"/>
-              <a:t>2.1 </a:t>
-            </a:r>
-            <a:r>
-              <a:rPr lang="en-US" sz="1600" smtClean="0"/>
-              <a:t>– </a:t>
-            </a:r>
-            <a:r>
-              <a:rPr lang="en-US" sz="1600" smtClean="0"/>
-              <a:t>(future) N1QL </a:t>
-            </a:r>
-            <a:r>
-              <a:rPr lang="en-US" sz="1600" dirty="0" smtClean="0"/>
-              <a:t>official support</a:t>
-            </a:r>
-          </a:p>
-          <a:p>
-            <a:r>
-              <a:rPr lang="en-US" sz="1600" dirty="0" smtClean="0"/>
-              <a:t>Based on and bundles </a:t>
-            </a:r>
-            <a:r>
-              <a:rPr lang="en-US" sz="1600" dirty="0" err="1" smtClean="0"/>
-              <a:t>libcouchbase</a:t>
-            </a:r>
-            <a:r>
-              <a:rPr lang="en-US" sz="1600" dirty="0" smtClean="0"/>
-              <a:t>, the super-fast event-oriented C SDK/library for Couchbase</a:t>
-            </a:r>
-          </a:p>
-          <a:p>
-            <a:r>
-              <a:rPr lang="en-US" sz="1600" dirty="0" smtClean="0"/>
-              <a:t>Asynchronous Interface</a:t>
-            </a:r>
-          </a:p>
-          <a:p>
-            <a:pPr lvl="1"/>
-            <a:r>
-              <a:rPr lang="en-US" sz="1200" dirty="0" smtClean="0"/>
-              <a:t>All responses are through callbacks as expected</a:t>
-            </a:r>
-          </a:p>
-          <a:p>
-            <a:pPr lvl="1"/>
-            <a:endParaRPr lang="en-US" sz="1200" dirty="0"/>
-          </a:p>
-        </p:txBody>
-      </p:sp>
-      <p:sp>
-        <p:nvSpPr>
-          <p:cNvPr id="8" name="Content Placeholder 2"/>
-          <p:cNvSpPr txBox="1">
-            <a:spLocks/>
-          </p:cNvSpPr>
-          <p:nvPr/>
-        </p:nvSpPr>
-        <p:spPr>
-          <a:xfrm>
-            <a:off x="5598161" y="3151505"/>
-            <a:ext cx="3220719" cy="1644015"/>
-          </a:xfrm>
-          <a:prstGeom prst="rect">
-            <a:avLst/>
-          </a:prstGeom>
-        </p:spPr>
-        <p:txBody>
-          <a:bodyPr vert="horz" lIns="91440" tIns="45720" rIns="91440" bIns="45720" rtlCol="0">
-            <a:noAutofit/>
-          </a:bodyPr>
-          <a:lstStyle>
-            <a:lvl1pPr marL="228600" indent="-228600" algn="l" defTabSz="457200" rtl="0" eaLnBrk="1" latinLnBrk="0" hangingPunct="1">
-              <a:lnSpc>
-                <a:spcPct val="100000"/>
-              </a:lnSpc>
-              <a:spcBef>
-                <a:spcPts val="0"/>
-              </a:spcBef>
-              <a:spcAft>
-                <a:spcPts val="300"/>
-              </a:spcAft>
-              <a:buClr>
-                <a:schemeClr val="accent1"/>
-              </a:buClr>
-              <a:buSzPct val="110000"/>
-              <a:buFont typeface="Wingdings" charset="2"/>
-              <a:buChar char="§"/>
-              <a:defRPr sz="2400" kern="1200">
-                <a:solidFill>
-                  <a:schemeClr val="tx1"/>
-                </a:solidFill>
-                <a:latin typeface="+mn-lt"/>
-                <a:ea typeface="+mn-ea"/>
-                <a:cs typeface="+mn-cs"/>
-              </a:defRPr>
-            </a:lvl1pPr>
-            <a:lvl2pPr marL="455613" indent="-225425" algn="l" defTabSz="457200" rtl="0" eaLnBrk="1" latinLnBrk="0" hangingPunct="1">
-              <a:lnSpc>
-                <a:spcPct val="100000"/>
-              </a:lnSpc>
-              <a:spcBef>
-                <a:spcPts val="0"/>
-              </a:spcBef>
-              <a:spcAft>
-                <a:spcPts val="300"/>
-              </a:spcAft>
-              <a:buClr>
-                <a:srgbClr val="262626"/>
-              </a:buClr>
-              <a:buFont typeface="Wingdings" charset="2"/>
-              <a:buChar char="§"/>
-              <a:defRPr sz="2000" kern="1200">
-                <a:solidFill>
-                  <a:schemeClr val="tx1"/>
-                </a:solidFill>
-                <a:latin typeface="+mn-lt"/>
-                <a:ea typeface="+mn-ea"/>
-                <a:cs typeface="+mn-cs"/>
-              </a:defRPr>
-            </a:lvl2pPr>
-            <a:lvl3pPr marL="631825" indent="-177800" algn="l" defTabSz="457200" rtl="0" eaLnBrk="1" latinLnBrk="0" hangingPunct="1">
-              <a:lnSpc>
-                <a:spcPct val="100000"/>
-              </a:lnSpc>
-              <a:spcBef>
-                <a:spcPts val="0"/>
-              </a:spcBef>
-              <a:spcAft>
-                <a:spcPts val="300"/>
-              </a:spcAft>
-              <a:buClr>
-                <a:srgbClr val="262626"/>
-              </a:buClr>
-              <a:buFont typeface="Lucida Grande"/>
-              <a:buChar char="–"/>
-              <a:defRPr sz="2000" kern="1200">
-                <a:solidFill>
-                  <a:schemeClr val="tx1"/>
-                </a:solidFill>
-                <a:latin typeface="+mn-lt"/>
-                <a:ea typeface="+mn-ea"/>
-                <a:cs typeface="+mn-cs"/>
-              </a:defRPr>
-            </a:lvl3pPr>
-            <a:lvl4pPr marL="800100" indent="-168275" algn="l" defTabSz="457200" rtl="0" eaLnBrk="1" latinLnBrk="0" hangingPunct="1">
-              <a:lnSpc>
-                <a:spcPct val="100000"/>
-              </a:lnSpc>
-              <a:spcBef>
-                <a:spcPts val="0"/>
-              </a:spcBef>
-              <a:spcAft>
-                <a:spcPts val="300"/>
-              </a:spcAft>
-              <a:buClr>
-                <a:srgbClr val="262626"/>
-              </a:buClr>
-              <a:buFont typeface="Lucida Grande"/>
-              <a:buChar char="–"/>
-              <a:defRPr sz="1600" kern="1200">
-                <a:solidFill>
-                  <a:schemeClr val="tx1"/>
-                </a:solidFill>
-                <a:latin typeface="+mn-lt"/>
-                <a:ea typeface="+mn-ea"/>
-                <a:cs typeface="+mn-cs"/>
-              </a:defRPr>
-            </a:lvl4pPr>
-            <a:lvl5pPr marL="969963" indent="-169863" algn="l" defTabSz="457200" rtl="0" eaLnBrk="1" latinLnBrk="0" hangingPunct="1">
-              <a:lnSpc>
-                <a:spcPct val="100000"/>
-              </a:lnSpc>
-              <a:spcBef>
-                <a:spcPts val="0"/>
-              </a:spcBef>
-              <a:spcAft>
-                <a:spcPts val="300"/>
-              </a:spcAft>
-              <a:buClr>
-                <a:srgbClr val="262626"/>
-              </a:buClr>
-              <a:buFont typeface="Lucida Grande"/>
-              <a:buChar char="–"/>
-              <a:defRPr sz="1600" kern="1200">
-                <a:solidFill>
-                  <a:schemeClr val="tx1"/>
-                </a:solidFill>
-                <a:latin typeface="+mn-lt"/>
-                <a:ea typeface="+mn-ea"/>
-                <a:cs typeface="+mn-cs"/>
-              </a:defRPr>
-            </a:lvl5pPr>
-            <a:lvl6pPr marL="2514600" indent="-228600" algn="l" defTabSz="457200" rtl="0" eaLnBrk="1" latinLnBrk="0" hangingPunct="1">
-              <a:spcBef>
-                <a:spcPct val="20000"/>
-              </a:spcBef>
-              <a:buFont typeface="Arial"/>
-              <a:buChar char="•"/>
-              <a:defRPr sz="2000" kern="1200">
-                <a:solidFill>
-                  <a:schemeClr val="tx1"/>
-                </a:solidFill>
-                <a:latin typeface="+mn-lt"/>
-                <a:ea typeface="+mn-ea"/>
-                <a:cs typeface="+mn-cs"/>
-              </a:defRPr>
-            </a:lvl6pPr>
-            <a:lvl7pPr marL="2971800" indent="-228600" algn="l" defTabSz="457200" rtl="0" eaLnBrk="1" latinLnBrk="0" hangingPunct="1">
-              <a:spcBef>
-                <a:spcPct val="20000"/>
-              </a:spcBef>
-              <a:buFont typeface="Arial"/>
-              <a:buChar char="•"/>
-              <a:defRPr sz="2000" kern="1200">
-                <a:solidFill>
-                  <a:schemeClr val="tx1"/>
-                </a:solidFill>
-                <a:latin typeface="+mn-lt"/>
-                <a:ea typeface="+mn-ea"/>
-                <a:cs typeface="+mn-cs"/>
-              </a:defRPr>
-            </a:lvl7pPr>
-            <a:lvl8pPr marL="3429000" indent="-228600" algn="l" defTabSz="457200" rtl="0" eaLnBrk="1" latinLnBrk="0" hangingPunct="1">
-              <a:spcBef>
-                <a:spcPct val="20000"/>
-              </a:spcBef>
-              <a:buFont typeface="Arial"/>
-              <a:buChar char="•"/>
-              <a:defRPr sz="2000" kern="1200">
-                <a:solidFill>
-                  <a:schemeClr val="tx1"/>
-                </a:solidFill>
-                <a:latin typeface="+mn-lt"/>
-                <a:ea typeface="+mn-ea"/>
-                <a:cs typeface="+mn-cs"/>
-              </a:defRPr>
-            </a:lvl8pPr>
-            <a:lvl9pPr marL="3886200" indent="-228600" algn="l" defTabSz="457200" rtl="0" eaLnBrk="1" latinLnBrk="0" hangingPunct="1">
-              <a:spcBef>
-                <a:spcPct val="20000"/>
-              </a:spcBef>
-              <a:buFont typeface="Arial"/>
-              <a:buChar char="•"/>
-              <a:defRPr sz="2000" kern="1200">
-                <a:solidFill>
-                  <a:schemeClr val="tx1"/>
-                </a:solidFill>
-                <a:latin typeface="+mn-lt"/>
-                <a:ea typeface="+mn-ea"/>
-                <a:cs typeface="+mn-cs"/>
-              </a:defRPr>
-            </a:lvl9pPr>
-          </a:lstStyle>
-          <a:p>
-            <a:r>
-              <a:rPr lang="en-US" sz="1600" dirty="0" smtClean="0"/>
-              <a:t>Frameworks for </a:t>
-            </a:r>
-            <a:r>
-              <a:rPr lang="en-US" sz="1600" dirty="0" err="1" smtClean="0"/>
-              <a:t>Node.js</a:t>
-            </a:r>
-            <a:r>
-              <a:rPr lang="en-US" sz="1600" dirty="0" smtClean="0"/>
-              <a:t> developers</a:t>
-            </a:r>
-          </a:p>
-          <a:p>
-            <a:pPr lvl="1"/>
-            <a:r>
-              <a:rPr lang="en-US" sz="1100" dirty="0" smtClean="0"/>
-              <a:t>Couchbase Ottoman</a:t>
-            </a:r>
-          </a:p>
-          <a:p>
-            <a:pPr lvl="1"/>
-            <a:r>
-              <a:rPr lang="en-US" sz="1100" dirty="0" err="1" smtClean="0"/>
-              <a:t>Kouch</a:t>
-            </a:r>
-            <a:r>
-              <a:rPr lang="en-US" sz="1100" dirty="0" smtClean="0"/>
-              <a:t>: Mongoose-like porting framework </a:t>
-            </a:r>
-          </a:p>
-          <a:p>
-            <a:pPr lvl="1"/>
-            <a:r>
-              <a:rPr lang="en-US" sz="1100" dirty="0" smtClean="0"/>
-              <a:t>arrest-</a:t>
-            </a:r>
-            <a:r>
-              <a:rPr lang="en-US" sz="1100" dirty="0" err="1" smtClean="0"/>
-              <a:t>couchbase</a:t>
-            </a:r>
-            <a:r>
-              <a:rPr lang="en-US" sz="1100" dirty="0" smtClean="0"/>
-              <a:t>, fast-</a:t>
-            </a:r>
-            <a:r>
-              <a:rPr lang="en-US" sz="1100" dirty="0" err="1" smtClean="0"/>
-              <a:t>api</a:t>
-            </a:r>
-            <a:r>
-              <a:rPr lang="en-US" sz="1100" dirty="0" smtClean="0"/>
-              <a:t>, sofa-</a:t>
-            </a:r>
-            <a:r>
-              <a:rPr lang="en-US" sz="1100" dirty="0" err="1" smtClean="0"/>
-              <a:t>odm</a:t>
-            </a:r>
-            <a:r>
-              <a:rPr lang="en-US" sz="1100" dirty="0" smtClean="0"/>
-              <a:t>, </a:t>
-            </a:r>
-            <a:r>
-              <a:rPr lang="en-US" sz="1100" dirty="0" err="1" smtClean="0"/>
-              <a:t>couchtard</a:t>
-            </a:r>
-            <a:endParaRPr lang="en-US" sz="1100" dirty="0" smtClean="0"/>
-          </a:p>
-          <a:p>
-            <a:pPr lvl="1"/>
-            <a:r>
-              <a:rPr lang="en-US" sz="1100" dirty="0" smtClean="0"/>
-              <a:t>33 dependencies on </a:t>
-            </a:r>
-            <a:r>
-              <a:rPr lang="en-US" sz="1100" dirty="0" err="1" smtClean="0"/>
-              <a:t>npm</a:t>
-            </a:r>
-            <a:r>
-              <a:rPr lang="en-US" sz="1100" dirty="0" smtClean="0"/>
-              <a:t>!</a:t>
-            </a:r>
-          </a:p>
-          <a:p>
-            <a:pPr lvl="1"/>
-            <a:endParaRPr lang="en-US" sz="1200" dirty="0" smtClean="0"/>
-          </a:p>
-        </p:txBody>
-      </p:sp>
-      <p:pic>
-        <p:nvPicPr>
-          <p:cNvPr id="7" name="Picture 6"/>
-          <p:cNvPicPr>
-            <a:picLocks noChangeAspect="1"/>
-          </p:cNvPicPr>
-          <p:nvPr/>
-        </p:nvPicPr>
-        <p:blipFill>
-          <a:blip r:embed="rId3"/>
-          <a:stretch>
-            <a:fillRect/>
-          </a:stretch>
-        </p:blipFill>
-        <p:spPr>
-          <a:xfrm>
-            <a:off x="599441" y="2919832"/>
-            <a:ext cx="4632960" cy="1723288"/>
-          </a:xfrm>
-          <a:prstGeom prst="rect">
-            <a:avLst/>
-          </a:prstGeom>
-        </p:spPr>
-      </p:pic>
     </p:spTree>
     <p:extLst>
       <p:ext uri="{BB962C8B-B14F-4D97-AF65-F5344CB8AC3E}">
-        <p14:creationId xmlns:p14="http://schemas.microsoft.com/office/powerpoint/2010/main" val="2617164019"/>
+        <p14:creationId xmlns:p14="http://schemas.microsoft.com/office/powerpoint/2010/main" val="1625738893"/>
       </p:ext>
     </p:extLst>
   </p:cSld>
   <p:clrMapOvr>
     <a:masterClrMapping/>
   </p:clrMapOvr>
+  <p:transition xmlns:p14="http://schemas.microsoft.com/office/powerpoint/2010/main" spd="slow"/>
   <p:timing>
     <p:tnLst>
       <p:par>
-        <p:cTn xmlns:p14="http://schemas.microsoft.com/office/powerpoint/2010/main" id="1" dur="indefinite" restart="never" nodeType="tmRoot"/>
+        <p:cTn xmlns:p14="http://schemas.microsoft.com/office/powerpoint/2010/main" id="1" dur="indefinite" restart="never" nodeType="tmRoot">
+          <p:childTnLst>
+            <p:seq concurrent="1" nextAc="seek">
+              <p:cTn id="2" dur="indefinite" nodeType="mainSeq">
+                <p:childTnLst>
+                  <p:par>
+                    <p:cTn id="3" fill="hold" nodeType="clickPar">
+                      <p:stCondLst>
+                        <p:cond delay="indefinite"/>
+                      </p:stCondLst>
+                      <p:childTnLst>
+                        <p:par>
+                          <p:cTn id="4" fill="hold" nodeType="withGroup">
+                            <p:stCondLst>
+                              <p:cond delay="0"/>
+                            </p:stCondLst>
+                            <p:childTnLst>
+                              <p:par>
+                                <p:cTn id="5" presetID="23" presetClass="entr" presetSubtype="16" fill="hold" nodeType="clickEffect">
+                                  <p:stCondLst>
+                                    <p:cond delay="0"/>
+                                  </p:stCondLst>
+                                  <p:childTnLst>
+                                    <p:set>
+                                      <p:cBhvr>
+                                        <p:cTn id="6" dur="1" fill="hold">
+                                          <p:stCondLst>
+                                            <p:cond delay="0"/>
+                                          </p:stCondLst>
+                                        </p:cTn>
+                                        <p:tgtEl>
+                                          <p:spTgt spid="14362"/>
+                                        </p:tgtEl>
+                                        <p:attrNameLst>
+                                          <p:attrName>style.visibility</p:attrName>
+                                        </p:attrNameLst>
+                                      </p:cBhvr>
+                                      <p:to>
+                                        <p:strVal val="visible"/>
+                                      </p:to>
+                                    </p:set>
+                                    <p:anim calcmode="lin" valueType="num">
+                                      <p:cBhvr>
+                                        <p:cTn id="7" dur="500" fill="hold"/>
+                                        <p:tgtEl>
+                                          <p:spTgt spid="14362"/>
+                                        </p:tgtEl>
+                                        <p:attrNameLst>
+                                          <p:attrName>ppt_w</p:attrName>
+                                        </p:attrNameLst>
+                                      </p:cBhvr>
+                                      <p:tavLst>
+                                        <p:tav tm="0">
+                                          <p:val>
+                                            <p:fltVal val="0"/>
+                                          </p:val>
+                                        </p:tav>
+                                        <p:tav tm="100000">
+                                          <p:val>
+                                            <p:strVal val="#ppt_w"/>
+                                          </p:val>
+                                        </p:tav>
+                                      </p:tavLst>
+                                    </p:anim>
+                                    <p:anim calcmode="lin" valueType="num">
+                                      <p:cBhvr>
+                                        <p:cTn id="8" dur="500" fill="hold"/>
+                                        <p:tgtEl>
+                                          <p:spTgt spid="14362"/>
+                                        </p:tgtEl>
+                                        <p:attrNameLst>
+                                          <p:attrName>ppt_h</p:attrName>
+                                        </p:attrNameLst>
+                                      </p:cBhvr>
+                                      <p:tavLst>
+                                        <p:tav tm="0">
+                                          <p:val>
+                                            <p:fltVal val="0"/>
+                                          </p:val>
+                                        </p:tav>
+                                        <p:tav tm="100000">
+                                          <p:val>
+                                            <p:strVal val="#ppt_h"/>
+                                          </p:val>
+                                        </p:tav>
+                                      </p:tavLst>
+                                    </p:anim>
+                                  </p:childTnLst>
+                                </p:cTn>
+                              </p:par>
+                            </p:childTnLst>
+                          </p:cTn>
+                        </p:par>
+                      </p:childTnLst>
+                    </p:cTn>
+                  </p:par>
+                  <p:par>
+                    <p:cTn id="9" fill="hold" nodeType="clickPar">
+                      <p:stCondLst>
+                        <p:cond delay="indefinite"/>
+                      </p:stCondLst>
+                      <p:childTnLst>
+                        <p:par>
+                          <p:cTn id="10" fill="hold" nodeType="withGroup">
+                            <p:stCondLst>
+                              <p:cond delay="0"/>
+                            </p:stCondLst>
+                            <p:childTnLst>
+                              <p:par>
+                                <p:cTn id="11" presetID="23" presetClass="entr" presetSubtype="16" fill="hold" nodeType="clickEffect">
+                                  <p:stCondLst>
+                                    <p:cond delay="0"/>
+                                  </p:stCondLst>
+                                  <p:childTnLst>
+                                    <p:set>
+                                      <p:cBhvr>
+                                        <p:cTn id="12" dur="1" fill="hold">
+                                          <p:stCondLst>
+                                            <p:cond delay="0"/>
+                                          </p:stCondLst>
+                                        </p:cTn>
+                                        <p:tgtEl>
+                                          <p:spTgt spid="14365"/>
+                                        </p:tgtEl>
+                                        <p:attrNameLst>
+                                          <p:attrName>style.visibility</p:attrName>
+                                        </p:attrNameLst>
+                                      </p:cBhvr>
+                                      <p:to>
+                                        <p:strVal val="visible"/>
+                                      </p:to>
+                                    </p:set>
+                                    <p:anim calcmode="lin" valueType="num">
+                                      <p:cBhvr>
+                                        <p:cTn id="13" dur="500" fill="hold"/>
+                                        <p:tgtEl>
+                                          <p:spTgt spid="14365"/>
+                                        </p:tgtEl>
+                                        <p:attrNameLst>
+                                          <p:attrName>ppt_w</p:attrName>
+                                        </p:attrNameLst>
+                                      </p:cBhvr>
+                                      <p:tavLst>
+                                        <p:tav tm="0">
+                                          <p:val>
+                                            <p:fltVal val="0"/>
+                                          </p:val>
+                                        </p:tav>
+                                        <p:tav tm="100000">
+                                          <p:val>
+                                            <p:strVal val="#ppt_w"/>
+                                          </p:val>
+                                        </p:tav>
+                                      </p:tavLst>
+                                    </p:anim>
+                                    <p:anim calcmode="lin" valueType="num">
+                                      <p:cBhvr>
+                                        <p:cTn id="14" dur="500" fill="hold"/>
+                                        <p:tgtEl>
+                                          <p:spTgt spid="14365"/>
+                                        </p:tgtEl>
+                                        <p:attrNameLst>
+                                          <p:attrName>ppt_h</p:attrName>
+                                        </p:attrNameLst>
+                                      </p:cBhvr>
+                                      <p:tavLst>
+                                        <p:tav tm="0">
+                                          <p:val>
+                                            <p:fltVal val="0"/>
+                                          </p:val>
+                                        </p:tav>
+                                        <p:tav tm="100000">
+                                          <p:val>
+                                            <p:strVal val="#ppt_h"/>
+                                          </p:val>
+                                        </p:tav>
+                                      </p:tavLst>
+                                    </p:anim>
+                                  </p:childTnLst>
+                                </p:cTn>
+                              </p:par>
+                            </p:childTnLst>
+                          </p:cTn>
+                        </p:par>
+                      </p:childTnLst>
+                    </p:cTn>
+                  </p:par>
+                  <p:par>
+                    <p:cTn id="15" fill="hold" nodeType="clickPar">
+                      <p:stCondLst>
+                        <p:cond delay="indefinite"/>
+                      </p:stCondLst>
+                      <p:childTnLst>
+                        <p:par>
+                          <p:cTn id="16" fill="hold" nodeType="withGroup">
+                            <p:stCondLst>
+                              <p:cond delay="0"/>
+                            </p:stCondLst>
+                            <p:childTnLst>
+                              <p:par>
+                                <p:cTn id="17" presetID="1" presetClass="exit" presetSubtype="0" fill="hold" nodeType="clickEffect">
+                                  <p:stCondLst>
+                                    <p:cond delay="0"/>
+                                  </p:stCondLst>
+                                  <p:childTnLst>
+                                    <p:set>
+                                      <p:cBhvr>
+                                        <p:cTn id="18" dur="1" fill="hold">
+                                          <p:stCondLst>
+                                            <p:cond delay="499"/>
+                                          </p:stCondLst>
+                                        </p:cTn>
+                                        <p:tgtEl>
+                                          <p:spTgt spid="14362"/>
+                                        </p:tgtEl>
+                                        <p:attrNameLst>
+                                          <p:attrName>style.visibility</p:attrName>
+                                        </p:attrNameLst>
+                                      </p:cBhvr>
+                                      <p:to>
+                                        <p:strVal val="hidden"/>
+                                      </p:to>
+                                    </p:set>
+                                  </p:childTnLst>
+                                </p:cTn>
+                              </p:par>
+                            </p:childTnLst>
+                          </p:cTn>
+                        </p:par>
+                      </p:childTnLst>
+                    </p:cTn>
+                  </p:par>
+                  <p:par>
+                    <p:cTn id="19" fill="hold" nodeType="clickPar">
+                      <p:stCondLst>
+                        <p:cond delay="indefinite"/>
+                      </p:stCondLst>
+                      <p:childTnLst>
+                        <p:par>
+                          <p:cTn id="20" fill="hold" nodeType="withGroup">
+                            <p:stCondLst>
+                              <p:cond delay="0"/>
+                            </p:stCondLst>
+                            <p:childTnLst>
+                              <p:par>
+                                <p:cTn id="21" presetID="1" presetClass="exit" presetSubtype="0" fill="hold" nodeType="clickEffect">
+                                  <p:stCondLst>
+                                    <p:cond delay="0"/>
+                                  </p:stCondLst>
+                                  <p:childTnLst>
+                                    <p:set>
+                                      <p:cBhvr>
+                                        <p:cTn id="22" dur="1" fill="hold">
+                                          <p:stCondLst>
+                                            <p:cond delay="499"/>
+                                          </p:stCondLst>
+                                        </p:cTn>
+                                        <p:tgtEl>
+                                          <p:spTgt spid="14365"/>
+                                        </p:tgtEl>
+                                        <p:attrNameLst>
+                                          <p:attrName>style.visibility</p:attrName>
+                                        </p:attrNameLst>
+                                      </p:cBhvr>
+                                      <p:to>
+                                        <p:strVal val="hidden"/>
+                                      </p:to>
+                                    </p:set>
+                                  </p:childTnLst>
+                                </p:cTn>
+                              </p:par>
+                            </p:childTnLst>
+                          </p:cTn>
+                        </p:par>
+                      </p:childTnLst>
+                    </p:cTn>
+                  </p:par>
+                  <p:par>
+                    <p:cTn id="23" fill="hold" nodeType="clickPar">
+                      <p:stCondLst>
+                        <p:cond delay="indefinite"/>
+                      </p:stCondLst>
+                      <p:childTnLst>
+                        <p:par>
+                          <p:cTn id="24" fill="hold" nodeType="withGroup">
+                            <p:stCondLst>
+                              <p:cond delay="0"/>
+                            </p:stCondLst>
+                            <p:childTnLst>
+                              <p:par>
+                                <p:cTn id="25" presetID="1" presetClass="entr" presetSubtype="0" fill="hold" grpId="0" nodeType="clickEffect">
+                                  <p:stCondLst>
+                                    <p:cond delay="0"/>
+                                  </p:stCondLst>
+                                  <p:childTnLst>
+                                    <p:set>
+                                      <p:cBhvr>
+                                        <p:cTn id="26" dur="1" fill="hold">
+                                          <p:stCondLst>
+                                            <p:cond delay="499"/>
+                                          </p:stCondLst>
+                                        </p:cTn>
+                                        <p:tgtEl>
+                                          <p:spTgt spid="14367"/>
+                                        </p:tgtEl>
+                                        <p:attrNameLst>
+                                          <p:attrName>style.visibility</p:attrName>
+                                        </p:attrNameLst>
+                                      </p:cBhvr>
+                                      <p:to>
+                                        <p:strVal val="visible"/>
+                                      </p:to>
+                                    </p:set>
+                                  </p:childTnLst>
+                                </p:cTn>
+                              </p:par>
+                            </p:childTnLst>
+                          </p:cTn>
+                        </p:par>
+                      </p:childTnLst>
+                    </p:cTn>
+                  </p:par>
+                  <p:par>
+                    <p:cTn id="27" fill="hold" nodeType="clickPar">
+                      <p:stCondLst>
+                        <p:cond delay="indefinite"/>
+                      </p:stCondLst>
+                      <p:childTnLst>
+                        <p:par>
+                          <p:cTn id="28" fill="hold" nodeType="withGroup">
+                            <p:stCondLst>
+                              <p:cond delay="0"/>
+                            </p:stCondLst>
+                            <p:childTnLst>
+                              <p:par>
+                                <p:cTn id="29" presetID="1" presetClass="entr" presetSubtype="0" fill="hold" grpId="0" nodeType="clickEffect">
+                                  <p:stCondLst>
+                                    <p:cond delay="0"/>
+                                  </p:stCondLst>
+                                  <p:childTnLst>
+                                    <p:set>
+                                      <p:cBhvr>
+                                        <p:cTn id="30" dur="1" fill="hold">
+                                          <p:stCondLst>
+                                            <p:cond delay="499"/>
+                                          </p:stCondLst>
+                                        </p:cTn>
+                                        <p:tgtEl>
+                                          <p:spTgt spid="14368"/>
+                                        </p:tgtEl>
+                                        <p:attrNameLst>
+                                          <p:attrName>style.visibility</p:attrName>
+                                        </p:attrNameLst>
+                                      </p:cBhvr>
+                                      <p:to>
+                                        <p:strVal val="visible"/>
+                                      </p:to>
+                                    </p:set>
+                                  </p:childTnLst>
+                                </p:cTn>
+                              </p:par>
+                            </p:childTnLst>
+                          </p:cTn>
+                        </p:par>
+                      </p:childTnLst>
+                    </p:cTn>
+                  </p:par>
+                  <p:par>
+                    <p:cTn id="31" fill="hold" nodeType="clickPar">
+                      <p:stCondLst>
+                        <p:cond delay="indefinite"/>
+                      </p:stCondLst>
+                      <p:childTnLst>
+                        <p:par>
+                          <p:cTn id="32" fill="hold" nodeType="withGroup">
+                            <p:stCondLst>
+                              <p:cond delay="0"/>
+                            </p:stCondLst>
+                            <p:childTnLst>
+                              <p:par>
+                                <p:cTn id="33" presetID="1" presetClass="exit" presetSubtype="0" fill="hold" grpId="1" nodeType="clickEffect">
+                                  <p:stCondLst>
+                                    <p:cond delay="0"/>
+                                  </p:stCondLst>
+                                  <p:childTnLst>
+                                    <p:set>
+                                      <p:cBhvr>
+                                        <p:cTn id="34" dur="1" fill="hold">
+                                          <p:stCondLst>
+                                            <p:cond delay="499"/>
+                                          </p:stCondLst>
+                                        </p:cTn>
+                                        <p:tgtEl>
+                                          <p:spTgt spid="14367"/>
+                                        </p:tgtEl>
+                                        <p:attrNameLst>
+                                          <p:attrName>style.visibility</p:attrName>
+                                        </p:attrNameLst>
+                                      </p:cBhvr>
+                                      <p:to>
+                                        <p:strVal val="hidden"/>
+                                      </p:to>
+                                    </p:set>
+                                  </p:childTnLst>
+                                </p:cTn>
+                              </p:par>
+                            </p:childTnLst>
+                          </p:cTn>
+                        </p:par>
+                      </p:childTnLst>
+                    </p:cTn>
+                  </p:par>
+                  <p:par>
+                    <p:cTn id="35" fill="hold" nodeType="clickPar">
+                      <p:stCondLst>
+                        <p:cond delay="indefinite"/>
+                      </p:stCondLst>
+                      <p:childTnLst>
+                        <p:par>
+                          <p:cTn id="36" fill="hold" nodeType="withGroup">
+                            <p:stCondLst>
+                              <p:cond delay="0"/>
+                            </p:stCondLst>
+                            <p:childTnLst>
+                              <p:par>
+                                <p:cTn id="37" presetID="1" presetClass="exit" presetSubtype="0" fill="hold" grpId="1" nodeType="clickEffect">
+                                  <p:stCondLst>
+                                    <p:cond delay="0"/>
+                                  </p:stCondLst>
+                                  <p:childTnLst>
+                                    <p:set>
+                                      <p:cBhvr>
+                                        <p:cTn id="38" dur="1" fill="hold">
+                                          <p:stCondLst>
+                                            <p:cond delay="499"/>
+                                          </p:stCondLst>
+                                        </p:cTn>
+                                        <p:tgtEl>
+                                          <p:spTgt spid="14368"/>
+                                        </p:tgtEl>
+                                        <p:attrNameLst>
+                                          <p:attrName>style.visibility</p:attrName>
+                                        </p:attrNameLst>
+                                      </p:cBhvr>
+                                      <p:to>
+                                        <p:strVal val="hidden"/>
+                                      </p:to>
+                                    </p:set>
+                                  </p:childTnLst>
+                                </p:cTn>
+                              </p:par>
+                            </p:childTnLst>
+                          </p:cTn>
+                        </p:par>
+                      </p:childTnLst>
+                    </p:cTn>
+                  </p:par>
+                  <p:par>
+                    <p:cTn id="39" fill="hold" nodeType="clickPar">
+                      <p:stCondLst>
+                        <p:cond delay="indefinite"/>
+                      </p:stCondLst>
+                      <p:childTnLst>
+                        <p:par>
+                          <p:cTn id="40" fill="hold" nodeType="withGroup">
+                            <p:stCondLst>
+                              <p:cond delay="0"/>
+                            </p:stCondLst>
+                            <p:childTnLst>
+                              <p:par>
+                                <p:cTn id="41" presetID="1" presetClass="entr" presetSubtype="0" fill="hold" grpId="0" nodeType="clickEffect">
+                                  <p:stCondLst>
+                                    <p:cond delay="0"/>
+                                  </p:stCondLst>
+                                  <p:childTnLst>
+                                    <p:set>
+                                      <p:cBhvr>
+                                        <p:cTn id="42" dur="1" fill="hold">
+                                          <p:stCondLst>
+                                            <p:cond delay="499"/>
+                                          </p:stCondLst>
+                                        </p:cTn>
+                                        <p:tgtEl>
+                                          <p:spTgt spid="14372"/>
+                                        </p:tgtEl>
+                                        <p:attrNameLst>
+                                          <p:attrName>style.visibility</p:attrName>
+                                        </p:attrNameLst>
+                                      </p:cBhvr>
+                                      <p:to>
+                                        <p:strVal val="visible"/>
+                                      </p:to>
+                                    </p:set>
+                                  </p:childTnLst>
+                                </p:cTn>
+                              </p:par>
+                            </p:childTnLst>
+                          </p:cTn>
+                        </p:par>
+                      </p:childTnLst>
+                    </p:cTn>
+                  </p:par>
+                  <p:par>
+                    <p:cTn id="43" fill="hold" nodeType="clickPar">
+                      <p:stCondLst>
+                        <p:cond delay="indefinite"/>
+                      </p:stCondLst>
+                      <p:childTnLst>
+                        <p:par>
+                          <p:cTn id="44" fill="hold" nodeType="withGroup">
+                            <p:stCondLst>
+                              <p:cond delay="0"/>
+                            </p:stCondLst>
+                            <p:childTnLst>
+                              <p:par>
+                                <p:cTn id="45" presetID="1" presetClass="entr" presetSubtype="0" fill="hold" grpId="0" nodeType="clickEffect">
+                                  <p:stCondLst>
+                                    <p:cond delay="0"/>
+                                  </p:stCondLst>
+                                  <p:childTnLst>
+                                    <p:set>
+                                      <p:cBhvr>
+                                        <p:cTn id="46" dur="1" fill="hold">
+                                          <p:stCondLst>
+                                            <p:cond delay="499"/>
+                                          </p:stCondLst>
+                                        </p:cTn>
+                                        <p:tgtEl>
+                                          <p:spTgt spid="14373"/>
+                                        </p:tgtEl>
+                                        <p:attrNameLst>
+                                          <p:attrName>style.visibility</p:attrName>
+                                        </p:attrNameLst>
+                                      </p:cBhvr>
+                                      <p:to>
+                                        <p:strVal val="visible"/>
+                                      </p:to>
+                                    </p:set>
+                                  </p:childTnLst>
+                                </p:cTn>
+                              </p:par>
+                            </p:childTnLst>
+                          </p:cTn>
+                        </p:par>
+                      </p:childTnLst>
+                    </p:cTn>
+                  </p:par>
+                  <p:par>
+                    <p:cTn id="47" fill="hold" nodeType="clickPar">
+                      <p:stCondLst>
+                        <p:cond delay="indefinite"/>
+                      </p:stCondLst>
+                      <p:childTnLst>
+                        <p:par>
+                          <p:cTn id="48" fill="hold" nodeType="withGroup">
+                            <p:stCondLst>
+                              <p:cond delay="0"/>
+                            </p:stCondLst>
+                            <p:childTnLst>
+                              <p:par>
+                                <p:cTn id="49" presetID="1" presetClass="exit" presetSubtype="0" fill="hold" grpId="1" nodeType="clickEffect">
+                                  <p:stCondLst>
+                                    <p:cond delay="0"/>
+                                  </p:stCondLst>
+                                  <p:childTnLst>
+                                    <p:set>
+                                      <p:cBhvr>
+                                        <p:cTn id="50" dur="1" fill="hold">
+                                          <p:stCondLst>
+                                            <p:cond delay="499"/>
+                                          </p:stCondLst>
+                                        </p:cTn>
+                                        <p:tgtEl>
+                                          <p:spTgt spid="14372"/>
+                                        </p:tgtEl>
+                                        <p:attrNameLst>
+                                          <p:attrName>style.visibility</p:attrName>
+                                        </p:attrNameLst>
+                                      </p:cBhvr>
+                                      <p:to>
+                                        <p:strVal val="hidden"/>
+                                      </p:to>
+                                    </p:set>
+                                  </p:childTnLst>
+                                </p:cTn>
+                              </p:par>
+                            </p:childTnLst>
+                          </p:cTn>
+                        </p:par>
+                      </p:childTnLst>
+                    </p:cTn>
+                  </p:par>
+                  <p:par>
+                    <p:cTn id="51" fill="hold" nodeType="clickPar">
+                      <p:stCondLst>
+                        <p:cond delay="indefinite"/>
+                      </p:stCondLst>
+                      <p:childTnLst>
+                        <p:par>
+                          <p:cTn id="52" fill="hold" nodeType="withGroup">
+                            <p:stCondLst>
+                              <p:cond delay="0"/>
+                            </p:stCondLst>
+                            <p:childTnLst>
+                              <p:par>
+                                <p:cTn id="53" presetID="1" presetClass="exit" presetSubtype="0" fill="hold" grpId="1" nodeType="clickEffect">
+                                  <p:stCondLst>
+                                    <p:cond delay="0"/>
+                                  </p:stCondLst>
+                                  <p:childTnLst>
+                                    <p:set>
+                                      <p:cBhvr>
+                                        <p:cTn id="54" dur="1" fill="hold">
+                                          <p:stCondLst>
+                                            <p:cond delay="499"/>
+                                          </p:stCondLst>
+                                        </p:cTn>
+                                        <p:tgtEl>
+                                          <p:spTgt spid="14373"/>
+                                        </p:tgtEl>
+                                        <p:attrNameLst>
+                                          <p:attrName>style.visibility</p:attrName>
+                                        </p:attrNameLst>
+                                      </p:cBhvr>
+                                      <p:to>
+                                        <p:strVal val="hidden"/>
+                                      </p:to>
+                                    </p:set>
+                                  </p:childTnLst>
+                                </p:cTn>
+                              </p:par>
+                            </p:childTnLst>
+                          </p:cTn>
+                        </p:par>
+                      </p:childTnLst>
+                    </p:cTn>
+                  </p:par>
+                </p:childTnLst>
+              </p:cTn>
+              <p:prevCondLst>
+                <p:cond evt="onPrev" delay="0">
+                  <p:tgtEl>
+                    <p:sldTgt/>
+                  </p:tgtEl>
+                </p:cond>
+              </p:prevCondLst>
+              <p:nextCondLst>
+                <p:cond evt="onNext" delay="0">
+                  <p:tgtEl>
+                    <p:sldTgt/>
+                  </p:tgtEl>
+                </p:cond>
+              </p:nextCondLst>
+            </p:seq>
+          </p:childTnLst>
+        </p:cTn>
       </p:par>
     </p:tnLst>
+    <p:bldLst>
+      <p:bldP spid="14367" grpId="0" animBg="1"/>
+      <p:bldP spid="14367" grpId="1" animBg="1"/>
+      <p:bldP spid="14368" grpId="0" animBg="1"/>
+      <p:bldP spid="14368" grpId="1" animBg="1"/>
+      <p:bldP spid="14372" grpId="0" animBg="1"/>
+      <p:bldP spid="14372" grpId="1" animBg="1"/>
+      <p:bldP spid="14373" grpId="0" animBg="1"/>
+      <p:bldP spid="14373" grpId="1" animBg="1"/>
+    </p:bldLst>
   </p:timing>
 </p:sld>
 </file>
@@ -4688,7 +5846,7 @@
           <a:p>
             <a:r>
               <a:rPr lang="en-US" dirty="0" smtClean="0"/>
-              <a:t>Documents</a:t>
+              <a:t>Documents and the API</a:t>
             </a:r>
             <a:endParaRPr lang="en-US" dirty="0"/>
           </a:p>
@@ -5709,86 +6867,7 @@
 </file>
 
 <file path=ppt/slides/slide15.xml><?xml version="1.0" encoding="utf-8"?>
-<p:sld xmlns:a="http://schemas.openxmlformats.org/drawingml/2006/main" xmlns:r="http://schemas.openxmlformats.org/officeDocument/2006/relationships" xmlns:p="http://schemas.openxmlformats.org/presentationml/2006/main">
-  <p:cSld>
-    <p:spTree>
-      <p:nvGrpSpPr>
-        <p:cNvPr id="1" name=""/>
-        <p:cNvGrpSpPr/>
-        <p:nvPr/>
-      </p:nvGrpSpPr>
-      <p:grpSpPr>
-        <a:xfrm>
-          <a:off x="0" y="0"/>
-          <a:ext cx="0" cy="0"/>
-          <a:chOff x="0" y="0"/>
-          <a:chExt cx="0" cy="0"/>
-        </a:xfrm>
-      </p:grpSpPr>
-      <p:sp>
-        <p:nvSpPr>
-          <p:cNvPr id="2" name="Title 1"/>
-          <p:cNvSpPr>
-            <a:spLocks noGrp="1"/>
-          </p:cNvSpPr>
-          <p:nvPr>
-            <p:ph type="ctrTitle"/>
-          </p:nvPr>
-        </p:nvSpPr>
-        <p:spPr/>
-        <p:txBody>
-          <a:bodyPr/>
-          <a:lstStyle/>
-          <a:p>
-            <a:r>
-              <a:rPr lang="en-US" dirty="0" smtClean="0"/>
-              <a:t>High-Level Architecture</a:t>
-            </a:r>
-            <a:endParaRPr lang="en-US" dirty="0"/>
-          </a:p>
-        </p:txBody>
-      </p:sp>
-      <p:sp>
-        <p:nvSpPr>
-          <p:cNvPr id="3" name="Subtitle 2"/>
-          <p:cNvSpPr>
-            <a:spLocks noGrp="1"/>
-          </p:cNvSpPr>
-          <p:nvPr>
-            <p:ph type="subTitle" idx="1"/>
-          </p:nvPr>
-        </p:nvSpPr>
-        <p:spPr/>
-        <p:txBody>
-          <a:bodyPr/>
-          <a:lstStyle/>
-          <a:p>
-            <a:endParaRPr lang="en-US" dirty="0"/>
-          </a:p>
-        </p:txBody>
-      </p:sp>
-    </p:spTree>
-    <p:extLst>
-      <p:ext uri="{BB962C8B-B14F-4D97-AF65-F5344CB8AC3E}">
-        <p14:creationId xmlns:p14="http://schemas.microsoft.com/office/powerpoint/2010/main" val="2129075235"/>
-      </p:ext>
-    </p:extLst>
-  </p:cSld>
-  <p:clrMapOvr>
-    <a:masterClrMapping/>
-  </p:clrMapOvr>
-  <p:timing>
-    <p:tnLst>
-      <p:par>
-        <p:cTn xmlns:p14="http://schemas.microsoft.com/office/powerpoint/2010/main" id="1" dur="indefinite" restart="never" nodeType="tmRoot"/>
-      </p:par>
-    </p:tnLst>
-  </p:timing>
-</p:sld>
-</file>
-
-<file path=ppt/slides/slide16.xml><?xml version="1.0" encoding="utf-8"?>
-<p:sld xmlns:a="http://schemas.openxmlformats.org/drawingml/2006/main" xmlns:r="http://schemas.openxmlformats.org/officeDocument/2006/relationships" xmlns:p="http://schemas.openxmlformats.org/presentationml/2006/main">
+<p:sld xmlns:a="http://schemas.openxmlformats.org/drawingml/2006/main" xmlns:r="http://schemas.openxmlformats.org/officeDocument/2006/relationships" xmlns:p="http://schemas.openxmlformats.org/presentationml/2006/main" show="0">
   <p:cSld>
     <p:spTree>
       <p:nvGrpSpPr>
@@ -5866,7 +6945,11 @@
           <a:p>
             <a:r>
               <a:rPr lang="de-DE" dirty="0" smtClean="0"/>
-              <a:t>TODO</a:t>
+              <a:t>Future </a:t>
+            </a:r>
+            <a:r>
+              <a:rPr lang="de-DE" dirty="0" err="1" smtClean="0"/>
+              <a:t>Additions</a:t>
             </a:r>
             <a:endParaRPr lang="de-DE" dirty="0"/>
           </a:p>
@@ -6137,11 +7220,26 @@
   <p:clrMapOvr>
     <a:masterClrMapping/>
   </p:clrMapOvr>
+  <mc:AlternateContent xmlns:mc="http://schemas.openxmlformats.org/markup-compatibility/2006">
+    <mc:Choice xmlns:p14="http://schemas.microsoft.com/office/powerpoint/2010/main" Requires="p14">
+      <p:transition spd="slow" p14:dur="2000"/>
+    </mc:Choice>
+    <mc:Fallback>
+      <p:transition xmlns:p14="http://schemas.microsoft.com/office/powerpoint/2010/main" spd="slow"/>
+    </mc:Fallback>
+  </mc:AlternateContent>
+  <p:timing>
+    <p:tnLst>
+      <p:par>
+        <p:cTn xmlns:p14="http://schemas.microsoft.com/office/powerpoint/2010/main" id="1" dur="indefinite" restart="never" nodeType="tmRoot"/>
+      </p:par>
+    </p:tnLst>
+  </p:timing>
 </p:sld>
 </file>
 
-<file path=ppt/slides/slide17.xml><?xml version="1.0" encoding="utf-8"?>
-<p:sld xmlns:a="http://schemas.openxmlformats.org/drawingml/2006/main" xmlns:r="http://schemas.openxmlformats.org/officeDocument/2006/relationships" xmlns:p="http://schemas.openxmlformats.org/presentationml/2006/main">
+<file path=ppt/slides/slide16.xml><?xml version="1.0" encoding="utf-8"?>
+<p:sld xmlns:a="http://schemas.openxmlformats.org/drawingml/2006/main" xmlns:r="http://schemas.openxmlformats.org/officeDocument/2006/relationships" xmlns:p="http://schemas.openxmlformats.org/presentationml/2006/main" show="0">
   <p:cSld>
     <p:spTree>
       <p:nvGrpSpPr>
@@ -6213,6 +7311,14 @@
   <p:clrMapOvr>
     <a:masterClrMapping/>
   </p:clrMapOvr>
+  <mc:AlternateContent xmlns:mc="http://schemas.openxmlformats.org/markup-compatibility/2006">
+    <mc:Choice xmlns:p14="http://schemas.microsoft.com/office/powerpoint/2010/main" Requires="p14">
+      <p:transition spd="slow" p14:dur="2000"/>
+    </mc:Choice>
+    <mc:Fallback>
+      <p:transition xmlns:p14="http://schemas.microsoft.com/office/powerpoint/2010/main" spd="slow"/>
+    </mc:Fallback>
+  </mc:AlternateContent>
   <p:timing>
     <p:tnLst>
       <p:par>
@@ -6223,8 +7329,8 @@
 </p:sld>
 </file>
 
-<file path=ppt/slides/slide18.xml><?xml version="1.0" encoding="utf-8"?>
-<p:sld xmlns:a="http://schemas.openxmlformats.org/drawingml/2006/main" xmlns:r="http://schemas.openxmlformats.org/officeDocument/2006/relationships" xmlns:p="http://schemas.openxmlformats.org/presentationml/2006/main">
+<file path=ppt/slides/slide17.xml><?xml version="1.0" encoding="utf-8"?>
+<p:sld xmlns:a="http://schemas.openxmlformats.org/drawingml/2006/main" xmlns:r="http://schemas.openxmlformats.org/officeDocument/2006/relationships" xmlns:p="http://schemas.openxmlformats.org/presentationml/2006/main" show="0">
   <p:cSld>
     <p:spTree>
       <p:nvGrpSpPr>
@@ -6302,7 +7408,11 @@
           <a:p>
             <a:r>
               <a:rPr lang="de-DE" dirty="0" smtClean="0"/>
-              <a:t>TODO</a:t>
+              <a:t>Future </a:t>
+            </a:r>
+            <a:r>
+              <a:rPr lang="de-DE" dirty="0" err="1" smtClean="0"/>
+              <a:t>Additions</a:t>
             </a:r>
             <a:endParaRPr lang="de-DE" dirty="0"/>
           </a:p>
@@ -6636,10 +7746,25 @@
   <p:clrMapOvr>
     <a:masterClrMapping/>
   </p:clrMapOvr>
+  <mc:AlternateContent xmlns:mc="http://schemas.openxmlformats.org/markup-compatibility/2006">
+    <mc:Choice xmlns:p14="http://schemas.microsoft.com/office/powerpoint/2010/main" Requires="p14">
+      <p:transition spd="slow" p14:dur="2000"/>
+    </mc:Choice>
+    <mc:Fallback>
+      <p:transition xmlns:p14="http://schemas.microsoft.com/office/powerpoint/2010/main" spd="slow"/>
+    </mc:Fallback>
+  </mc:AlternateContent>
+  <p:timing>
+    <p:tnLst>
+      <p:par>
+        <p:cTn xmlns:p14="http://schemas.microsoft.com/office/powerpoint/2010/main" id="1" dur="indefinite" restart="never" nodeType="tmRoot"/>
+      </p:par>
+    </p:tnLst>
+  </p:timing>
 </p:sld>
 </file>
 
-<file path=ppt/slides/slide19.xml><?xml version="1.0" encoding="utf-8"?>
+<file path=ppt/slides/slide18.xml><?xml version="1.0" encoding="utf-8"?>
 <p:sld xmlns:a="http://schemas.openxmlformats.org/drawingml/2006/main" xmlns:r="http://schemas.openxmlformats.org/officeDocument/2006/relationships" xmlns:p="http://schemas.openxmlformats.org/presentationml/2006/main">
   <p:cSld>
     <p:spTree>
@@ -6656,71 +7781,6 @@
           <a:chExt cx="0" cy="0"/>
         </a:xfrm>
       </p:grpSpPr>
-      <p:sp>
-        <p:nvSpPr>
-          <p:cNvPr id="2" name="Content Placeholder 1"/>
-          <p:cNvSpPr>
-            <a:spLocks noGrp="1"/>
-          </p:cNvSpPr>
-          <p:nvPr>
-            <p:ph idx="1"/>
-          </p:nvPr>
-        </p:nvSpPr>
-        <p:spPr>
-          <a:xfrm>
-            <a:off x="466344" y="685800"/>
-            <a:ext cx="7998595" cy="2128520"/>
-          </a:xfrm>
-        </p:spPr>
-        <p:txBody>
-          <a:bodyPr/>
-          <a:lstStyle/>
-          <a:p>
-            <a:pPr marL="285750" indent="-285750">
-              <a:buFont typeface="Wingdings" charset="2"/>
-              <a:buChar char="§"/>
-            </a:pPr>
-            <a:r>
-              <a:rPr lang="en-US" dirty="0" smtClean="0"/>
-              <a:t>Documents are integral to the SDKs</a:t>
-            </a:r>
-          </a:p>
-          <a:p>
-            <a:pPr marL="285750" indent="-285750">
-              <a:buFont typeface="Wingdings" charset="2"/>
-              <a:buChar char="§"/>
-            </a:pPr>
-            <a:r>
-              <a:rPr lang="en-US" dirty="0" smtClean="0"/>
-              <a:t>There are many implementations, depending on the content type.</a:t>
-            </a:r>
-          </a:p>
-          <a:p>
-            <a:pPr marL="285750" indent="-285750">
-              <a:buFont typeface="Wingdings" charset="2"/>
-              <a:buChar char="§"/>
-            </a:pPr>
-            <a:endParaRPr lang="en-US" dirty="0"/>
-          </a:p>
-          <a:p>
-            <a:pPr marL="285750" indent="-285750">
-              <a:buFont typeface="Wingdings" charset="2"/>
-              <a:buChar char="§"/>
-            </a:pPr>
-            <a:r>
-              <a:rPr lang="en-US" dirty="0" smtClean="0"/>
-              <a:t>A Document contains:</a:t>
-            </a:r>
-          </a:p>
-          <a:p>
-            <a:pPr marL="285750" indent="-285750">
-              <a:buFont typeface="Wingdings" charset="2"/>
-              <a:buChar char="§"/>
-            </a:pPr>
-            <a:endParaRPr lang="en-US" dirty="0"/>
-          </a:p>
-        </p:txBody>
-      </p:sp>
       <p:sp>
         <p:nvSpPr>
           <p:cNvPr id="3" name="Title 2"/>
@@ -6837,690 +7897,303 @@
           </a:p>
         </p:txBody>
       </p:sp>
-      <p:graphicFrame>
-        <p:nvGraphicFramePr>
-          <p:cNvPr id="9" name="Table 4"/>
-          <p:cNvGraphicFramePr>
-            <a:graphicFrameLocks noGrp="1"/>
-          </p:cNvGraphicFramePr>
-          <p:nvPr>
-            <p:extLst>
-              <p:ext uri="{D42A27DB-BD31-4B8C-83A1-F6EECF244321}">
-                <p14:modId xmlns:p14="http://schemas.microsoft.com/office/powerpoint/2010/main" val="873057609"/>
-              </p:ext>
-            </p:extLst>
-          </p:nvPr>
-        </p:nvGraphicFramePr>
-        <p:xfrm>
-          <a:off x="1680836" y="2902382"/>
-          <a:ext cx="6233804" cy="1523999"/>
-        </p:xfrm>
-        <a:graphic>
-          <a:graphicData uri="http://schemas.openxmlformats.org/drawingml/2006/table">
-            <a:tbl>
-              <a:tblPr>
-                <a:tableStyleId>{5C22544A-7EE6-4342-B048-85BDC9FD1C3A}</a:tableStyleId>
-              </a:tblPr>
-              <a:tblGrid>
-                <a:gridCol w="2271404"/>
-                <a:gridCol w="3962400"/>
-              </a:tblGrid>
-              <a:tr h="205456">
-                <a:tc>
-                  <a:txBody>
-                    <a:bodyPr/>
-                    <a:lstStyle/>
-                    <a:p>
-                      <a:pPr algn="ctr"/>
-                      <a:r>
-                        <a:rPr lang="en-US" sz="1400" b="1" dirty="0" smtClean="0">
-                          <a:solidFill>
-                            <a:schemeClr val="bg1"/>
-                          </a:solidFill>
-                        </a:rPr>
-                        <a:t>Property</a:t>
-                      </a:r>
-                      <a:endParaRPr lang="en-US" sz="1400" b="1" dirty="0">
-                        <a:solidFill>
-                          <a:schemeClr val="bg1"/>
-                        </a:solidFill>
-                      </a:endParaRPr>
-                    </a:p>
-                  </a:txBody>
-                  <a:tcPr anchor="ctr">
-                    <a:lnL w="9525" cap="flat" cmpd="sng" algn="ctr">
-                      <a:solidFill>
-                        <a:srgbClr val="E40121"/>
-                      </a:solidFill>
-                      <a:prstDash val="solid"/>
-                      <a:round/>
-                      <a:headEnd type="none" w="med" len="med"/>
-                      <a:tailEnd type="none" w="med" len="med"/>
-                    </a:lnL>
-                    <a:lnR w="12700" cmpd="sng">
-                      <a:noFill/>
-                    </a:lnR>
-                    <a:lnT w="9525" cap="flat" cmpd="sng" algn="ctr">
-                      <a:solidFill>
-                        <a:srgbClr val="E40121"/>
-                      </a:solidFill>
-                      <a:prstDash val="solid"/>
-                      <a:round/>
-                      <a:headEnd type="none" w="med" len="med"/>
-                      <a:tailEnd type="none" w="med" len="med"/>
-                    </a:lnT>
-                    <a:lnB w="9525" cap="flat" cmpd="sng" algn="ctr">
-                      <a:solidFill>
-                        <a:srgbClr val="E40121"/>
-                      </a:solidFill>
-                      <a:prstDash val="solid"/>
-                      <a:round/>
-                      <a:headEnd type="none" w="med" len="med"/>
-                      <a:tailEnd type="none" w="med" len="med"/>
-                    </a:lnB>
-                    <a:solidFill>
-                      <a:srgbClr val="E40121"/>
-                    </a:solidFill>
-                  </a:tcPr>
-                </a:tc>
-                <a:tc>
-                  <a:txBody>
-                    <a:bodyPr/>
-                    <a:lstStyle/>
-                    <a:p>
-                      <a:pPr algn="ctr"/>
-                      <a:r>
-                        <a:rPr lang="en-US" sz="1400" b="1" dirty="0" smtClean="0">
-                          <a:solidFill>
-                            <a:schemeClr val="bg1"/>
-                          </a:solidFill>
-                        </a:rPr>
-                        <a:t>Desc</a:t>
-                      </a:r>
-                      <a:r>
-                        <a:rPr lang="en-US" sz="1400" b="1" baseline="0" dirty="0" smtClean="0">
-                          <a:solidFill>
-                            <a:schemeClr val="bg1"/>
-                          </a:solidFill>
-                        </a:rPr>
-                        <a:t>ription</a:t>
-                      </a:r>
-                      <a:endParaRPr lang="en-US" sz="1400" b="1" dirty="0">
-                        <a:solidFill>
-                          <a:schemeClr val="bg1"/>
-                        </a:solidFill>
-                      </a:endParaRPr>
-                    </a:p>
-                  </a:txBody>
-                  <a:tcPr anchor="ctr">
-                    <a:lnL w="12700" cmpd="sng">
-                      <a:noFill/>
-                    </a:lnL>
-                    <a:lnR w="12700" cmpd="sng">
-                      <a:noFill/>
-                    </a:lnR>
-                    <a:lnT w="9525" cap="flat" cmpd="sng" algn="ctr">
-                      <a:solidFill>
-                        <a:srgbClr val="E40121"/>
-                      </a:solidFill>
-                      <a:prstDash val="solid"/>
-                      <a:round/>
-                      <a:headEnd type="none" w="med" len="med"/>
-                      <a:tailEnd type="none" w="med" len="med"/>
-                    </a:lnT>
-                    <a:lnB w="9525" cap="flat" cmpd="sng" algn="ctr">
-                      <a:solidFill>
-                        <a:srgbClr val="E40121"/>
-                      </a:solidFill>
-                      <a:prstDash val="solid"/>
-                      <a:round/>
-                      <a:headEnd type="none" w="med" len="med"/>
-                      <a:tailEnd type="none" w="med" len="med"/>
-                    </a:lnB>
-                    <a:solidFill>
-                      <a:srgbClr val="E40121"/>
-                    </a:solidFill>
-                  </a:tcPr>
-                </a:tc>
-              </a:tr>
-              <a:tr h="205456">
-                <a:tc>
-                  <a:txBody>
-                    <a:bodyPr/>
-                    <a:lstStyle/>
-                    <a:p>
-                      <a:r>
-                        <a:rPr lang="en-US" sz="1400" b="1" dirty="0" smtClean="0">
-                          <a:solidFill>
-                            <a:schemeClr val="tx1"/>
-                          </a:solidFill>
-                        </a:rPr>
-                        <a:t>ID</a:t>
-                      </a:r>
-                      <a:endParaRPr lang="en-US" sz="1400" b="1" dirty="0">
-                        <a:solidFill>
-                          <a:schemeClr val="tx1"/>
-                        </a:solidFill>
-                      </a:endParaRPr>
-                    </a:p>
-                  </a:txBody>
-                  <a:tcPr anchor="ctr">
-                    <a:lnL w="9525" cap="flat" cmpd="sng" algn="ctr">
-                      <a:solidFill>
-                        <a:srgbClr val="E40121"/>
-                      </a:solidFill>
-                      <a:prstDash val="solid"/>
-                      <a:round/>
-                      <a:headEnd type="none" w="med" len="med"/>
-                      <a:tailEnd type="none" w="med" len="med"/>
-                    </a:lnL>
-                    <a:lnR w="9525" cap="flat" cmpd="sng" algn="ctr">
-                      <a:solidFill>
-                        <a:srgbClr val="E40121"/>
-                      </a:solidFill>
-                      <a:prstDash val="solid"/>
-                      <a:round/>
-                      <a:headEnd type="none" w="med" len="med"/>
-                      <a:tailEnd type="none" w="med" len="med"/>
-                    </a:lnR>
-                    <a:lnT w="9525" cap="flat" cmpd="sng" algn="ctr">
-                      <a:solidFill>
-                        <a:srgbClr val="E40121"/>
-                      </a:solidFill>
-                      <a:prstDash val="solid"/>
-                      <a:round/>
-                      <a:headEnd type="none" w="med" len="med"/>
-                      <a:tailEnd type="none" w="med" len="med"/>
-                    </a:lnT>
-                    <a:lnB w="9525" cap="flat" cmpd="sng" algn="ctr">
-                      <a:solidFill>
-                        <a:srgbClr val="E40121"/>
-                      </a:solidFill>
-                      <a:prstDash val="solid"/>
-                      <a:round/>
-                      <a:headEnd type="none" w="med" len="med"/>
-                      <a:tailEnd type="none" w="med" len="med"/>
-                    </a:lnB>
-                    <a:noFill/>
-                  </a:tcPr>
-                </a:tc>
-                <a:tc>
-                  <a:txBody>
-                    <a:bodyPr/>
-                    <a:lstStyle/>
-                    <a:p>
-                      <a:pPr marL="0" marR="0" indent="0" algn="l" defTabSz="457200" rtl="0" eaLnBrk="1" fontAlgn="auto" latinLnBrk="0" hangingPunct="1">
-                        <a:lnSpc>
-                          <a:spcPct val="100000"/>
-                        </a:lnSpc>
-                        <a:spcBef>
-                          <a:spcPts val="0"/>
-                        </a:spcBef>
-                        <a:spcAft>
-                          <a:spcPts val="0"/>
-                        </a:spcAft>
-                        <a:buClrTx/>
-                        <a:buSzTx/>
-                        <a:buFontTx/>
-                        <a:buNone/>
-                        <a:tabLst/>
-                        <a:defRPr/>
-                      </a:pPr>
-                      <a:r>
-                        <a:rPr lang="en-US" sz="1400" dirty="0" smtClean="0"/>
-                        <a:t>The bucket-unique identifier</a:t>
-                      </a:r>
-                    </a:p>
-                  </a:txBody>
-                  <a:tcPr>
-                    <a:lnL w="9525" cap="flat" cmpd="sng" algn="ctr">
-                      <a:solidFill>
-                        <a:srgbClr val="E40121"/>
-                      </a:solidFill>
-                      <a:prstDash val="solid"/>
-                      <a:round/>
-                      <a:headEnd type="none" w="med" len="med"/>
-                      <a:tailEnd type="none" w="med" len="med"/>
-                    </a:lnL>
-                    <a:lnR w="9525" cap="flat" cmpd="sng" algn="ctr">
-                      <a:solidFill>
-                        <a:srgbClr val="E40121"/>
-                      </a:solidFill>
-                      <a:prstDash val="solid"/>
-                      <a:round/>
-                      <a:headEnd type="none" w="med" len="med"/>
-                      <a:tailEnd type="none" w="med" len="med"/>
-                    </a:lnR>
-                    <a:lnT w="9525" cap="flat" cmpd="sng" algn="ctr">
-                      <a:solidFill>
-                        <a:srgbClr val="E40121"/>
-                      </a:solidFill>
-                      <a:prstDash val="solid"/>
-                      <a:round/>
-                      <a:headEnd type="none" w="med" len="med"/>
-                      <a:tailEnd type="none" w="med" len="med"/>
-                    </a:lnT>
-                    <a:lnB w="9525" cap="flat" cmpd="sng" algn="ctr">
-                      <a:solidFill>
-                        <a:srgbClr val="E40121"/>
-                      </a:solidFill>
-                      <a:prstDash val="solid"/>
-                      <a:round/>
-                      <a:headEnd type="none" w="med" len="med"/>
-                      <a:tailEnd type="none" w="med" len="med"/>
-                    </a:lnB>
-                    <a:noFill/>
-                  </a:tcPr>
-                </a:tc>
-              </a:tr>
-              <a:tr h="205456">
-                <a:tc>
-                  <a:txBody>
-                    <a:bodyPr/>
-                    <a:lstStyle/>
-                    <a:p>
-                      <a:r>
-                        <a:rPr lang="en-US" sz="1400" b="1" dirty="0" smtClean="0">
-                          <a:solidFill>
-                            <a:schemeClr val="tx1"/>
-                          </a:solidFill>
-                        </a:rPr>
-                        <a:t>Content</a:t>
-                      </a:r>
-                      <a:endParaRPr lang="en-US" sz="1400" b="1" dirty="0">
-                        <a:solidFill>
-                          <a:schemeClr val="tx1"/>
-                        </a:solidFill>
-                      </a:endParaRPr>
-                    </a:p>
-                  </a:txBody>
-                  <a:tcPr>
-                    <a:lnL w="9525" cap="flat" cmpd="sng" algn="ctr">
-                      <a:solidFill>
-                        <a:srgbClr val="E40121"/>
-                      </a:solidFill>
-                      <a:prstDash val="solid"/>
-                      <a:round/>
-                      <a:headEnd type="none" w="med" len="med"/>
-                      <a:tailEnd type="none" w="med" len="med"/>
-                    </a:lnL>
-                    <a:lnR w="9525" cap="flat" cmpd="sng" algn="ctr">
-                      <a:solidFill>
-                        <a:srgbClr val="E40121"/>
-                      </a:solidFill>
-                      <a:prstDash val="solid"/>
-                      <a:round/>
-                      <a:headEnd type="none" w="med" len="med"/>
-                      <a:tailEnd type="none" w="med" len="med"/>
-                    </a:lnR>
-                    <a:lnT w="9525" cap="flat" cmpd="sng" algn="ctr">
-                      <a:solidFill>
-                        <a:srgbClr val="E40121"/>
-                      </a:solidFill>
-                      <a:prstDash val="solid"/>
-                      <a:round/>
-                      <a:headEnd type="none" w="med" len="med"/>
-                      <a:tailEnd type="none" w="med" len="med"/>
-                    </a:lnT>
-                    <a:lnB w="9525" cap="flat" cmpd="sng" algn="ctr">
-                      <a:solidFill>
-                        <a:srgbClr val="E40121"/>
-                      </a:solidFill>
-                      <a:prstDash val="solid"/>
-                      <a:round/>
-                      <a:headEnd type="none" w="med" len="med"/>
-                      <a:tailEnd type="none" w="med" len="med"/>
-                    </a:lnB>
-                    <a:noFill/>
-                  </a:tcPr>
-                </a:tc>
-                <a:tc>
-                  <a:txBody>
-                    <a:bodyPr/>
-                    <a:lstStyle/>
-                    <a:p>
-                      <a:pPr marL="0" marR="0" indent="0" algn="l" defTabSz="457200" rtl="0" eaLnBrk="1" fontAlgn="auto" latinLnBrk="0" hangingPunct="1">
-                        <a:lnSpc>
-                          <a:spcPct val="100000"/>
-                        </a:lnSpc>
-                        <a:spcBef>
-                          <a:spcPts val="0"/>
-                        </a:spcBef>
-                        <a:spcAft>
-                          <a:spcPts val="0"/>
-                        </a:spcAft>
-                        <a:buClrTx/>
-                        <a:buSzTx/>
-                        <a:buFontTx/>
-                        <a:buNone/>
-                        <a:tabLst/>
-                        <a:defRPr/>
-                      </a:pPr>
-                      <a:r>
-                        <a:rPr lang="en-US" sz="1400" dirty="0" smtClean="0"/>
-                        <a:t>The value that is stored</a:t>
-                      </a:r>
-                    </a:p>
-                  </a:txBody>
-                  <a:tcPr>
-                    <a:lnL w="9525" cap="flat" cmpd="sng" algn="ctr">
-                      <a:solidFill>
-                        <a:srgbClr val="E40121"/>
-                      </a:solidFill>
-                      <a:prstDash val="solid"/>
-                      <a:round/>
-                      <a:headEnd type="none" w="med" len="med"/>
-                      <a:tailEnd type="none" w="med" len="med"/>
-                    </a:lnL>
-                    <a:lnR w="9525" cap="flat" cmpd="sng" algn="ctr">
-                      <a:solidFill>
-                        <a:srgbClr val="E40121"/>
-                      </a:solidFill>
-                      <a:prstDash val="solid"/>
-                      <a:round/>
-                      <a:headEnd type="none" w="med" len="med"/>
-                      <a:tailEnd type="none" w="med" len="med"/>
-                    </a:lnR>
-                    <a:lnT w="9525" cap="flat" cmpd="sng" algn="ctr">
-                      <a:solidFill>
-                        <a:srgbClr val="E40121"/>
-                      </a:solidFill>
-                      <a:prstDash val="solid"/>
-                      <a:round/>
-                      <a:headEnd type="none" w="med" len="med"/>
-                      <a:tailEnd type="none" w="med" len="med"/>
-                    </a:lnT>
-                    <a:lnB w="9525" cap="flat" cmpd="sng" algn="ctr">
-                      <a:solidFill>
-                        <a:srgbClr val="E40121"/>
-                      </a:solidFill>
-                      <a:prstDash val="solid"/>
-                      <a:round/>
-                      <a:headEnd type="none" w="med" len="med"/>
-                      <a:tailEnd type="none" w="med" len="med"/>
-                    </a:lnB>
-                    <a:noFill/>
-                  </a:tcPr>
-                </a:tc>
-              </a:tr>
-              <a:tr h="205456">
-                <a:tc>
-                  <a:txBody>
-                    <a:bodyPr/>
-                    <a:lstStyle/>
-                    <a:p>
-                      <a:r>
-                        <a:rPr lang="en-US" sz="1400" b="1" dirty="0" smtClean="0">
-                          <a:solidFill>
-                            <a:schemeClr val="tx1"/>
-                          </a:solidFill>
-                        </a:rPr>
-                        <a:t>Expiry</a:t>
-                      </a:r>
-                      <a:endParaRPr lang="en-US" sz="1400" b="1" dirty="0">
-                        <a:solidFill>
-                          <a:schemeClr val="tx1"/>
-                        </a:solidFill>
-                      </a:endParaRPr>
-                    </a:p>
-                  </a:txBody>
-                  <a:tcPr>
-                    <a:lnL w="9525" cap="flat" cmpd="sng" algn="ctr">
-                      <a:solidFill>
-                        <a:srgbClr val="E40121"/>
-                      </a:solidFill>
-                      <a:prstDash val="solid"/>
-                      <a:round/>
-                      <a:headEnd type="none" w="med" len="med"/>
-                      <a:tailEnd type="none" w="med" len="med"/>
-                    </a:lnL>
-                    <a:lnR w="9525" cap="flat" cmpd="sng" algn="ctr">
-                      <a:solidFill>
-                        <a:srgbClr val="E40121"/>
-                      </a:solidFill>
-                      <a:prstDash val="solid"/>
-                      <a:round/>
-                      <a:headEnd type="none" w="med" len="med"/>
-                      <a:tailEnd type="none" w="med" len="med"/>
-                    </a:lnR>
-                    <a:lnT w="9525" cap="flat" cmpd="sng" algn="ctr">
-                      <a:solidFill>
-                        <a:srgbClr val="E40121"/>
-                      </a:solidFill>
-                      <a:prstDash val="solid"/>
-                      <a:round/>
-                      <a:headEnd type="none" w="med" len="med"/>
-                      <a:tailEnd type="none" w="med" len="med"/>
-                    </a:lnT>
-                    <a:lnB w="9525" cap="flat" cmpd="sng" algn="ctr">
-                      <a:solidFill>
-                        <a:srgbClr val="E40121"/>
-                      </a:solidFill>
-                      <a:prstDash val="solid"/>
-                      <a:round/>
-                      <a:headEnd type="none" w="med" len="med"/>
-                      <a:tailEnd type="none" w="med" len="med"/>
-                    </a:lnB>
-                    <a:noFill/>
-                  </a:tcPr>
-                </a:tc>
-                <a:tc>
-                  <a:txBody>
-                    <a:bodyPr/>
-                    <a:lstStyle/>
-                    <a:p>
-                      <a:pPr marL="0" marR="0" indent="0" algn="l" defTabSz="457200" rtl="0" eaLnBrk="1" fontAlgn="auto" latinLnBrk="0" hangingPunct="1">
-                        <a:lnSpc>
-                          <a:spcPct val="100000"/>
-                        </a:lnSpc>
-                        <a:spcBef>
-                          <a:spcPts val="0"/>
-                        </a:spcBef>
-                        <a:spcAft>
-                          <a:spcPts val="0"/>
-                        </a:spcAft>
-                        <a:buClrTx/>
-                        <a:buSzTx/>
-                        <a:buFontTx/>
-                        <a:buNone/>
-                        <a:tabLst/>
-                        <a:defRPr/>
-                      </a:pPr>
-                      <a:r>
-                        <a:rPr lang="en-US" sz="1400" dirty="0" smtClean="0"/>
-                        <a:t>An expiration</a:t>
-                      </a:r>
-                      <a:r>
-                        <a:rPr lang="en-US" sz="1400" baseline="0" dirty="0" smtClean="0"/>
-                        <a:t> time</a:t>
-                      </a:r>
-                      <a:endParaRPr lang="en-US" sz="1400" dirty="0" smtClean="0"/>
-                    </a:p>
-                  </a:txBody>
-                  <a:tcPr>
-                    <a:lnL w="9525" cap="flat" cmpd="sng" algn="ctr">
-                      <a:solidFill>
-                        <a:srgbClr val="E40121"/>
-                      </a:solidFill>
-                      <a:prstDash val="solid"/>
-                      <a:round/>
-                      <a:headEnd type="none" w="med" len="med"/>
-                      <a:tailEnd type="none" w="med" len="med"/>
-                    </a:lnL>
-                    <a:lnR w="9525" cap="flat" cmpd="sng" algn="ctr">
-                      <a:solidFill>
-                        <a:srgbClr val="E40121"/>
-                      </a:solidFill>
-                      <a:prstDash val="solid"/>
-                      <a:round/>
-                      <a:headEnd type="none" w="med" len="med"/>
-                      <a:tailEnd type="none" w="med" len="med"/>
-                    </a:lnR>
-                    <a:lnT w="9525" cap="flat" cmpd="sng" algn="ctr">
-                      <a:solidFill>
-                        <a:srgbClr val="E40121"/>
-                      </a:solidFill>
-                      <a:prstDash val="solid"/>
-                      <a:round/>
-                      <a:headEnd type="none" w="med" len="med"/>
-                      <a:tailEnd type="none" w="med" len="med"/>
-                    </a:lnT>
-                    <a:lnB w="9525" cap="flat" cmpd="sng" algn="ctr">
-                      <a:solidFill>
-                        <a:srgbClr val="E40121"/>
-                      </a:solidFill>
-                      <a:prstDash val="solid"/>
-                      <a:round/>
-                      <a:headEnd type="none" w="med" len="med"/>
-                      <a:tailEnd type="none" w="med" len="med"/>
-                    </a:lnB>
-                    <a:noFill/>
-                  </a:tcPr>
-                </a:tc>
-              </a:tr>
-              <a:tr h="205456">
-                <a:tc>
-                  <a:txBody>
-                    <a:bodyPr/>
-                    <a:lstStyle/>
-                    <a:p>
-                      <a:r>
-                        <a:rPr lang="en-US" sz="1400" b="1" dirty="0" smtClean="0">
-                          <a:solidFill>
-                            <a:schemeClr val="tx1"/>
-                          </a:solidFill>
-                        </a:rPr>
-                        <a:t>CAS</a:t>
-                      </a:r>
-                      <a:endParaRPr lang="en-US" sz="1400" b="1" dirty="0">
-                        <a:solidFill>
-                          <a:schemeClr val="tx1"/>
-                        </a:solidFill>
-                      </a:endParaRPr>
-                    </a:p>
-                  </a:txBody>
-                  <a:tcPr>
-                    <a:lnL w="9525" cap="flat" cmpd="sng" algn="ctr">
-                      <a:solidFill>
-                        <a:srgbClr val="E40121"/>
-                      </a:solidFill>
-                      <a:prstDash val="solid"/>
-                      <a:round/>
-                      <a:headEnd type="none" w="med" len="med"/>
-                      <a:tailEnd type="none" w="med" len="med"/>
-                    </a:lnL>
-                    <a:lnR w="9525" cap="flat" cmpd="sng" algn="ctr">
-                      <a:solidFill>
-                        <a:srgbClr val="E40121"/>
-                      </a:solidFill>
-                      <a:prstDash val="solid"/>
-                      <a:round/>
-                      <a:headEnd type="none" w="med" len="med"/>
-                      <a:tailEnd type="none" w="med" len="med"/>
-                    </a:lnR>
-                    <a:lnT w="9525" cap="flat" cmpd="sng" algn="ctr">
-                      <a:solidFill>
-                        <a:srgbClr val="E40121"/>
-                      </a:solidFill>
-                      <a:prstDash val="solid"/>
-                      <a:round/>
-                      <a:headEnd type="none" w="med" len="med"/>
-                      <a:tailEnd type="none" w="med" len="med"/>
-                    </a:lnT>
-                    <a:lnB w="9525" cap="flat" cmpd="sng" algn="ctr">
-                      <a:solidFill>
-                        <a:srgbClr val="E40121"/>
-                      </a:solidFill>
-                      <a:prstDash val="solid"/>
-                      <a:round/>
-                      <a:headEnd type="none" w="med" len="med"/>
-                      <a:tailEnd type="none" w="med" len="med"/>
-                    </a:lnB>
-                    <a:noFill/>
-                  </a:tcPr>
-                </a:tc>
-                <a:tc>
-                  <a:txBody>
-                    <a:bodyPr/>
-                    <a:lstStyle/>
-                    <a:p>
-                      <a:pPr marL="0" marR="0" indent="0" algn="l" defTabSz="457200" rtl="0" eaLnBrk="1" fontAlgn="auto" latinLnBrk="0" hangingPunct="1">
-                        <a:lnSpc>
-                          <a:spcPct val="100000"/>
-                        </a:lnSpc>
-                        <a:spcBef>
-                          <a:spcPts val="0"/>
-                        </a:spcBef>
-                        <a:spcAft>
-                          <a:spcPts val="0"/>
-                        </a:spcAft>
-                        <a:buClrTx/>
-                        <a:buSzTx/>
-                        <a:buFontTx/>
-                        <a:buNone/>
-                        <a:tabLst/>
-                        <a:defRPr/>
-                      </a:pPr>
-                      <a:r>
-                        <a:rPr lang="en-US" sz="1400" dirty="0" smtClean="0"/>
-                        <a:t>The Compare-And-Swap</a:t>
-                      </a:r>
-                      <a:r>
-                        <a:rPr lang="en-US" sz="1400" baseline="0" dirty="0" smtClean="0"/>
-                        <a:t> identifier</a:t>
-                      </a:r>
-                      <a:endParaRPr lang="en-US" sz="1400" dirty="0" smtClean="0"/>
-                    </a:p>
-                  </a:txBody>
-                  <a:tcPr>
-                    <a:lnL w="9525" cap="flat" cmpd="sng" algn="ctr">
-                      <a:solidFill>
-                        <a:srgbClr val="E40121"/>
-                      </a:solidFill>
-                      <a:prstDash val="solid"/>
-                      <a:round/>
-                      <a:headEnd type="none" w="med" len="med"/>
-                      <a:tailEnd type="none" w="med" len="med"/>
-                    </a:lnL>
-                    <a:lnR w="9525" cap="flat" cmpd="sng" algn="ctr">
-                      <a:solidFill>
-                        <a:srgbClr val="E40121"/>
-                      </a:solidFill>
-                      <a:prstDash val="solid"/>
-                      <a:round/>
-                      <a:headEnd type="none" w="med" len="med"/>
-                      <a:tailEnd type="none" w="med" len="med"/>
-                    </a:lnR>
-                    <a:lnT w="9525" cap="flat" cmpd="sng" algn="ctr">
-                      <a:solidFill>
-                        <a:srgbClr val="E40121"/>
-                      </a:solidFill>
-                      <a:prstDash val="solid"/>
-                      <a:round/>
-                      <a:headEnd type="none" w="med" len="med"/>
-                      <a:tailEnd type="none" w="med" len="med"/>
-                    </a:lnT>
-                    <a:lnB w="9525" cap="flat" cmpd="sng" algn="ctr">
-                      <a:solidFill>
-                        <a:srgbClr val="E40121"/>
-                      </a:solidFill>
-                      <a:prstDash val="solid"/>
-                      <a:round/>
-                      <a:headEnd type="none" w="med" len="med"/>
-                      <a:tailEnd type="none" w="med" len="med"/>
-                    </a:lnB>
-                    <a:noFill/>
-                  </a:tcPr>
-                </a:tc>
-              </a:tr>
-            </a:tbl>
-          </a:graphicData>
-        </a:graphic>
-      </p:graphicFrame>
+      <p:pic>
+        <p:nvPicPr>
+          <p:cNvPr id="10" name="Picture 9" descr="Screen Shot 2014-09-18 at 13.40.07.png"/>
+          <p:cNvPicPr>
+            <a:picLocks noChangeAspect="1"/>
+          </p:cNvPicPr>
+          <p:nvPr/>
+        </p:nvPicPr>
+        <p:blipFill>
+          <a:blip r:embed="rId2">
+            <a:extLst>
+              <a:ext uri="{28A0092B-C50C-407E-A947-70E740481C1C}">
+                <a14:useLocalDpi xmlns:a14="http://schemas.microsoft.com/office/drawing/2010/main" val="0"/>
+              </a:ext>
+            </a:extLst>
+          </a:blip>
+          <a:stretch>
+            <a:fillRect/>
+          </a:stretch>
+        </p:blipFill>
+        <p:spPr>
+          <a:xfrm>
+            <a:off x="2322135" y="823570"/>
+            <a:ext cx="4812793" cy="3773410"/>
+          </a:xfrm>
+          <a:prstGeom prst="rect">
+            <a:avLst/>
+          </a:prstGeom>
+        </p:spPr>
+      </p:pic>
     </p:spTree>
     <p:extLst>
       <p:ext uri="{BB962C8B-B14F-4D97-AF65-F5344CB8AC3E}">
-        <p14:creationId xmlns:p14="http://schemas.microsoft.com/office/powerpoint/2010/main" val="636974870"/>
+        <p14:creationId xmlns:p14="http://schemas.microsoft.com/office/powerpoint/2010/main" val="667413171"/>
+      </p:ext>
+    </p:extLst>
+  </p:cSld>
+  <p:clrMapOvr>
+    <a:masterClrMapping/>
+  </p:clrMapOvr>
+  <p:timing>
+    <p:tnLst>
+      <p:par>
+        <p:cTn xmlns:p14="http://schemas.microsoft.com/office/powerpoint/2010/main" id="1" dur="indefinite" restart="never" nodeType="tmRoot"/>
+      </p:par>
+    </p:tnLst>
+  </p:timing>
+</p:sld>
+</file>
+
+<file path=ppt/slides/slide19.xml><?xml version="1.0" encoding="utf-8"?>
+<p:sld xmlns:a="http://schemas.openxmlformats.org/drawingml/2006/main" xmlns:r="http://schemas.openxmlformats.org/officeDocument/2006/relationships" xmlns:p="http://schemas.openxmlformats.org/presentationml/2006/main">
+  <p:cSld>
+    <p:spTree>
+      <p:nvGrpSpPr>
+        <p:cNvPr id="1" name=""/>
+        <p:cNvGrpSpPr/>
+        <p:nvPr/>
+      </p:nvGrpSpPr>
+      <p:grpSpPr>
+        <a:xfrm>
+          <a:off x="0" y="0"/>
+          <a:ext cx="0" cy="0"/>
+          <a:chOff x="0" y="0"/>
+          <a:chExt cx="0" cy="0"/>
+        </a:xfrm>
+      </p:grpSpPr>
+      <p:sp>
+        <p:nvSpPr>
+          <p:cNvPr id="2" name="Content Placeholder 1"/>
+          <p:cNvSpPr>
+            <a:spLocks noGrp="1"/>
+          </p:cNvSpPr>
+          <p:nvPr>
+            <p:ph idx="1"/>
+          </p:nvPr>
+        </p:nvSpPr>
+        <p:spPr/>
+        <p:txBody>
+          <a:bodyPr/>
+          <a:lstStyle/>
+          <a:p>
+            <a:pPr marL="285750" indent="-285750">
+              <a:buFont typeface="Wingdings" charset="2"/>
+              <a:buChar char="§"/>
+            </a:pPr>
+            <a:r>
+              <a:rPr lang="en-US" dirty="0" smtClean="0"/>
+              <a:t>Document implementations are language specific.</a:t>
+            </a:r>
+          </a:p>
+          <a:p>
+            <a:pPr marL="285750" indent="-285750">
+              <a:buFont typeface="Wingdings" charset="2"/>
+              <a:buChar char="§"/>
+            </a:pPr>
+            <a:r>
+              <a:rPr lang="en-US" dirty="0" smtClean="0"/>
+              <a:t>All support JSON in its different forms.</a:t>
+            </a:r>
+          </a:p>
+          <a:p>
+            <a:pPr marL="285750" indent="-285750">
+              <a:buFont typeface="Wingdings" charset="2"/>
+              <a:buChar char="§"/>
+            </a:pPr>
+            <a:endParaRPr lang="en-US" dirty="0"/>
+          </a:p>
+          <a:p>
+            <a:pPr marL="285750" indent="-285750">
+              <a:buFont typeface="Wingdings" charset="2"/>
+              <a:buChar char="§"/>
+            </a:pPr>
+            <a:r>
+              <a:rPr lang="en-US" dirty="0" smtClean="0"/>
+              <a:t>In addition, some support:</a:t>
+            </a:r>
+          </a:p>
+          <a:p>
+            <a:pPr marL="587375" lvl="1" indent="-285750">
+              <a:buFont typeface="Wingdings" charset="2"/>
+              <a:buChar char="§"/>
+            </a:pPr>
+            <a:r>
+              <a:rPr lang="en-US" dirty="0" smtClean="0"/>
+              <a:t>Serialized objects</a:t>
+            </a:r>
+          </a:p>
+          <a:p>
+            <a:pPr marL="587375" lvl="1" indent="-285750">
+              <a:buFont typeface="Wingdings" charset="2"/>
+              <a:buChar char="§"/>
+            </a:pPr>
+            <a:r>
+              <a:rPr lang="en-US" dirty="0" smtClean="0"/>
+              <a:t>Unquoted Strings</a:t>
+            </a:r>
+          </a:p>
+          <a:p>
+            <a:pPr marL="587375" lvl="1" indent="-285750">
+              <a:buFont typeface="Wingdings" charset="2"/>
+              <a:buChar char="§"/>
+            </a:pPr>
+            <a:r>
+              <a:rPr lang="en-US" dirty="0" smtClean="0"/>
+              <a:t>Binary pass-through</a:t>
+            </a:r>
+          </a:p>
+          <a:p>
+            <a:pPr marL="587375" lvl="1" indent="-285750">
+              <a:buFont typeface="Wingdings" charset="2"/>
+              <a:buChar char="§"/>
+            </a:pPr>
+            <a:r>
+              <a:rPr lang="en-US" dirty="0" smtClean="0"/>
+              <a:t>Legacy</a:t>
+            </a:r>
+          </a:p>
+          <a:p>
+            <a:pPr marL="587375" lvl="1" indent="-285750">
+              <a:buFont typeface="Wingdings" charset="2"/>
+              <a:buChar char="§"/>
+            </a:pPr>
+            <a:r>
+              <a:rPr lang="en-US" dirty="0" smtClean="0"/>
+              <a:t>…</a:t>
+            </a:r>
+          </a:p>
+          <a:p>
+            <a:pPr marL="587375" lvl="1" indent="-285750">
+              <a:buFont typeface="Wingdings" charset="2"/>
+              <a:buChar char="§"/>
+            </a:pPr>
+            <a:endParaRPr lang="en-US" dirty="0"/>
+          </a:p>
+        </p:txBody>
+      </p:sp>
+      <p:sp>
+        <p:nvSpPr>
+          <p:cNvPr id="3" name="Title 2"/>
+          <p:cNvSpPr>
+            <a:spLocks noGrp="1"/>
+          </p:cNvSpPr>
+          <p:nvPr>
+            <p:ph type="title"/>
+          </p:nvPr>
+        </p:nvSpPr>
+        <p:spPr/>
+        <p:txBody>
+          <a:bodyPr/>
+          <a:lstStyle/>
+          <a:p>
+            <a:r>
+              <a:rPr lang="en-US" dirty="0" smtClean="0"/>
+              <a:t>Document Implementations</a:t>
+            </a:r>
+            <a:endParaRPr lang="en-US" dirty="0"/>
+          </a:p>
+        </p:txBody>
+      </p:sp>
+      <p:sp>
+        <p:nvSpPr>
+          <p:cNvPr id="6" name="TextBox 5"/>
+          <p:cNvSpPr txBox="1"/>
+          <p:nvPr/>
+        </p:nvSpPr>
+        <p:spPr>
+          <a:xfrm>
+            <a:off x="1241632" y="-1364650"/>
+            <a:ext cx="184666" cy="369332"/>
+          </a:xfrm>
+          <a:prstGeom prst="rect">
+            <a:avLst/>
+          </a:prstGeom>
+          <a:noFill/>
+        </p:spPr>
+        <p:txBody>
+          <a:bodyPr wrap="none" rtlCol="0">
+            <a:spAutoFit/>
+          </a:bodyPr>
+          <a:lstStyle/>
+          <a:p>
+            <a:endParaRPr lang="en-US" dirty="0" err="1">
+              <a:solidFill>
+                <a:srgbClr val="333333"/>
+              </a:solidFill>
+              <a:latin typeface="Arial"/>
+              <a:cs typeface="Arial"/>
+            </a:endParaRPr>
+          </a:p>
+        </p:txBody>
+      </p:sp>
+      <p:sp>
+        <p:nvSpPr>
+          <p:cNvPr id="7" name="Rectangle 6"/>
+          <p:cNvSpPr/>
+          <p:nvPr/>
+        </p:nvSpPr>
+        <p:spPr>
+          <a:xfrm>
+            <a:off x="2928734" y="-1895348"/>
+            <a:ext cx="2521175" cy="1222500"/>
+          </a:xfrm>
+          <a:prstGeom prst="rect">
+            <a:avLst/>
+          </a:prstGeom>
+          <a:solidFill>
+            <a:schemeClr val="accent1"/>
+          </a:solidFill>
+          <a:ln>
+            <a:noFill/>
+          </a:ln>
+          <a:effectLst/>
+        </p:spPr>
+        <p:style>
+          <a:lnRef idx="1">
+            <a:schemeClr val="accent1"/>
+          </a:lnRef>
+          <a:fillRef idx="3">
+            <a:schemeClr val="accent1"/>
+          </a:fillRef>
+          <a:effectRef idx="2">
+            <a:schemeClr val="accent1"/>
+          </a:effectRef>
+          <a:fontRef idx="minor">
+            <a:schemeClr val="lt1"/>
+          </a:fontRef>
+        </p:style>
+        <p:txBody>
+          <a:bodyPr rtlCol="0" anchor="ctr"/>
+          <a:lstStyle/>
+          <a:p>
+            <a:pPr algn="ctr"/>
+            <a:r>
+              <a:rPr lang="en-US" dirty="0" smtClean="0">
+                <a:solidFill>
+                  <a:srgbClr val="333333"/>
+                </a:solidFill>
+                <a:latin typeface="Arial"/>
+                <a:cs typeface="Arial"/>
+              </a:rPr>
+              <a:t>j</a:t>
+            </a:r>
+            <a:endParaRPr lang="en-US" dirty="0">
+              <a:solidFill>
+                <a:srgbClr val="333333"/>
+              </a:solidFill>
+              <a:latin typeface="Arial"/>
+              <a:cs typeface="Arial"/>
+            </a:endParaRPr>
+          </a:p>
+        </p:txBody>
+      </p:sp>
+    </p:spTree>
+    <p:extLst>
+      <p:ext uri="{BB962C8B-B14F-4D97-AF65-F5344CB8AC3E}">
+        <p14:creationId xmlns:p14="http://schemas.microsoft.com/office/powerpoint/2010/main" val="1499859300"/>
       </p:ext>
     </p:extLst>
   </p:cSld>
@@ -7594,33 +8267,43 @@
           <a:p>
             <a:r>
               <a:rPr lang="en-US" dirty="0" smtClean="0"/>
-              <a:t>SDK Overview</a:t>
+              <a:t>Overview of services and programming model</a:t>
             </a:r>
           </a:p>
           <a:p>
             <a:r>
               <a:rPr lang="en-US" dirty="0" smtClean="0"/>
-              <a:t>High-Level Architecture</a:t>
-            </a:r>
-          </a:p>
-          <a:p>
+              <a:t>Description of the features of the SDKs</a:t>
+            </a:r>
+          </a:p>
+          <a:p>
+            <a:pPr lvl="1"/>
+            <a:r>
+              <a:rPr lang="en-US" dirty="0" smtClean="0"/>
+              <a:t>Including other frameworks/integrations</a:t>
+            </a:r>
             <a:endParaRPr lang="en-US" dirty="0" smtClean="0"/>
           </a:p>
           <a:p>
             <a:r>
               <a:rPr lang="en-US" dirty="0" smtClean="0"/>
-              <a:t>APIs</a:t>
+              <a:t>Documents and APIs</a:t>
             </a:r>
           </a:p>
           <a:p>
             <a:pPr lvl="1"/>
             <a:r>
               <a:rPr lang="en-US" dirty="0" smtClean="0"/>
-              <a:t>Cluster, Bucket, Documents,…</a:t>
-            </a:r>
-          </a:p>
-          <a:p>
-            <a:endParaRPr lang="en-US" dirty="0"/>
+              <a:t>What does it mean to be a Document in Couchbase</a:t>
+            </a:r>
+          </a:p>
+          <a:p>
+            <a:pPr lvl="1"/>
+            <a:r>
+              <a:rPr lang="en-US" dirty="0" smtClean="0"/>
+              <a:t>APIs used to program against Couchbase</a:t>
+            </a:r>
+            <a:endParaRPr lang="en-US" dirty="0" smtClean="0"/>
           </a:p>
         </p:txBody>
       </p:sp>
@@ -7678,452 +8361,6 @@
           <a:p>
             <a:r>
               <a:rPr lang="en-US" dirty="0" smtClean="0"/>
-              <a:t>The Document</a:t>
-            </a:r>
-            <a:endParaRPr lang="en-US" dirty="0"/>
-          </a:p>
-        </p:txBody>
-      </p:sp>
-      <p:sp>
-        <p:nvSpPr>
-          <p:cNvPr id="6" name="TextBox 5"/>
-          <p:cNvSpPr txBox="1"/>
-          <p:nvPr/>
-        </p:nvSpPr>
-        <p:spPr>
-          <a:xfrm>
-            <a:off x="1241632" y="-1364650"/>
-            <a:ext cx="184666" cy="369332"/>
-          </a:xfrm>
-          <a:prstGeom prst="rect">
-            <a:avLst/>
-          </a:prstGeom>
-          <a:noFill/>
-        </p:spPr>
-        <p:txBody>
-          <a:bodyPr wrap="none" rtlCol="0">
-            <a:spAutoFit/>
-          </a:bodyPr>
-          <a:lstStyle/>
-          <a:p>
-            <a:endParaRPr lang="en-US" dirty="0" err="1">
-              <a:solidFill>
-                <a:srgbClr val="333333"/>
-              </a:solidFill>
-              <a:latin typeface="Arial"/>
-              <a:cs typeface="Arial"/>
-            </a:endParaRPr>
-          </a:p>
-        </p:txBody>
-      </p:sp>
-      <p:sp>
-        <p:nvSpPr>
-          <p:cNvPr id="7" name="Rectangle 6"/>
-          <p:cNvSpPr/>
-          <p:nvPr/>
-        </p:nvSpPr>
-        <p:spPr>
-          <a:xfrm>
-            <a:off x="2928734" y="-1895348"/>
-            <a:ext cx="2521175" cy="1222500"/>
-          </a:xfrm>
-          <a:prstGeom prst="rect">
-            <a:avLst/>
-          </a:prstGeom>
-          <a:solidFill>
-            <a:schemeClr val="accent1"/>
-          </a:solidFill>
-          <a:ln>
-            <a:noFill/>
-          </a:ln>
-          <a:effectLst/>
-        </p:spPr>
-        <p:style>
-          <a:lnRef idx="1">
-            <a:schemeClr val="accent1"/>
-          </a:lnRef>
-          <a:fillRef idx="3">
-            <a:schemeClr val="accent1"/>
-          </a:fillRef>
-          <a:effectRef idx="2">
-            <a:schemeClr val="accent1"/>
-          </a:effectRef>
-          <a:fontRef idx="minor">
-            <a:schemeClr val="lt1"/>
-          </a:fontRef>
-        </p:style>
-        <p:txBody>
-          <a:bodyPr rtlCol="0" anchor="ctr"/>
-          <a:lstStyle/>
-          <a:p>
-            <a:pPr algn="ctr"/>
-            <a:r>
-              <a:rPr lang="en-US" dirty="0" smtClean="0">
-                <a:solidFill>
-                  <a:srgbClr val="333333"/>
-                </a:solidFill>
-                <a:latin typeface="Arial"/>
-                <a:cs typeface="Arial"/>
-              </a:rPr>
-              <a:t>j</a:t>
-            </a:r>
-            <a:endParaRPr lang="en-US" dirty="0">
-              <a:solidFill>
-                <a:srgbClr val="333333"/>
-              </a:solidFill>
-              <a:latin typeface="Arial"/>
-              <a:cs typeface="Arial"/>
-            </a:endParaRPr>
-          </a:p>
-        </p:txBody>
-      </p:sp>
-      <p:pic>
-        <p:nvPicPr>
-          <p:cNvPr id="10" name="Picture 9" descr="Screen Shot 2014-09-18 at 13.40.07.png"/>
-          <p:cNvPicPr>
-            <a:picLocks noChangeAspect="1"/>
-          </p:cNvPicPr>
-          <p:nvPr/>
-        </p:nvPicPr>
-        <p:blipFill>
-          <a:blip r:embed="rId2">
-            <a:extLst>
-              <a:ext uri="{28A0092B-C50C-407E-A947-70E740481C1C}">
-                <a14:useLocalDpi xmlns:a14="http://schemas.microsoft.com/office/drawing/2010/main" val="0"/>
-              </a:ext>
-            </a:extLst>
-          </a:blip>
-          <a:stretch>
-            <a:fillRect/>
-          </a:stretch>
-        </p:blipFill>
-        <p:spPr>
-          <a:xfrm>
-            <a:off x="2322135" y="823570"/>
-            <a:ext cx="4812793" cy="3773410"/>
-          </a:xfrm>
-          <a:prstGeom prst="rect">
-            <a:avLst/>
-          </a:prstGeom>
-        </p:spPr>
-      </p:pic>
-    </p:spTree>
-    <p:extLst>
-      <p:ext uri="{BB962C8B-B14F-4D97-AF65-F5344CB8AC3E}">
-        <p14:creationId xmlns:p14="http://schemas.microsoft.com/office/powerpoint/2010/main" val="667413171"/>
-      </p:ext>
-    </p:extLst>
-  </p:cSld>
-  <p:clrMapOvr>
-    <a:masterClrMapping/>
-  </p:clrMapOvr>
-  <p:timing>
-    <p:tnLst>
-      <p:par>
-        <p:cTn xmlns:p14="http://schemas.microsoft.com/office/powerpoint/2010/main" id="1" dur="indefinite" restart="never" nodeType="tmRoot"/>
-      </p:par>
-    </p:tnLst>
-  </p:timing>
-</p:sld>
-</file>
-
-<file path=ppt/slides/slide21.xml><?xml version="1.0" encoding="utf-8"?>
-<p:sld xmlns:a="http://schemas.openxmlformats.org/drawingml/2006/main" xmlns:r="http://schemas.openxmlformats.org/officeDocument/2006/relationships" xmlns:p="http://schemas.openxmlformats.org/presentationml/2006/main">
-  <p:cSld>
-    <p:spTree>
-      <p:nvGrpSpPr>
-        <p:cNvPr id="1" name=""/>
-        <p:cNvGrpSpPr/>
-        <p:nvPr/>
-      </p:nvGrpSpPr>
-      <p:grpSpPr>
-        <a:xfrm>
-          <a:off x="0" y="0"/>
-          <a:ext cx="0" cy="0"/>
-          <a:chOff x="0" y="0"/>
-          <a:chExt cx="0" cy="0"/>
-        </a:xfrm>
-      </p:grpSpPr>
-      <p:sp>
-        <p:nvSpPr>
-          <p:cNvPr id="2" name="Content Placeholder 1"/>
-          <p:cNvSpPr>
-            <a:spLocks noGrp="1"/>
-          </p:cNvSpPr>
-          <p:nvPr>
-            <p:ph idx="1"/>
-          </p:nvPr>
-        </p:nvSpPr>
-        <p:spPr/>
-        <p:txBody>
-          <a:bodyPr/>
-          <a:lstStyle/>
-          <a:p>
-            <a:pPr marL="285750" indent="-285750">
-              <a:buFont typeface="Wingdings" charset="2"/>
-              <a:buChar char="§"/>
-            </a:pPr>
-            <a:r>
-              <a:rPr lang="en-US" dirty="0" smtClean="0"/>
-              <a:t>Document implementations are language specific.</a:t>
-            </a:r>
-          </a:p>
-          <a:p>
-            <a:pPr marL="285750" indent="-285750">
-              <a:buFont typeface="Wingdings" charset="2"/>
-              <a:buChar char="§"/>
-            </a:pPr>
-            <a:r>
-              <a:rPr lang="en-US" dirty="0" smtClean="0"/>
-              <a:t>All support JSON in its different forms.</a:t>
-            </a:r>
-          </a:p>
-          <a:p>
-            <a:pPr marL="285750" indent="-285750">
-              <a:buFont typeface="Wingdings" charset="2"/>
-              <a:buChar char="§"/>
-            </a:pPr>
-            <a:endParaRPr lang="en-US" dirty="0"/>
-          </a:p>
-          <a:p>
-            <a:pPr marL="285750" indent="-285750">
-              <a:buFont typeface="Wingdings" charset="2"/>
-              <a:buChar char="§"/>
-            </a:pPr>
-            <a:r>
-              <a:rPr lang="en-US" dirty="0" smtClean="0"/>
-              <a:t>In addition, some support:</a:t>
-            </a:r>
-          </a:p>
-          <a:p>
-            <a:pPr marL="587375" lvl="1" indent="-285750">
-              <a:buFont typeface="Wingdings" charset="2"/>
-              <a:buChar char="§"/>
-            </a:pPr>
-            <a:r>
-              <a:rPr lang="en-US" dirty="0" smtClean="0"/>
-              <a:t>Serialized objects</a:t>
-            </a:r>
-          </a:p>
-          <a:p>
-            <a:pPr marL="587375" lvl="1" indent="-285750">
-              <a:buFont typeface="Wingdings" charset="2"/>
-              <a:buChar char="§"/>
-            </a:pPr>
-            <a:r>
-              <a:rPr lang="en-US" dirty="0" smtClean="0"/>
-              <a:t>Unquoted Strings</a:t>
-            </a:r>
-          </a:p>
-          <a:p>
-            <a:pPr marL="587375" lvl="1" indent="-285750">
-              <a:buFont typeface="Wingdings" charset="2"/>
-              <a:buChar char="§"/>
-            </a:pPr>
-            <a:r>
-              <a:rPr lang="en-US" dirty="0" smtClean="0"/>
-              <a:t>Binary pass-through</a:t>
-            </a:r>
-          </a:p>
-          <a:p>
-            <a:pPr marL="587375" lvl="1" indent="-285750">
-              <a:buFont typeface="Wingdings" charset="2"/>
-              <a:buChar char="§"/>
-            </a:pPr>
-            <a:r>
-              <a:rPr lang="en-US" dirty="0" smtClean="0"/>
-              <a:t>Legacy</a:t>
-            </a:r>
-          </a:p>
-          <a:p>
-            <a:pPr marL="587375" lvl="1" indent="-285750">
-              <a:buFont typeface="Wingdings" charset="2"/>
-              <a:buChar char="§"/>
-            </a:pPr>
-            <a:r>
-              <a:rPr lang="en-US" dirty="0" smtClean="0"/>
-              <a:t>…</a:t>
-            </a:r>
-          </a:p>
-          <a:p>
-            <a:pPr marL="587375" lvl="1" indent="-285750">
-              <a:buFont typeface="Wingdings" charset="2"/>
-              <a:buChar char="§"/>
-            </a:pPr>
-            <a:endParaRPr lang="en-US" dirty="0"/>
-          </a:p>
-        </p:txBody>
-      </p:sp>
-      <p:sp>
-        <p:nvSpPr>
-          <p:cNvPr id="3" name="Title 2"/>
-          <p:cNvSpPr>
-            <a:spLocks noGrp="1"/>
-          </p:cNvSpPr>
-          <p:nvPr>
-            <p:ph type="title"/>
-          </p:nvPr>
-        </p:nvSpPr>
-        <p:spPr/>
-        <p:txBody>
-          <a:bodyPr/>
-          <a:lstStyle/>
-          <a:p>
-            <a:r>
-              <a:rPr lang="en-US" dirty="0" smtClean="0"/>
-              <a:t>Document Implementations</a:t>
-            </a:r>
-            <a:endParaRPr lang="en-US" dirty="0"/>
-          </a:p>
-        </p:txBody>
-      </p:sp>
-      <p:sp>
-        <p:nvSpPr>
-          <p:cNvPr id="6" name="TextBox 5"/>
-          <p:cNvSpPr txBox="1"/>
-          <p:nvPr/>
-        </p:nvSpPr>
-        <p:spPr>
-          <a:xfrm>
-            <a:off x="1241632" y="-1364650"/>
-            <a:ext cx="184666" cy="369332"/>
-          </a:xfrm>
-          <a:prstGeom prst="rect">
-            <a:avLst/>
-          </a:prstGeom>
-          <a:noFill/>
-        </p:spPr>
-        <p:txBody>
-          <a:bodyPr wrap="none" rtlCol="0">
-            <a:spAutoFit/>
-          </a:bodyPr>
-          <a:lstStyle/>
-          <a:p>
-            <a:endParaRPr lang="en-US" dirty="0" err="1">
-              <a:solidFill>
-                <a:srgbClr val="333333"/>
-              </a:solidFill>
-              <a:latin typeface="Arial"/>
-              <a:cs typeface="Arial"/>
-            </a:endParaRPr>
-          </a:p>
-        </p:txBody>
-      </p:sp>
-      <p:sp>
-        <p:nvSpPr>
-          <p:cNvPr id="7" name="Rectangle 6"/>
-          <p:cNvSpPr/>
-          <p:nvPr/>
-        </p:nvSpPr>
-        <p:spPr>
-          <a:xfrm>
-            <a:off x="2928734" y="-1895348"/>
-            <a:ext cx="2521175" cy="1222500"/>
-          </a:xfrm>
-          <a:prstGeom prst="rect">
-            <a:avLst/>
-          </a:prstGeom>
-          <a:solidFill>
-            <a:schemeClr val="accent1"/>
-          </a:solidFill>
-          <a:ln>
-            <a:noFill/>
-          </a:ln>
-          <a:effectLst/>
-        </p:spPr>
-        <p:style>
-          <a:lnRef idx="1">
-            <a:schemeClr val="accent1"/>
-          </a:lnRef>
-          <a:fillRef idx="3">
-            <a:schemeClr val="accent1"/>
-          </a:fillRef>
-          <a:effectRef idx="2">
-            <a:schemeClr val="accent1"/>
-          </a:effectRef>
-          <a:fontRef idx="minor">
-            <a:schemeClr val="lt1"/>
-          </a:fontRef>
-        </p:style>
-        <p:txBody>
-          <a:bodyPr rtlCol="0" anchor="ctr"/>
-          <a:lstStyle/>
-          <a:p>
-            <a:pPr algn="ctr"/>
-            <a:r>
-              <a:rPr lang="en-US" dirty="0" smtClean="0">
-                <a:solidFill>
-                  <a:srgbClr val="333333"/>
-                </a:solidFill>
-                <a:latin typeface="Arial"/>
-                <a:cs typeface="Arial"/>
-              </a:rPr>
-              <a:t>j</a:t>
-            </a:r>
-            <a:endParaRPr lang="en-US" dirty="0">
-              <a:solidFill>
-                <a:srgbClr val="333333"/>
-              </a:solidFill>
-              <a:latin typeface="Arial"/>
-              <a:cs typeface="Arial"/>
-            </a:endParaRPr>
-          </a:p>
-        </p:txBody>
-      </p:sp>
-    </p:spTree>
-    <p:extLst>
-      <p:ext uri="{BB962C8B-B14F-4D97-AF65-F5344CB8AC3E}">
-        <p14:creationId xmlns:p14="http://schemas.microsoft.com/office/powerpoint/2010/main" val="1499859300"/>
-      </p:ext>
-    </p:extLst>
-  </p:cSld>
-  <p:clrMapOvr>
-    <a:masterClrMapping/>
-  </p:clrMapOvr>
-  <p:timing>
-    <p:tnLst>
-      <p:par>
-        <p:cTn xmlns:p14="http://schemas.microsoft.com/office/powerpoint/2010/main" id="1" dur="indefinite" restart="never" nodeType="tmRoot"/>
-      </p:par>
-    </p:tnLst>
-  </p:timing>
-</p:sld>
-</file>
-
-<file path=ppt/slides/slide22.xml><?xml version="1.0" encoding="utf-8"?>
-<p:sld xmlns:a="http://schemas.openxmlformats.org/drawingml/2006/main" xmlns:r="http://schemas.openxmlformats.org/officeDocument/2006/relationships" xmlns:p="http://schemas.openxmlformats.org/presentationml/2006/main">
-  <p:cSld>
-    <p:spTree>
-      <p:nvGrpSpPr>
-        <p:cNvPr id="1" name=""/>
-        <p:cNvGrpSpPr/>
-        <p:nvPr/>
-      </p:nvGrpSpPr>
-      <p:grpSpPr>
-        <a:xfrm>
-          <a:off x="0" y="0"/>
-          <a:ext cx="0" cy="0"/>
-          <a:chOff x="0" y="0"/>
-          <a:chExt cx="0" cy="0"/>
-        </a:xfrm>
-      </p:grpSpPr>
-      <p:sp>
-        <p:nvSpPr>
-          <p:cNvPr id="3" name="Title 2"/>
-          <p:cNvSpPr>
-            <a:spLocks noGrp="1"/>
-          </p:cNvSpPr>
-          <p:nvPr>
-            <p:ph type="title"/>
-          </p:nvPr>
-        </p:nvSpPr>
-        <p:spPr/>
-        <p:txBody>
-          <a:bodyPr/>
-          <a:lstStyle/>
-          <a:p>
-            <a:r>
-              <a:rPr lang="en-US" dirty="0" smtClean="0"/>
               <a:t>Example Document - Java</a:t>
             </a:r>
             <a:endParaRPr lang="en-US" dirty="0"/>
@@ -8170,10 +8407,17 @@
   <p:clrMapOvr>
     <a:masterClrMapping/>
   </p:clrMapOvr>
+  <p:timing>
+    <p:tnLst>
+      <p:par>
+        <p:cTn xmlns:p14="http://schemas.microsoft.com/office/powerpoint/2010/main" id="1" dur="indefinite" restart="never" nodeType="tmRoot"/>
+      </p:par>
+    </p:tnLst>
+  </p:timing>
 </p:sld>
 </file>
 
-<file path=ppt/slides/slide23.xml><?xml version="1.0" encoding="utf-8"?>
+<file path=ppt/slides/slide21.xml><?xml version="1.0" encoding="utf-8"?>
 <p:sld xmlns:a="http://schemas.openxmlformats.org/drawingml/2006/main" xmlns:r="http://schemas.openxmlformats.org/officeDocument/2006/relationships" xmlns:p="http://schemas.openxmlformats.org/presentationml/2006/main">
   <p:cSld>
     <p:spTree>
@@ -8253,10 +8497,17 @@
   <p:clrMapOvr>
     <a:masterClrMapping/>
   </p:clrMapOvr>
+  <p:timing>
+    <p:tnLst>
+      <p:par>
+        <p:cTn xmlns:p14="http://schemas.microsoft.com/office/powerpoint/2010/main" id="1" dur="indefinite" restart="never" nodeType="tmRoot"/>
+      </p:par>
+    </p:tnLst>
+  </p:timing>
 </p:sld>
 </file>
 
-<file path=ppt/slides/slide24.xml><?xml version="1.0" encoding="utf-8"?>
+<file path=ppt/slides/slide22.xml><?xml version="1.0" encoding="utf-8"?>
 <p:sld xmlns:a="http://schemas.openxmlformats.org/drawingml/2006/main" xmlns:r="http://schemas.openxmlformats.org/officeDocument/2006/relationships" xmlns:p="http://schemas.openxmlformats.org/presentationml/2006/main">
   <p:cSld>
     <p:spTree>
@@ -8480,10 +8731,17 @@
   <p:clrMapOvr>
     <a:masterClrMapping/>
   </p:clrMapOvr>
+  <p:timing>
+    <p:tnLst>
+      <p:par>
+        <p:cTn xmlns:p14="http://schemas.microsoft.com/office/powerpoint/2010/main" id="1" dur="indefinite" restart="never" nodeType="tmRoot"/>
+      </p:par>
+    </p:tnLst>
+  </p:timing>
 </p:sld>
 </file>
 
-<file path=ppt/slides/slide25.xml><?xml version="1.0" encoding="utf-8"?>
+<file path=ppt/slides/slide23.xml><?xml version="1.0" encoding="utf-8"?>
 <p:sld xmlns:a="http://schemas.openxmlformats.org/drawingml/2006/main" xmlns:r="http://schemas.openxmlformats.org/officeDocument/2006/relationships" xmlns:p="http://schemas.openxmlformats.org/presentationml/2006/main">
   <p:cSld>
     <p:spTree>
@@ -8586,10 +8844,17 @@
   <p:clrMapOvr>
     <a:masterClrMapping/>
   </p:clrMapOvr>
+  <p:timing>
+    <p:tnLst>
+      <p:par>
+        <p:cTn xmlns:p14="http://schemas.microsoft.com/office/powerpoint/2010/main" id="1" dur="indefinite" restart="never" nodeType="tmRoot"/>
+      </p:par>
+    </p:tnLst>
+  </p:timing>
 </p:sld>
 </file>
 
-<file path=ppt/slides/slide26.xml><?xml version="1.0" encoding="utf-8"?>
+<file path=ppt/slides/slide24.xml><?xml version="1.0" encoding="utf-8"?>
 <p:sld xmlns:a="http://schemas.openxmlformats.org/drawingml/2006/main" xmlns:r="http://schemas.openxmlformats.org/officeDocument/2006/relationships" xmlns:p="http://schemas.openxmlformats.org/presentationml/2006/main">
   <p:cSld>
     <p:spTree>
@@ -8669,10 +8934,17 @@
   <p:clrMapOvr>
     <a:masterClrMapping/>
   </p:clrMapOvr>
+  <p:timing>
+    <p:tnLst>
+      <p:par>
+        <p:cTn xmlns:p14="http://schemas.microsoft.com/office/powerpoint/2010/main" id="1" dur="indefinite" restart="never" nodeType="tmRoot"/>
+      </p:par>
+    </p:tnLst>
+  </p:timing>
 </p:sld>
 </file>
 
-<file path=ppt/slides/slide27.xml><?xml version="1.0" encoding="utf-8"?>
+<file path=ppt/slides/slide25.xml><?xml version="1.0" encoding="utf-8"?>
 <p:sld xmlns:a="http://schemas.openxmlformats.org/drawingml/2006/main" xmlns:r="http://schemas.openxmlformats.org/officeDocument/2006/relationships" xmlns:p="http://schemas.openxmlformats.org/presentationml/2006/main">
   <p:cSld>
     <p:spTree>
@@ -8823,10 +9095,17 @@
   <p:clrMapOvr>
     <a:masterClrMapping/>
   </p:clrMapOvr>
+  <p:timing>
+    <p:tnLst>
+      <p:par>
+        <p:cTn xmlns:p14="http://schemas.microsoft.com/office/powerpoint/2010/main" id="1" dur="indefinite" restart="never" nodeType="tmRoot"/>
+      </p:par>
+    </p:tnLst>
+  </p:timing>
 </p:sld>
 </file>
 
-<file path=ppt/slides/slide28.xml><?xml version="1.0" encoding="utf-8"?>
+<file path=ppt/slides/slide26.xml><?xml version="1.0" encoding="utf-8"?>
 <p:sld xmlns:a="http://schemas.openxmlformats.org/drawingml/2006/main" xmlns:r="http://schemas.openxmlformats.org/officeDocument/2006/relationships" xmlns:p="http://schemas.openxmlformats.org/presentationml/2006/main">
   <p:cSld>
     <p:spTree>
@@ -8936,10 +9215,17 @@
   <p:clrMapOvr>
     <a:masterClrMapping/>
   </p:clrMapOvr>
+  <p:timing>
+    <p:tnLst>
+      <p:par>
+        <p:cTn xmlns:p14="http://schemas.microsoft.com/office/powerpoint/2010/main" id="1" dur="indefinite" restart="never" nodeType="tmRoot"/>
+      </p:par>
+    </p:tnLst>
+  </p:timing>
 </p:sld>
 </file>
 
-<file path=ppt/slides/slide29.xml><?xml version="1.0" encoding="utf-8"?>
+<file path=ppt/slides/slide27.xml><?xml version="1.0" encoding="utf-8"?>
 <p:sld xmlns:a="http://schemas.openxmlformats.org/drawingml/2006/main" xmlns:r="http://schemas.openxmlformats.org/officeDocument/2006/relationships" xmlns:p="http://schemas.openxmlformats.org/presentationml/2006/main">
   <p:cSld>
     <p:spTree>
@@ -9023,78 +9309,6 @@
   <p:clrMapOvr>
     <a:masterClrMapping/>
   </p:clrMapOvr>
-</p:sld>
-</file>
-
-<file path=ppt/slides/slide3.xml><?xml version="1.0" encoding="utf-8"?>
-<p:sld xmlns:a="http://schemas.openxmlformats.org/drawingml/2006/main" xmlns:r="http://schemas.openxmlformats.org/officeDocument/2006/relationships" xmlns:p="http://schemas.openxmlformats.org/presentationml/2006/main">
-  <p:cSld>
-    <p:spTree>
-      <p:nvGrpSpPr>
-        <p:cNvPr id="1" name=""/>
-        <p:cNvGrpSpPr/>
-        <p:nvPr/>
-      </p:nvGrpSpPr>
-      <p:grpSpPr>
-        <a:xfrm>
-          <a:off x="0" y="0"/>
-          <a:ext cx="0" cy="0"/>
-          <a:chOff x="0" y="0"/>
-          <a:chExt cx="0" cy="0"/>
-        </a:xfrm>
-      </p:grpSpPr>
-      <p:sp>
-        <p:nvSpPr>
-          <p:cNvPr id="2" name="Title 1"/>
-          <p:cNvSpPr>
-            <a:spLocks noGrp="1"/>
-          </p:cNvSpPr>
-          <p:nvPr>
-            <p:ph type="ctrTitle"/>
-          </p:nvPr>
-        </p:nvSpPr>
-        <p:spPr/>
-        <p:txBody>
-          <a:bodyPr/>
-          <a:lstStyle/>
-          <a:p>
-            <a:r>
-              <a:rPr lang="en-US" dirty="0" smtClean="0"/>
-              <a:t>Overview</a:t>
-            </a:r>
-            <a:endParaRPr lang="en-US" dirty="0"/>
-          </a:p>
-        </p:txBody>
-      </p:sp>
-      <p:sp>
-        <p:nvSpPr>
-          <p:cNvPr id="3" name="Subtitle 2"/>
-          <p:cNvSpPr>
-            <a:spLocks noGrp="1"/>
-          </p:cNvSpPr>
-          <p:nvPr>
-            <p:ph type="subTitle" idx="1"/>
-          </p:nvPr>
-        </p:nvSpPr>
-        <p:spPr/>
-        <p:txBody>
-          <a:bodyPr/>
-          <a:lstStyle/>
-          <a:p>
-            <a:endParaRPr lang="en-US" dirty="0"/>
-          </a:p>
-        </p:txBody>
-      </p:sp>
-    </p:spTree>
-    <p:extLst>
-      <p:ext uri="{BB962C8B-B14F-4D97-AF65-F5344CB8AC3E}">
-        <p14:creationId xmlns:p14="http://schemas.microsoft.com/office/powerpoint/2010/main" val="2320546343"/>
-      </p:ext>
-    </p:extLst>
-  </p:cSld>
-  <p:clrMapOvr>
-    <a:masterClrMapping/>
-  </p:clrMapOvr>
   <p:timing>
     <p:tnLst>
       <p:par>
@@ -9105,7 +9319,7 @@
 </p:sld>
 </file>
 
-<file path=ppt/slides/slide30.xml><?xml version="1.0" encoding="utf-8"?>
+<file path=ppt/slides/slide28.xml><?xml version="1.0" encoding="utf-8"?>
 <p:sld xmlns:a="http://schemas.openxmlformats.org/drawingml/2006/main" xmlns:r="http://schemas.openxmlformats.org/officeDocument/2006/relationships" xmlns:p="http://schemas.openxmlformats.org/presentationml/2006/main">
   <p:cSld>
     <p:spTree>
@@ -9253,10 +9467,17 @@
   <p:clrMapOvr>
     <a:masterClrMapping/>
   </p:clrMapOvr>
+  <p:timing>
+    <p:tnLst>
+      <p:par>
+        <p:cTn xmlns:p14="http://schemas.microsoft.com/office/powerpoint/2010/main" id="1" dur="indefinite" restart="never" nodeType="tmRoot"/>
+      </p:par>
+    </p:tnLst>
+  </p:timing>
 </p:sld>
 </file>
 
-<file path=ppt/slides/slide31.xml><?xml version="1.0" encoding="utf-8"?>
+<file path=ppt/slides/slide29.xml><?xml version="1.0" encoding="utf-8"?>
 <p:sld xmlns:a="http://schemas.openxmlformats.org/drawingml/2006/main" xmlns:r="http://schemas.openxmlformats.org/officeDocument/2006/relationships" xmlns:p="http://schemas.openxmlformats.org/presentationml/2006/main">
   <p:cSld>
     <p:spTree>
@@ -9336,10 +9557,96 @@
   <p:clrMapOvr>
     <a:masterClrMapping/>
   </p:clrMapOvr>
+  <p:timing>
+    <p:tnLst>
+      <p:par>
+        <p:cTn xmlns:p14="http://schemas.microsoft.com/office/powerpoint/2010/main" id="1" dur="indefinite" restart="never" nodeType="tmRoot"/>
+      </p:par>
+    </p:tnLst>
+  </p:timing>
 </p:sld>
 </file>
 
-<file path=ppt/slides/slide32.xml><?xml version="1.0" encoding="utf-8"?>
+<file path=ppt/slides/slide3.xml><?xml version="1.0" encoding="utf-8"?>
+<p:sld xmlns:a="http://schemas.openxmlformats.org/drawingml/2006/main" xmlns:r="http://schemas.openxmlformats.org/officeDocument/2006/relationships" xmlns:p="http://schemas.openxmlformats.org/presentationml/2006/main">
+  <p:cSld>
+    <p:spTree>
+      <p:nvGrpSpPr>
+        <p:cNvPr id="1" name=""/>
+        <p:cNvGrpSpPr/>
+        <p:nvPr/>
+      </p:nvGrpSpPr>
+      <p:grpSpPr>
+        <a:xfrm>
+          <a:off x="0" y="0"/>
+          <a:ext cx="0" cy="0"/>
+          <a:chOff x="0" y="0"/>
+          <a:chExt cx="0" cy="0"/>
+        </a:xfrm>
+      </p:grpSpPr>
+      <p:sp>
+        <p:nvSpPr>
+          <p:cNvPr id="2" name="Title 1"/>
+          <p:cNvSpPr>
+            <a:spLocks noGrp="1"/>
+          </p:cNvSpPr>
+          <p:nvPr>
+            <p:ph type="ctrTitle"/>
+          </p:nvPr>
+        </p:nvSpPr>
+        <p:spPr/>
+        <p:txBody>
+          <a:bodyPr/>
+          <a:lstStyle/>
+          <a:p>
+            <a:r>
+              <a:rPr lang="en-US" dirty="0" smtClean="0"/>
+              <a:t>Overview</a:t>
+            </a:r>
+            <a:endParaRPr lang="en-US" dirty="0"/>
+          </a:p>
+        </p:txBody>
+      </p:sp>
+      <p:sp>
+        <p:nvSpPr>
+          <p:cNvPr id="3" name="Subtitle 2"/>
+          <p:cNvSpPr>
+            <a:spLocks noGrp="1"/>
+          </p:cNvSpPr>
+          <p:nvPr>
+            <p:ph type="subTitle" idx="1"/>
+          </p:nvPr>
+        </p:nvSpPr>
+        <p:spPr/>
+        <p:txBody>
+          <a:bodyPr/>
+          <a:lstStyle/>
+          <a:p>
+            <a:endParaRPr lang="en-US" dirty="0"/>
+          </a:p>
+        </p:txBody>
+      </p:sp>
+    </p:spTree>
+    <p:extLst>
+      <p:ext uri="{BB962C8B-B14F-4D97-AF65-F5344CB8AC3E}">
+        <p14:creationId xmlns:p14="http://schemas.microsoft.com/office/powerpoint/2010/main" val="2320546343"/>
+      </p:ext>
+    </p:extLst>
+  </p:cSld>
+  <p:clrMapOvr>
+    <a:masterClrMapping/>
+  </p:clrMapOvr>
+  <p:timing>
+    <p:tnLst>
+      <p:par>
+        <p:cTn xmlns:p14="http://schemas.microsoft.com/office/powerpoint/2010/main" id="1" dur="indefinite" restart="never" nodeType="tmRoot"/>
+      </p:par>
+    </p:tnLst>
+  </p:timing>
+</p:sld>
+</file>
+
+<file path=ppt/slides/slide30.xml><?xml version="1.0" encoding="utf-8"?>
 <p:sld xmlns:a="http://schemas.openxmlformats.org/drawingml/2006/main" xmlns:r="http://schemas.openxmlformats.org/officeDocument/2006/relationships" xmlns:p="http://schemas.openxmlformats.org/presentationml/2006/main">
   <p:cSld>
     <p:spTree>
@@ -9419,10 +9726,100 @@
   <p:clrMapOvr>
     <a:masterClrMapping/>
   </p:clrMapOvr>
+  <p:timing>
+    <p:tnLst>
+      <p:par>
+        <p:cTn xmlns:p14="http://schemas.microsoft.com/office/powerpoint/2010/main" id="1" dur="indefinite" restart="never" nodeType="tmRoot"/>
+      </p:par>
+    </p:tnLst>
+  </p:timing>
 </p:sld>
 </file>
 
-<file path=ppt/slides/slide33.xml><?xml version="1.0" encoding="utf-8"?>
+<file path=ppt/slides/slide31.xml><?xml version="1.0" encoding="utf-8"?>
+<p:sld xmlns:a="http://schemas.openxmlformats.org/drawingml/2006/main" xmlns:r="http://schemas.openxmlformats.org/officeDocument/2006/relationships" xmlns:p="http://schemas.openxmlformats.org/presentationml/2006/main">
+  <p:cSld>
+    <p:spTree>
+      <p:nvGrpSpPr>
+        <p:cNvPr id="1" name=""/>
+        <p:cNvGrpSpPr/>
+        <p:nvPr/>
+      </p:nvGrpSpPr>
+      <p:grpSpPr>
+        <a:xfrm>
+          <a:off x="0" y="0"/>
+          <a:ext cx="0" cy="0"/>
+          <a:chOff x="0" y="0"/>
+          <a:chExt cx="0" cy="0"/>
+        </a:xfrm>
+      </p:grpSpPr>
+      <p:sp>
+        <p:nvSpPr>
+          <p:cNvPr id="2" name="Title 1"/>
+          <p:cNvSpPr>
+            <a:spLocks noGrp="1"/>
+          </p:cNvSpPr>
+          <p:nvPr>
+            <p:ph type="ctrTitle"/>
+          </p:nvPr>
+        </p:nvSpPr>
+        <p:spPr/>
+        <p:txBody>
+          <a:bodyPr/>
+          <a:lstStyle/>
+          <a:p>
+            <a:r>
+              <a:rPr lang="en-US" dirty="0" smtClean="0"/>
+              <a:t>A Word</a:t>
+            </a:r>
+            <a:r>
+              <a:rPr lang="en-US" baseline="0" dirty="0" smtClean="0"/>
+              <a:t> about Couchbase Mobile</a:t>
+            </a:r>
+            <a:endParaRPr lang="en-US" dirty="0"/>
+          </a:p>
+        </p:txBody>
+      </p:sp>
+      <p:sp>
+        <p:nvSpPr>
+          <p:cNvPr id="4" name="Subtitle 3"/>
+          <p:cNvSpPr>
+            <a:spLocks noGrp="1"/>
+          </p:cNvSpPr>
+          <p:nvPr>
+            <p:ph type="subTitle" idx="1"/>
+          </p:nvPr>
+        </p:nvSpPr>
+        <p:spPr/>
+        <p:txBody>
+          <a:bodyPr/>
+          <a:lstStyle/>
+          <a:p>
+            <a:endParaRPr lang="en-US"/>
+          </a:p>
+        </p:txBody>
+      </p:sp>
+    </p:spTree>
+    <p:extLst>
+      <p:ext uri="{BB962C8B-B14F-4D97-AF65-F5344CB8AC3E}">
+        <p14:creationId xmlns:p14="http://schemas.microsoft.com/office/powerpoint/2010/main" val="233137400"/>
+      </p:ext>
+    </p:extLst>
+  </p:cSld>
+  <p:clrMapOvr>
+    <a:masterClrMapping/>
+  </p:clrMapOvr>
+  <p:timing>
+    <p:tnLst>
+      <p:par>
+        <p:cTn xmlns:p14="http://schemas.microsoft.com/office/powerpoint/2010/main" id="1" dur="indefinite" restart="never" nodeType="tmRoot"/>
+      </p:par>
+    </p:tnLst>
+  </p:timing>
+</p:sld>
+</file>
+
+<file path=ppt/slides/slide32.xml><?xml version="1.0" encoding="utf-8"?>
 <p:sld xmlns:a="http://schemas.openxmlformats.org/drawingml/2006/main" xmlns:r="http://schemas.openxmlformats.org/officeDocument/2006/relationships" xmlns:p="http://schemas.openxmlformats.org/presentationml/2006/main">
   <p:cSld>
     <p:spTree>
@@ -9456,11 +9853,7 @@
           <a:p>
             <a:r>
               <a:rPr lang="en-US" dirty="0" smtClean="0"/>
-              <a:t>A Word</a:t>
-            </a:r>
-            <a:r>
-              <a:rPr lang="en-US" baseline="0" dirty="0" smtClean="0"/>
-              <a:t> about Couchbase Mobile</a:t>
+              <a:t>Couchbase Mobile Overview</a:t>
             </a:r>
             <a:endParaRPr lang="en-US" dirty="0"/>
           </a:p>
@@ -9468,12 +9861,750 @@
       </p:sp>
       <p:sp>
         <p:nvSpPr>
-          <p:cNvPr id="3" name="Content Placeholder 2"/>
+          <p:cNvPr id="4" name="Content Placeholder 2"/>
+          <p:cNvSpPr txBox="1">
+            <a:spLocks/>
+          </p:cNvSpPr>
+          <p:nvPr/>
+        </p:nvSpPr>
+        <p:spPr bwMode="auto">
+          <a:xfrm>
+            <a:off x="818028" y="1023093"/>
+            <a:ext cx="2605087" cy="917279"/>
+          </a:xfrm>
+          <a:prstGeom prst="rect">
+            <a:avLst/>
+          </a:prstGeom>
+          <a:noFill/>
+          <a:ln>
+            <a:noFill/>
+          </a:ln>
+          <a:extLst>
+            <a:ext uri="{909E8E84-426E-40dd-AFC4-6F175D3DCCD1}">
+              <a14:hiddenFill xmlns:a14="http://schemas.microsoft.com/office/drawing/2010/main">
+                <a:solidFill>
+                  <a:srgbClr val="FFFFFF"/>
+                </a:solidFill>
+              </a14:hiddenFill>
+            </a:ext>
+            <a:ext uri="{91240B29-F687-4f45-9708-019B960494DF}">
+              <a14:hiddenLine xmlns:a14="http://schemas.microsoft.com/office/drawing/2010/main" w="9525">
+                <a:solidFill>
+                  <a:srgbClr val="000000"/>
+                </a:solidFill>
+                <a:miter lim="800000"/>
+                <a:headEnd/>
+                <a:tailEnd/>
+              </a14:hiddenLine>
+            </a:ext>
+          </a:extLst>
+        </p:spPr>
+        <p:txBody>
+          <a:bodyPr lIns="0" tIns="0" rIns="0" bIns="0"/>
+          <a:lstStyle>
+            <a:lvl1pPr marL="342900" indent="-342900" eaLnBrk="0" hangingPunct="0">
+              <a:defRPr sz="4200">
+                <a:solidFill>
+                  <a:srgbClr val="000000"/>
+                </a:solidFill>
+                <a:latin typeface="Gill Sans" charset="0"/>
+                <a:ea typeface="ヒラギノ角ゴ ProN W3" charset="0"/>
+                <a:cs typeface="ヒラギノ角ゴ ProN W3" charset="0"/>
+                <a:sym typeface="Gill Sans" charset="0"/>
+              </a:defRPr>
+            </a:lvl1pPr>
+            <a:lvl2pPr marL="685800" indent="-346075" eaLnBrk="0" hangingPunct="0">
+              <a:defRPr sz="4200">
+                <a:solidFill>
+                  <a:srgbClr val="000000"/>
+                </a:solidFill>
+                <a:latin typeface="Gill Sans" charset="0"/>
+                <a:ea typeface="ヒラギノ角ゴ ProN W3" charset="0"/>
+                <a:cs typeface="ヒラギノ角ゴ ProN W3" charset="0"/>
+                <a:sym typeface="Gill Sans" charset="0"/>
+              </a:defRPr>
+            </a:lvl2pPr>
+            <a:lvl3pPr marL="1143000" indent="-228600" eaLnBrk="0" hangingPunct="0">
+              <a:defRPr sz="4200">
+                <a:solidFill>
+                  <a:srgbClr val="000000"/>
+                </a:solidFill>
+                <a:latin typeface="Gill Sans" charset="0"/>
+                <a:ea typeface="ヒラギノ角ゴ ProN W3" charset="0"/>
+                <a:cs typeface="ヒラギノ角ゴ ProN W3" charset="0"/>
+                <a:sym typeface="Gill Sans" charset="0"/>
+              </a:defRPr>
+            </a:lvl3pPr>
+            <a:lvl4pPr marL="1600200" indent="-228600" eaLnBrk="0" hangingPunct="0">
+              <a:defRPr sz="4200">
+                <a:solidFill>
+                  <a:srgbClr val="000000"/>
+                </a:solidFill>
+                <a:latin typeface="Gill Sans" charset="0"/>
+                <a:ea typeface="ヒラギノ角ゴ ProN W3" charset="0"/>
+                <a:cs typeface="ヒラギノ角ゴ ProN W3" charset="0"/>
+                <a:sym typeface="Gill Sans" charset="0"/>
+              </a:defRPr>
+            </a:lvl4pPr>
+            <a:lvl5pPr marL="2057400" indent="-228600" eaLnBrk="0" hangingPunct="0">
+              <a:defRPr sz="4200">
+                <a:solidFill>
+                  <a:srgbClr val="000000"/>
+                </a:solidFill>
+                <a:latin typeface="Gill Sans" charset="0"/>
+                <a:ea typeface="ヒラギノ角ゴ ProN W3" charset="0"/>
+                <a:cs typeface="ヒラギノ角ゴ ProN W3" charset="0"/>
+                <a:sym typeface="Gill Sans" charset="0"/>
+              </a:defRPr>
+            </a:lvl5pPr>
+            <a:lvl6pPr marL="2514600" indent="-228600" algn="ctr" eaLnBrk="0" fontAlgn="base" hangingPunct="0">
+              <a:spcBef>
+                <a:spcPct val="0"/>
+              </a:spcBef>
+              <a:spcAft>
+                <a:spcPct val="0"/>
+              </a:spcAft>
+              <a:defRPr sz="4200">
+                <a:solidFill>
+                  <a:srgbClr val="000000"/>
+                </a:solidFill>
+                <a:latin typeface="Gill Sans" charset="0"/>
+                <a:ea typeface="ヒラギノ角ゴ ProN W3" charset="0"/>
+                <a:cs typeface="ヒラギノ角ゴ ProN W3" charset="0"/>
+                <a:sym typeface="Gill Sans" charset="0"/>
+              </a:defRPr>
+            </a:lvl6pPr>
+            <a:lvl7pPr marL="2971800" indent="-228600" algn="ctr" eaLnBrk="0" fontAlgn="base" hangingPunct="0">
+              <a:spcBef>
+                <a:spcPct val="0"/>
+              </a:spcBef>
+              <a:spcAft>
+                <a:spcPct val="0"/>
+              </a:spcAft>
+              <a:defRPr sz="4200">
+                <a:solidFill>
+                  <a:srgbClr val="000000"/>
+                </a:solidFill>
+                <a:latin typeface="Gill Sans" charset="0"/>
+                <a:ea typeface="ヒラギノ角ゴ ProN W3" charset="0"/>
+                <a:cs typeface="ヒラギノ角ゴ ProN W3" charset="0"/>
+                <a:sym typeface="Gill Sans" charset="0"/>
+              </a:defRPr>
+            </a:lvl7pPr>
+            <a:lvl8pPr marL="3429000" indent="-228600" algn="ctr" eaLnBrk="0" fontAlgn="base" hangingPunct="0">
+              <a:spcBef>
+                <a:spcPct val="0"/>
+              </a:spcBef>
+              <a:spcAft>
+                <a:spcPct val="0"/>
+              </a:spcAft>
+              <a:defRPr sz="4200">
+                <a:solidFill>
+                  <a:srgbClr val="000000"/>
+                </a:solidFill>
+                <a:latin typeface="Gill Sans" charset="0"/>
+                <a:ea typeface="ヒラギノ角ゴ ProN W3" charset="0"/>
+                <a:cs typeface="ヒラギノ角ゴ ProN W3" charset="0"/>
+                <a:sym typeface="Gill Sans" charset="0"/>
+              </a:defRPr>
+            </a:lvl8pPr>
+            <a:lvl9pPr marL="3886200" indent="-228600" algn="ctr" eaLnBrk="0" fontAlgn="base" hangingPunct="0">
+              <a:spcBef>
+                <a:spcPct val="0"/>
+              </a:spcBef>
+              <a:spcAft>
+                <a:spcPct val="0"/>
+              </a:spcAft>
+              <a:defRPr sz="4200">
+                <a:solidFill>
+                  <a:srgbClr val="000000"/>
+                </a:solidFill>
+                <a:latin typeface="Gill Sans" charset="0"/>
+                <a:ea typeface="ヒラギノ角ゴ ProN W3" charset="0"/>
+                <a:cs typeface="ヒラギノ角ゴ ProN W3" charset="0"/>
+                <a:sym typeface="Gill Sans" charset="0"/>
+              </a:defRPr>
+            </a:lvl9pPr>
+          </a:lstStyle>
+          <a:p>
+            <a:pPr marL="0" indent="0" eaLnBrk="1" hangingPunct="1">
+              <a:spcBef>
+                <a:spcPts val="300"/>
+              </a:spcBef>
+              <a:buClr>
+                <a:schemeClr val="accent1"/>
+              </a:buClr>
+              <a:buSzPct val="100000"/>
+              <a:defRPr/>
+            </a:pPr>
+            <a:r>
+              <a:rPr lang="en-US" sz="1600" b="1" dirty="0" smtClean="0">
+                <a:solidFill>
+                  <a:srgbClr val="E5001A"/>
+                </a:solidFill>
+                <a:latin typeface="Calibri" charset="0"/>
+              </a:rPr>
+              <a:t>Couchbase Lite</a:t>
+            </a:r>
+            <a:endParaRPr lang="en-US" sz="1800" b="1" dirty="0" smtClean="0">
+              <a:solidFill>
+                <a:srgbClr val="E5001A"/>
+              </a:solidFill>
+              <a:latin typeface="Calibri" charset="0"/>
+            </a:endParaRPr>
+          </a:p>
+          <a:p>
+            <a:pPr marL="0" indent="0" eaLnBrk="1" hangingPunct="1">
+              <a:spcBef>
+                <a:spcPts val="300"/>
+              </a:spcBef>
+              <a:buClr>
+                <a:srgbClr val="8C8C8C"/>
+              </a:buClr>
+              <a:buSzPct val="100000"/>
+              <a:defRPr/>
+            </a:pPr>
+            <a:r>
+              <a:rPr lang="en-US" sz="1400" dirty="0" smtClean="0">
+                <a:solidFill>
+                  <a:schemeClr val="tx1"/>
+                </a:solidFill>
+                <a:latin typeface="Calibri" charset="0"/>
+              </a:rPr>
+              <a:t>On-device, lightweight, native embedded JSON database</a:t>
+            </a:r>
+          </a:p>
+        </p:txBody>
+      </p:sp>
+      <p:sp>
+        <p:nvSpPr>
+          <p:cNvPr id="5" name="Content Placeholder 2"/>
+          <p:cNvSpPr txBox="1">
+            <a:spLocks/>
+          </p:cNvSpPr>
+          <p:nvPr/>
+        </p:nvSpPr>
+        <p:spPr bwMode="auto">
+          <a:xfrm>
+            <a:off x="818028" y="2394582"/>
+            <a:ext cx="2300062" cy="926536"/>
+          </a:xfrm>
+          <a:prstGeom prst="rect">
+            <a:avLst/>
+          </a:prstGeom>
+          <a:noFill/>
+          <a:ln>
+            <a:noFill/>
+          </a:ln>
+          <a:extLst>
+            <a:ext uri="{909E8E84-426E-40dd-AFC4-6F175D3DCCD1}">
+              <a14:hiddenFill xmlns:a14="http://schemas.microsoft.com/office/drawing/2010/main">
+                <a:solidFill>
+                  <a:srgbClr val="FFFFFF"/>
+                </a:solidFill>
+              </a14:hiddenFill>
+            </a:ext>
+            <a:ext uri="{91240B29-F687-4f45-9708-019B960494DF}">
+              <a14:hiddenLine xmlns:a14="http://schemas.microsoft.com/office/drawing/2010/main" w="9525">
+                <a:solidFill>
+                  <a:srgbClr val="000000"/>
+                </a:solidFill>
+                <a:miter lim="800000"/>
+                <a:headEnd/>
+                <a:tailEnd/>
+              </a14:hiddenLine>
+            </a:ext>
+          </a:extLst>
+        </p:spPr>
+        <p:txBody>
+          <a:bodyPr lIns="0" tIns="0" rIns="0" bIns="0"/>
+          <a:lstStyle>
+            <a:lvl1pPr marL="342900" indent="-342900" eaLnBrk="0" hangingPunct="0">
+              <a:defRPr sz="4200">
+                <a:solidFill>
+                  <a:srgbClr val="000000"/>
+                </a:solidFill>
+                <a:latin typeface="Gill Sans" charset="0"/>
+                <a:ea typeface="ヒラギノ角ゴ ProN W3" charset="0"/>
+                <a:cs typeface="ヒラギノ角ゴ ProN W3" charset="0"/>
+                <a:sym typeface="Gill Sans" charset="0"/>
+              </a:defRPr>
+            </a:lvl1pPr>
+            <a:lvl2pPr marL="685800" indent="-346075" eaLnBrk="0" hangingPunct="0">
+              <a:defRPr sz="4200">
+                <a:solidFill>
+                  <a:srgbClr val="000000"/>
+                </a:solidFill>
+                <a:latin typeface="Gill Sans" charset="0"/>
+                <a:ea typeface="ヒラギノ角ゴ ProN W3" charset="0"/>
+                <a:cs typeface="ヒラギノ角ゴ ProN W3" charset="0"/>
+                <a:sym typeface="Gill Sans" charset="0"/>
+              </a:defRPr>
+            </a:lvl2pPr>
+            <a:lvl3pPr marL="1143000" indent="-228600" eaLnBrk="0" hangingPunct="0">
+              <a:defRPr sz="4200">
+                <a:solidFill>
+                  <a:srgbClr val="000000"/>
+                </a:solidFill>
+                <a:latin typeface="Gill Sans" charset="0"/>
+                <a:ea typeface="ヒラギノ角ゴ ProN W3" charset="0"/>
+                <a:cs typeface="ヒラギノ角ゴ ProN W3" charset="0"/>
+                <a:sym typeface="Gill Sans" charset="0"/>
+              </a:defRPr>
+            </a:lvl3pPr>
+            <a:lvl4pPr marL="1600200" indent="-228600" eaLnBrk="0" hangingPunct="0">
+              <a:defRPr sz="4200">
+                <a:solidFill>
+                  <a:srgbClr val="000000"/>
+                </a:solidFill>
+                <a:latin typeface="Gill Sans" charset="0"/>
+                <a:ea typeface="ヒラギノ角ゴ ProN W3" charset="0"/>
+                <a:cs typeface="ヒラギノ角ゴ ProN W3" charset="0"/>
+                <a:sym typeface="Gill Sans" charset="0"/>
+              </a:defRPr>
+            </a:lvl4pPr>
+            <a:lvl5pPr marL="2057400" indent="-228600" eaLnBrk="0" hangingPunct="0">
+              <a:defRPr sz="4200">
+                <a:solidFill>
+                  <a:srgbClr val="000000"/>
+                </a:solidFill>
+                <a:latin typeface="Gill Sans" charset="0"/>
+                <a:ea typeface="ヒラギノ角ゴ ProN W3" charset="0"/>
+                <a:cs typeface="ヒラギノ角ゴ ProN W3" charset="0"/>
+                <a:sym typeface="Gill Sans" charset="0"/>
+              </a:defRPr>
+            </a:lvl5pPr>
+            <a:lvl6pPr marL="2514600" indent="-228600" algn="ctr" eaLnBrk="0" fontAlgn="base" hangingPunct="0">
+              <a:spcBef>
+                <a:spcPct val="0"/>
+              </a:spcBef>
+              <a:spcAft>
+                <a:spcPct val="0"/>
+              </a:spcAft>
+              <a:defRPr sz="4200">
+                <a:solidFill>
+                  <a:srgbClr val="000000"/>
+                </a:solidFill>
+                <a:latin typeface="Gill Sans" charset="0"/>
+                <a:ea typeface="ヒラギノ角ゴ ProN W3" charset="0"/>
+                <a:cs typeface="ヒラギノ角ゴ ProN W3" charset="0"/>
+                <a:sym typeface="Gill Sans" charset="0"/>
+              </a:defRPr>
+            </a:lvl6pPr>
+            <a:lvl7pPr marL="2971800" indent="-228600" algn="ctr" eaLnBrk="0" fontAlgn="base" hangingPunct="0">
+              <a:spcBef>
+                <a:spcPct val="0"/>
+              </a:spcBef>
+              <a:spcAft>
+                <a:spcPct val="0"/>
+              </a:spcAft>
+              <a:defRPr sz="4200">
+                <a:solidFill>
+                  <a:srgbClr val="000000"/>
+                </a:solidFill>
+                <a:latin typeface="Gill Sans" charset="0"/>
+                <a:ea typeface="ヒラギノ角ゴ ProN W3" charset="0"/>
+                <a:cs typeface="ヒラギノ角ゴ ProN W3" charset="0"/>
+                <a:sym typeface="Gill Sans" charset="0"/>
+              </a:defRPr>
+            </a:lvl7pPr>
+            <a:lvl8pPr marL="3429000" indent="-228600" algn="ctr" eaLnBrk="0" fontAlgn="base" hangingPunct="0">
+              <a:spcBef>
+                <a:spcPct val="0"/>
+              </a:spcBef>
+              <a:spcAft>
+                <a:spcPct val="0"/>
+              </a:spcAft>
+              <a:defRPr sz="4200">
+                <a:solidFill>
+                  <a:srgbClr val="000000"/>
+                </a:solidFill>
+                <a:latin typeface="Gill Sans" charset="0"/>
+                <a:ea typeface="ヒラギノ角ゴ ProN W3" charset="0"/>
+                <a:cs typeface="ヒラギノ角ゴ ProN W3" charset="0"/>
+                <a:sym typeface="Gill Sans" charset="0"/>
+              </a:defRPr>
+            </a:lvl8pPr>
+            <a:lvl9pPr marL="3886200" indent="-228600" algn="ctr" eaLnBrk="0" fontAlgn="base" hangingPunct="0">
+              <a:spcBef>
+                <a:spcPct val="0"/>
+              </a:spcBef>
+              <a:spcAft>
+                <a:spcPct val="0"/>
+              </a:spcAft>
+              <a:defRPr sz="4200">
+                <a:solidFill>
+                  <a:srgbClr val="000000"/>
+                </a:solidFill>
+                <a:latin typeface="Gill Sans" charset="0"/>
+                <a:ea typeface="ヒラギノ角ゴ ProN W3" charset="0"/>
+                <a:cs typeface="ヒラギノ角ゴ ProN W3" charset="0"/>
+                <a:sym typeface="Gill Sans" charset="0"/>
+              </a:defRPr>
+            </a:lvl9pPr>
+          </a:lstStyle>
+          <a:p>
+            <a:pPr marL="0" indent="0" eaLnBrk="1" hangingPunct="1">
+              <a:spcBef>
+                <a:spcPts val="300"/>
+              </a:spcBef>
+              <a:buClr>
+                <a:schemeClr val="accent1"/>
+              </a:buClr>
+              <a:buSzPct val="100000"/>
+              <a:defRPr/>
+            </a:pPr>
+            <a:r>
+              <a:rPr lang="en-US" sz="1600" b="1" dirty="0" smtClean="0">
+                <a:solidFill>
+                  <a:srgbClr val="E5001A"/>
+                </a:solidFill>
+                <a:latin typeface="Calibri" charset="0"/>
+              </a:rPr>
+              <a:t>Sync Gateway</a:t>
+            </a:r>
+            <a:endParaRPr lang="en-US" sz="1800" b="1" dirty="0" smtClean="0">
+              <a:solidFill>
+                <a:srgbClr val="E5001A"/>
+              </a:solidFill>
+              <a:latin typeface="Calibri" charset="0"/>
+            </a:endParaRPr>
+          </a:p>
+          <a:p>
+            <a:pPr marL="0" indent="0" eaLnBrk="1" hangingPunct="1">
+              <a:spcBef>
+                <a:spcPts val="300"/>
+              </a:spcBef>
+              <a:buClr>
+                <a:srgbClr val="8C8C8C"/>
+              </a:buClr>
+              <a:buSzPct val="100000"/>
+              <a:defRPr/>
+            </a:pPr>
+            <a:r>
+              <a:rPr lang="en-US" sz="1400" dirty="0" smtClean="0">
+                <a:solidFill>
+                  <a:schemeClr val="tx1"/>
+                </a:solidFill>
+                <a:latin typeface="Calibri" charset="0"/>
+              </a:rPr>
+              <a:t>Synchronize on-device Couchbase Lite with Couchbase Server in the cloud</a:t>
+            </a:r>
+          </a:p>
+        </p:txBody>
+      </p:sp>
+      <p:sp>
+        <p:nvSpPr>
+          <p:cNvPr id="6" name="Content Placeholder 2"/>
+          <p:cNvSpPr txBox="1">
+            <a:spLocks/>
+          </p:cNvSpPr>
+          <p:nvPr/>
+        </p:nvSpPr>
+        <p:spPr bwMode="auto">
+          <a:xfrm>
+            <a:off x="818028" y="3784018"/>
+            <a:ext cx="2036592" cy="917279"/>
+          </a:xfrm>
+          <a:prstGeom prst="rect">
+            <a:avLst/>
+          </a:prstGeom>
+          <a:noFill/>
+          <a:ln>
+            <a:noFill/>
+          </a:ln>
+          <a:extLst>
+            <a:ext uri="{909E8E84-426E-40dd-AFC4-6F175D3DCCD1}">
+              <a14:hiddenFill xmlns:a14="http://schemas.microsoft.com/office/drawing/2010/main">
+                <a:solidFill>
+                  <a:srgbClr val="FFFFFF"/>
+                </a:solidFill>
+              </a14:hiddenFill>
+            </a:ext>
+            <a:ext uri="{91240B29-F687-4f45-9708-019B960494DF}">
+              <a14:hiddenLine xmlns:a14="http://schemas.microsoft.com/office/drawing/2010/main" w="9525">
+                <a:solidFill>
+                  <a:srgbClr val="000000"/>
+                </a:solidFill>
+                <a:miter lim="800000"/>
+                <a:headEnd/>
+                <a:tailEnd/>
+              </a14:hiddenLine>
+            </a:ext>
+          </a:extLst>
+        </p:spPr>
+        <p:txBody>
+          <a:bodyPr lIns="0" tIns="0" rIns="0" bIns="0"/>
+          <a:lstStyle>
+            <a:lvl1pPr marL="342900" indent="-342900" eaLnBrk="0" hangingPunct="0">
+              <a:defRPr sz="4200">
+                <a:solidFill>
+                  <a:srgbClr val="000000"/>
+                </a:solidFill>
+                <a:latin typeface="Gill Sans" charset="0"/>
+                <a:ea typeface="ヒラギノ角ゴ ProN W3" charset="0"/>
+                <a:cs typeface="ヒラギノ角ゴ ProN W3" charset="0"/>
+                <a:sym typeface="Gill Sans" charset="0"/>
+              </a:defRPr>
+            </a:lvl1pPr>
+            <a:lvl2pPr marL="685800" indent="-346075" eaLnBrk="0" hangingPunct="0">
+              <a:defRPr sz="4200">
+                <a:solidFill>
+                  <a:srgbClr val="000000"/>
+                </a:solidFill>
+                <a:latin typeface="Gill Sans" charset="0"/>
+                <a:ea typeface="ヒラギノ角ゴ ProN W3" charset="0"/>
+                <a:cs typeface="ヒラギノ角ゴ ProN W3" charset="0"/>
+                <a:sym typeface="Gill Sans" charset="0"/>
+              </a:defRPr>
+            </a:lvl2pPr>
+            <a:lvl3pPr marL="1143000" indent="-228600" eaLnBrk="0" hangingPunct="0">
+              <a:defRPr sz="4200">
+                <a:solidFill>
+                  <a:srgbClr val="000000"/>
+                </a:solidFill>
+                <a:latin typeface="Gill Sans" charset="0"/>
+                <a:ea typeface="ヒラギノ角ゴ ProN W3" charset="0"/>
+                <a:cs typeface="ヒラギノ角ゴ ProN W3" charset="0"/>
+                <a:sym typeface="Gill Sans" charset="0"/>
+              </a:defRPr>
+            </a:lvl3pPr>
+            <a:lvl4pPr marL="1600200" indent="-228600" eaLnBrk="0" hangingPunct="0">
+              <a:defRPr sz="4200">
+                <a:solidFill>
+                  <a:srgbClr val="000000"/>
+                </a:solidFill>
+                <a:latin typeface="Gill Sans" charset="0"/>
+                <a:ea typeface="ヒラギノ角ゴ ProN W3" charset="0"/>
+                <a:cs typeface="ヒラギノ角ゴ ProN W3" charset="0"/>
+                <a:sym typeface="Gill Sans" charset="0"/>
+              </a:defRPr>
+            </a:lvl4pPr>
+            <a:lvl5pPr marL="2057400" indent="-228600" eaLnBrk="0" hangingPunct="0">
+              <a:defRPr sz="4200">
+                <a:solidFill>
+                  <a:srgbClr val="000000"/>
+                </a:solidFill>
+                <a:latin typeface="Gill Sans" charset="0"/>
+                <a:ea typeface="ヒラギノ角ゴ ProN W3" charset="0"/>
+                <a:cs typeface="ヒラギノ角ゴ ProN W3" charset="0"/>
+                <a:sym typeface="Gill Sans" charset="0"/>
+              </a:defRPr>
+            </a:lvl5pPr>
+            <a:lvl6pPr marL="2514600" indent="-228600" algn="ctr" eaLnBrk="0" fontAlgn="base" hangingPunct="0">
+              <a:spcBef>
+                <a:spcPct val="0"/>
+              </a:spcBef>
+              <a:spcAft>
+                <a:spcPct val="0"/>
+              </a:spcAft>
+              <a:defRPr sz="4200">
+                <a:solidFill>
+                  <a:srgbClr val="000000"/>
+                </a:solidFill>
+                <a:latin typeface="Gill Sans" charset="0"/>
+                <a:ea typeface="ヒラギノ角ゴ ProN W3" charset="0"/>
+                <a:cs typeface="ヒラギノ角ゴ ProN W3" charset="0"/>
+                <a:sym typeface="Gill Sans" charset="0"/>
+              </a:defRPr>
+            </a:lvl6pPr>
+            <a:lvl7pPr marL="2971800" indent="-228600" algn="ctr" eaLnBrk="0" fontAlgn="base" hangingPunct="0">
+              <a:spcBef>
+                <a:spcPct val="0"/>
+              </a:spcBef>
+              <a:spcAft>
+                <a:spcPct val="0"/>
+              </a:spcAft>
+              <a:defRPr sz="4200">
+                <a:solidFill>
+                  <a:srgbClr val="000000"/>
+                </a:solidFill>
+                <a:latin typeface="Gill Sans" charset="0"/>
+                <a:ea typeface="ヒラギノ角ゴ ProN W3" charset="0"/>
+                <a:cs typeface="ヒラギノ角ゴ ProN W3" charset="0"/>
+                <a:sym typeface="Gill Sans" charset="0"/>
+              </a:defRPr>
+            </a:lvl7pPr>
+            <a:lvl8pPr marL="3429000" indent="-228600" algn="ctr" eaLnBrk="0" fontAlgn="base" hangingPunct="0">
+              <a:spcBef>
+                <a:spcPct val="0"/>
+              </a:spcBef>
+              <a:spcAft>
+                <a:spcPct val="0"/>
+              </a:spcAft>
+              <a:defRPr sz="4200">
+                <a:solidFill>
+                  <a:srgbClr val="000000"/>
+                </a:solidFill>
+                <a:latin typeface="Gill Sans" charset="0"/>
+                <a:ea typeface="ヒラギノ角ゴ ProN W3" charset="0"/>
+                <a:cs typeface="ヒラギノ角ゴ ProN W3" charset="0"/>
+                <a:sym typeface="Gill Sans" charset="0"/>
+              </a:defRPr>
+            </a:lvl8pPr>
+            <a:lvl9pPr marL="3886200" indent="-228600" algn="ctr" eaLnBrk="0" fontAlgn="base" hangingPunct="0">
+              <a:spcBef>
+                <a:spcPct val="0"/>
+              </a:spcBef>
+              <a:spcAft>
+                <a:spcPct val="0"/>
+              </a:spcAft>
+              <a:defRPr sz="4200">
+                <a:solidFill>
+                  <a:srgbClr val="000000"/>
+                </a:solidFill>
+                <a:latin typeface="Gill Sans" charset="0"/>
+                <a:ea typeface="ヒラギノ角ゴ ProN W3" charset="0"/>
+                <a:cs typeface="ヒラギノ角ゴ ProN W3" charset="0"/>
+                <a:sym typeface="Gill Sans" charset="0"/>
+              </a:defRPr>
+            </a:lvl9pPr>
+          </a:lstStyle>
+          <a:p>
+            <a:pPr marL="0" indent="0" eaLnBrk="1" hangingPunct="1">
+              <a:spcBef>
+                <a:spcPts val="300"/>
+              </a:spcBef>
+              <a:buClr>
+                <a:schemeClr val="accent1"/>
+              </a:buClr>
+              <a:buSzPct val="100000"/>
+              <a:defRPr/>
+            </a:pPr>
+            <a:r>
+              <a:rPr lang="en-US" sz="1600" b="1" dirty="0" smtClean="0">
+                <a:solidFill>
+                  <a:srgbClr val="E5001A"/>
+                </a:solidFill>
+                <a:latin typeface="Calibri" charset="0"/>
+              </a:rPr>
+              <a:t>Couchbase Server</a:t>
+            </a:r>
+            <a:endParaRPr lang="en-US" sz="1800" b="1" dirty="0" smtClean="0">
+              <a:solidFill>
+                <a:srgbClr val="E5001A"/>
+              </a:solidFill>
+              <a:latin typeface="Calibri" charset="0"/>
+            </a:endParaRPr>
+          </a:p>
+          <a:p>
+            <a:pPr marL="0" indent="0" eaLnBrk="1" hangingPunct="1">
+              <a:spcBef>
+                <a:spcPts val="300"/>
+              </a:spcBef>
+              <a:buClr>
+                <a:srgbClr val="8C8C8C"/>
+              </a:buClr>
+              <a:buSzPct val="100000"/>
+              <a:defRPr/>
+            </a:pPr>
+            <a:r>
+              <a:rPr lang="en-US" sz="1400" dirty="0" smtClean="0">
+                <a:solidFill>
+                  <a:schemeClr val="tx1"/>
+                </a:solidFill>
+                <a:latin typeface="Calibri" charset="0"/>
+              </a:rPr>
+              <a:t>High performance, scalable, always-on JSON database in the cloud</a:t>
+            </a:r>
+          </a:p>
+          <a:p>
+            <a:pPr marL="282575" indent="-285750" eaLnBrk="1" hangingPunct="1">
+              <a:spcBef>
+                <a:spcPts val="300"/>
+              </a:spcBef>
+              <a:buClr>
+                <a:srgbClr val="8C8C8C"/>
+              </a:buClr>
+              <a:buSzPct val="100000"/>
+              <a:buFont typeface="Arial"/>
+              <a:buChar char="•"/>
+              <a:defRPr/>
+            </a:pPr>
+            <a:endParaRPr lang="en-US" sz="1400" dirty="0" smtClean="0">
+              <a:solidFill>
+                <a:schemeClr val="tx1"/>
+              </a:solidFill>
+              <a:latin typeface="Calibri" charset="0"/>
+            </a:endParaRPr>
+          </a:p>
+        </p:txBody>
+      </p:sp>
+      <p:pic>
+        <p:nvPicPr>
+          <p:cNvPr id="7" name="Picture 6" descr="mobile.png"/>
+          <p:cNvPicPr>
+            <a:picLocks noChangeAspect="1"/>
+          </p:cNvPicPr>
+          <p:nvPr/>
+        </p:nvPicPr>
+        <p:blipFill>
+          <a:blip r:embed="rId2">
+            <a:extLst>
+              <a:ext uri="{28A0092B-C50C-407E-A947-70E740481C1C}">
+                <a14:useLocalDpi xmlns:a14="http://schemas.microsoft.com/office/drawing/2010/main" val="0"/>
+              </a:ext>
+            </a:extLst>
+          </a:blip>
+          <a:stretch>
+            <a:fillRect/>
+          </a:stretch>
+        </p:blipFill>
+        <p:spPr>
+          <a:xfrm>
+            <a:off x="4807801" y="581050"/>
+            <a:ext cx="2714507" cy="4571801"/>
+          </a:xfrm>
+          <a:prstGeom prst="rect">
+            <a:avLst/>
+          </a:prstGeom>
+        </p:spPr>
+      </p:pic>
+    </p:spTree>
+    <p:extLst>
+      <p:ext uri="{BB962C8B-B14F-4D97-AF65-F5344CB8AC3E}">
+        <p14:creationId xmlns:p14="http://schemas.microsoft.com/office/powerpoint/2010/main" val="3868881007"/>
+      </p:ext>
+    </p:extLst>
+  </p:cSld>
+  <p:clrMapOvr>
+    <a:masterClrMapping/>
+  </p:clrMapOvr>
+  <p:timing>
+    <p:tnLst>
+      <p:par>
+        <p:cTn xmlns:p14="http://schemas.microsoft.com/office/powerpoint/2010/main" id="1" dur="indefinite" restart="never" nodeType="tmRoot"/>
+      </p:par>
+    </p:tnLst>
+  </p:timing>
+</p:sld>
+</file>
+
+<file path=ppt/slides/slide33.xml><?xml version="1.0" encoding="utf-8"?>
+<p:sld xmlns:a="http://schemas.openxmlformats.org/drawingml/2006/main" xmlns:r="http://schemas.openxmlformats.org/officeDocument/2006/relationships" xmlns:p="http://schemas.openxmlformats.org/presentationml/2006/main">
+  <p:cSld>
+    <p:spTree>
+      <p:nvGrpSpPr>
+        <p:cNvPr id="1" name=""/>
+        <p:cNvGrpSpPr/>
+        <p:nvPr/>
+      </p:nvGrpSpPr>
+      <p:grpSpPr>
+        <a:xfrm>
+          <a:off x="0" y="0"/>
+          <a:ext cx="0" cy="0"/>
+          <a:chOff x="0" y="0"/>
+          <a:chExt cx="0" cy="0"/>
+        </a:xfrm>
+      </p:grpSpPr>
+      <p:sp>
+        <p:nvSpPr>
+          <p:cNvPr id="2" name="Title 1"/>
           <p:cNvSpPr>
             <a:spLocks noGrp="1"/>
           </p:cNvSpPr>
           <p:nvPr>
-            <p:ph idx="1"/>
+            <p:ph type="ctrTitle"/>
           </p:nvPr>
         </p:nvSpPr>
         <p:spPr/>
@@ -9481,20 +10612,50 @@
           <a:bodyPr/>
           <a:lstStyle/>
           <a:p>
-            <a:endParaRPr lang="en-US"/>
+            <a:r>
+              <a:rPr lang="en-US" dirty="0" smtClean="0"/>
+              <a:t>Questions?</a:t>
+            </a:r>
+            <a:endParaRPr lang="en-US" dirty="0"/>
+          </a:p>
+        </p:txBody>
+      </p:sp>
+      <p:sp>
+        <p:nvSpPr>
+          <p:cNvPr id="3" name="Subtitle 2"/>
+          <p:cNvSpPr>
+            <a:spLocks noGrp="1"/>
+          </p:cNvSpPr>
+          <p:nvPr>
+            <p:ph type="subTitle" idx="1"/>
+          </p:nvPr>
+        </p:nvSpPr>
+        <p:spPr/>
+        <p:txBody>
+          <a:bodyPr/>
+          <a:lstStyle/>
+          <a:p>
+            <a:endParaRPr lang="en-US" dirty="0"/>
           </a:p>
         </p:txBody>
       </p:sp>
     </p:spTree>
     <p:extLst>
       <p:ext uri="{BB962C8B-B14F-4D97-AF65-F5344CB8AC3E}">
-        <p14:creationId xmlns:p14="http://schemas.microsoft.com/office/powerpoint/2010/main" val="233137400"/>
+        <p14:creationId xmlns:p14="http://schemas.microsoft.com/office/powerpoint/2010/main" val="2671016563"/>
       </p:ext>
     </p:extLst>
   </p:cSld>
   <p:clrMapOvr>
     <a:masterClrMapping/>
   </p:clrMapOvr>
+  <p:timing>
+    <p:tnLst>
+      <p:par>
+        <p:cTn xmlns:p14="http://schemas.microsoft.com/office/powerpoint/2010/main" id="1" dur="indefinite" restart="never" nodeType="tmRoot"/>
+      </p:par>
+    </p:tnLst>
+  </p:timing>
 </p:sld>
 </file>
 
@@ -9532,85 +10693,6 @@
           <a:p>
             <a:r>
               <a:rPr lang="en-US" dirty="0" smtClean="0"/>
-              <a:t>Questions?</a:t>
-            </a:r>
-            <a:endParaRPr lang="en-US" dirty="0"/>
-          </a:p>
-        </p:txBody>
-      </p:sp>
-      <p:sp>
-        <p:nvSpPr>
-          <p:cNvPr id="3" name="Subtitle 2"/>
-          <p:cNvSpPr>
-            <a:spLocks noGrp="1"/>
-          </p:cNvSpPr>
-          <p:nvPr>
-            <p:ph type="subTitle" idx="1"/>
-          </p:nvPr>
-        </p:nvSpPr>
-        <p:spPr/>
-        <p:txBody>
-          <a:bodyPr/>
-          <a:lstStyle/>
-          <a:p>
-            <a:endParaRPr lang="en-US" dirty="0"/>
-          </a:p>
-        </p:txBody>
-      </p:sp>
-    </p:spTree>
-    <p:extLst>
-      <p:ext uri="{BB962C8B-B14F-4D97-AF65-F5344CB8AC3E}">
-        <p14:creationId xmlns:p14="http://schemas.microsoft.com/office/powerpoint/2010/main" val="2671016563"/>
-      </p:ext>
-    </p:extLst>
-  </p:cSld>
-  <p:clrMapOvr>
-    <a:masterClrMapping/>
-  </p:clrMapOvr>
-  <p:timing>
-    <p:tnLst>
-      <p:par>
-        <p:cTn xmlns:p14="http://schemas.microsoft.com/office/powerpoint/2010/main" id="1" dur="indefinite" restart="never" nodeType="tmRoot"/>
-      </p:par>
-    </p:tnLst>
-  </p:timing>
-</p:sld>
-</file>
-
-<file path=ppt/slides/slide35.xml><?xml version="1.0" encoding="utf-8"?>
-<p:sld xmlns:a="http://schemas.openxmlformats.org/drawingml/2006/main" xmlns:r="http://schemas.openxmlformats.org/officeDocument/2006/relationships" xmlns:p="http://schemas.openxmlformats.org/presentationml/2006/main">
-  <p:cSld>
-    <p:spTree>
-      <p:nvGrpSpPr>
-        <p:cNvPr id="1" name=""/>
-        <p:cNvGrpSpPr/>
-        <p:nvPr/>
-      </p:nvGrpSpPr>
-      <p:grpSpPr>
-        <a:xfrm>
-          <a:off x="0" y="0"/>
-          <a:ext cx="0" cy="0"/>
-          <a:chOff x="0" y="0"/>
-          <a:chExt cx="0" cy="0"/>
-        </a:xfrm>
-      </p:grpSpPr>
-      <p:sp>
-        <p:nvSpPr>
-          <p:cNvPr id="2" name="Title 1"/>
-          <p:cNvSpPr>
-            <a:spLocks noGrp="1"/>
-          </p:cNvSpPr>
-          <p:nvPr>
-            <p:ph type="ctrTitle"/>
-          </p:nvPr>
-        </p:nvSpPr>
-        <p:spPr/>
-        <p:txBody>
-          <a:bodyPr/>
-          <a:lstStyle/>
-          <a:p>
-            <a:r>
-              <a:rPr lang="en-US" dirty="0" smtClean="0"/>
               <a:t>Thank you.</a:t>
             </a:r>
             <a:endParaRPr lang="en-US" dirty="0"/>
@@ -9638,318 +10720,6 @@
 </file>
 
 <file path=ppt/slides/slide4.xml><?xml version="1.0" encoding="utf-8"?>
-<p:sld xmlns:a="http://schemas.openxmlformats.org/drawingml/2006/main" xmlns:r="http://schemas.openxmlformats.org/officeDocument/2006/relationships" xmlns:p="http://schemas.openxmlformats.org/presentationml/2006/main">
-  <p:cSld>
-    <p:spTree>
-      <p:nvGrpSpPr>
-        <p:cNvPr id="1" name=""/>
-        <p:cNvGrpSpPr/>
-        <p:nvPr/>
-      </p:nvGrpSpPr>
-      <p:grpSpPr>
-        <a:xfrm>
-          <a:off x="0" y="0"/>
-          <a:ext cx="0" cy="0"/>
-          <a:chOff x="0" y="0"/>
-          <a:chExt cx="0" cy="0"/>
-        </a:xfrm>
-      </p:grpSpPr>
-      <p:sp>
-        <p:nvSpPr>
-          <p:cNvPr id="4" name="Rechteck 3"/>
-          <p:cNvSpPr/>
-          <p:nvPr/>
-        </p:nvSpPr>
-        <p:spPr>
-          <a:xfrm>
-            <a:off x="0" y="555625"/>
-            <a:ext cx="9144000" cy="4587875"/>
-          </a:xfrm>
-          <a:prstGeom prst="rect">
-            <a:avLst/>
-          </a:prstGeom>
-          <a:solidFill>
-            <a:srgbClr val="FFFF00"/>
-          </a:solidFill>
-          <a:ln>
-            <a:noFill/>
-          </a:ln>
-          <a:effectLst/>
-        </p:spPr>
-        <p:style>
-          <a:lnRef idx="1">
-            <a:schemeClr val="accent1"/>
-          </a:lnRef>
-          <a:fillRef idx="3">
-            <a:schemeClr val="accent1"/>
-          </a:fillRef>
-          <a:effectRef idx="2">
-            <a:schemeClr val="accent1"/>
-          </a:effectRef>
-          <a:fontRef idx="minor">
-            <a:schemeClr val="lt1"/>
-          </a:fontRef>
-        </p:style>
-        <p:txBody>
-          <a:bodyPr rtlCol="0" anchor="ctr"/>
-          <a:lstStyle/>
-          <a:p>
-            <a:pPr algn="ctr"/>
-            <a:endParaRPr lang="de-DE"/>
-          </a:p>
-        </p:txBody>
-      </p:sp>
-      <p:sp>
-        <p:nvSpPr>
-          <p:cNvPr id="2" name="Titel 1"/>
-          <p:cNvSpPr>
-            <a:spLocks noGrp="1"/>
-          </p:cNvSpPr>
-          <p:nvPr>
-            <p:ph type="title"/>
-          </p:nvPr>
-        </p:nvSpPr>
-        <p:spPr/>
-        <p:txBody>
-          <a:bodyPr/>
-          <a:lstStyle/>
-          <a:p>
-            <a:r>
-              <a:rPr lang="de-DE" dirty="0" smtClean="0"/>
-              <a:t>TODO</a:t>
-            </a:r>
-            <a:endParaRPr lang="de-DE" dirty="0"/>
-          </a:p>
-        </p:txBody>
-      </p:sp>
-      <p:sp>
-        <p:nvSpPr>
-          <p:cNvPr id="3" name="Inhaltsplatzhalter 2"/>
-          <p:cNvSpPr>
-            <a:spLocks noGrp="1"/>
-          </p:cNvSpPr>
-          <p:nvPr>
-            <p:ph idx="1"/>
-          </p:nvPr>
-        </p:nvSpPr>
-        <p:spPr/>
-        <p:txBody>
-          <a:bodyPr/>
-          <a:lstStyle/>
-          <a:p>
-            <a:pPr marL="0" indent="0">
-              <a:buNone/>
-            </a:pPr>
-            <a:r>
-              <a:rPr lang="de-DE" dirty="0" err="1" smtClean="0"/>
-              <a:t>Some</a:t>
-            </a:r>
-            <a:r>
-              <a:rPr lang="de-DE" dirty="0" smtClean="0"/>
-              <a:t> </a:t>
-            </a:r>
-            <a:r>
-              <a:rPr lang="de-DE" dirty="0" err="1" smtClean="0"/>
-              <a:t>slides</a:t>
-            </a:r>
-            <a:r>
-              <a:rPr lang="de-DE" dirty="0" smtClean="0"/>
-              <a:t> </a:t>
-            </a:r>
-            <a:r>
-              <a:rPr lang="de-DE" dirty="0" err="1" smtClean="0"/>
-              <a:t>about</a:t>
-            </a:r>
-            <a:endParaRPr lang="de-DE" dirty="0"/>
-          </a:p>
-          <a:p>
-            <a:pPr marL="0" indent="0">
-              <a:buNone/>
-            </a:pPr>
-            <a:r>
-              <a:rPr lang="de-DE" dirty="0" smtClean="0"/>
-              <a:t>	- </a:t>
-            </a:r>
-            <a:r>
-              <a:rPr lang="de-DE" dirty="0" err="1" smtClean="0"/>
-              <a:t>motivation</a:t>
-            </a:r>
-            <a:r>
-              <a:rPr lang="de-DE" dirty="0" smtClean="0"/>
-              <a:t> (</a:t>
-            </a:r>
-            <a:r>
-              <a:rPr lang="de-DE" dirty="0" err="1" smtClean="0"/>
-              <a:t>why</a:t>
-            </a:r>
-            <a:r>
-              <a:rPr lang="de-DE" dirty="0" smtClean="0"/>
-              <a:t> </a:t>
-            </a:r>
-            <a:r>
-              <a:rPr lang="de-DE" dirty="0" err="1" smtClean="0"/>
-              <a:t>sdks</a:t>
-            </a:r>
-            <a:r>
-              <a:rPr lang="de-DE" dirty="0" smtClean="0"/>
-              <a:t>?)</a:t>
-            </a:r>
-          </a:p>
-          <a:p>
-            <a:pPr marL="0" indent="0">
-              <a:buNone/>
-            </a:pPr>
-            <a:r>
-              <a:rPr lang="de-DE" dirty="0"/>
-              <a:t>	</a:t>
-            </a:r>
-            <a:r>
-              <a:rPr lang="de-DE" dirty="0" smtClean="0"/>
-              <a:t>- </a:t>
-            </a:r>
-            <a:r>
-              <a:rPr lang="de-DE" dirty="0" err="1" smtClean="0"/>
-              <a:t>the</a:t>
-            </a:r>
-            <a:r>
-              <a:rPr lang="de-DE" dirty="0" smtClean="0"/>
-              <a:t> 2.x SDK initiative</a:t>
-            </a:r>
-          </a:p>
-          <a:p>
-            <a:pPr marL="0" indent="0">
-              <a:buNone/>
-            </a:pPr>
-            <a:r>
-              <a:rPr lang="de-DE" dirty="0"/>
-              <a:t>	</a:t>
-            </a:r>
-            <a:r>
-              <a:rPr lang="de-DE" dirty="0" smtClean="0"/>
-              <a:t>- </a:t>
-            </a:r>
-            <a:r>
-              <a:rPr lang="de-DE" dirty="0" err="1" smtClean="0"/>
-              <a:t>what</a:t>
-            </a:r>
-            <a:r>
-              <a:rPr lang="de-DE" dirty="0" smtClean="0"/>
-              <a:t> </a:t>
-            </a:r>
-            <a:r>
-              <a:rPr lang="de-DE" dirty="0" err="1" smtClean="0"/>
-              <a:t>sdks</a:t>
-            </a:r>
-            <a:r>
-              <a:rPr lang="de-DE" dirty="0" smtClean="0"/>
-              <a:t> </a:t>
-            </a:r>
-            <a:r>
-              <a:rPr lang="de-DE" dirty="0" err="1" smtClean="0"/>
-              <a:t>we</a:t>
-            </a:r>
-            <a:r>
-              <a:rPr lang="de-DE" dirty="0" smtClean="0"/>
-              <a:t> </a:t>
-            </a:r>
-            <a:r>
-              <a:rPr lang="de-DE" dirty="0" err="1" smtClean="0"/>
-              <a:t>provide</a:t>
-            </a:r>
-            <a:r>
-              <a:rPr lang="de-DE" dirty="0" smtClean="0"/>
-              <a:t>, a quick </a:t>
-            </a:r>
-            <a:r>
-              <a:rPr lang="de-DE" dirty="0" err="1" smtClean="0"/>
-              <a:t>slide</a:t>
-            </a:r>
-            <a:r>
-              <a:rPr lang="de-DE" dirty="0" smtClean="0"/>
-              <a:t> per </a:t>
-            </a:r>
-            <a:r>
-              <a:rPr lang="de-DE" dirty="0" err="1" smtClean="0"/>
-              <a:t>official</a:t>
-            </a:r>
-            <a:r>
-              <a:rPr lang="de-DE" dirty="0" smtClean="0"/>
-              <a:t> SDK</a:t>
-            </a:r>
-          </a:p>
-          <a:p>
-            <a:pPr marL="0" indent="0">
-              <a:buNone/>
-            </a:pPr>
-            <a:r>
-              <a:rPr lang="de-DE" dirty="0"/>
-              <a:t>	</a:t>
-            </a:r>
-            <a:r>
-              <a:rPr lang="de-DE" dirty="0" smtClean="0"/>
-              <a:t>- </a:t>
-            </a:r>
-            <a:r>
-              <a:rPr lang="de-DE" dirty="0" err="1" smtClean="0"/>
-              <a:t>talking</a:t>
-            </a:r>
-            <a:r>
-              <a:rPr lang="de-DE" dirty="0" smtClean="0"/>
-              <a:t> </a:t>
-            </a:r>
-            <a:r>
-              <a:rPr lang="de-DE" dirty="0" err="1" smtClean="0"/>
-              <a:t>about</a:t>
-            </a:r>
-            <a:r>
-              <a:rPr lang="de-DE" dirty="0" smtClean="0"/>
-              <a:t> </a:t>
-            </a:r>
-            <a:r>
-              <a:rPr lang="de-DE" dirty="0" err="1" smtClean="0"/>
-              <a:t>higher</a:t>
-            </a:r>
-            <a:r>
-              <a:rPr lang="de-DE" dirty="0" smtClean="0"/>
-              <a:t> </a:t>
-            </a:r>
-            <a:r>
-              <a:rPr lang="de-DE" dirty="0" err="1" smtClean="0"/>
-              <a:t>level</a:t>
-            </a:r>
-            <a:r>
-              <a:rPr lang="de-DE" dirty="0" smtClean="0"/>
-              <a:t> </a:t>
-            </a:r>
-            <a:r>
-              <a:rPr lang="de-DE" dirty="0" err="1" smtClean="0"/>
-              <a:t>integration</a:t>
-            </a:r>
-            <a:endParaRPr lang="de-DE" dirty="0"/>
-          </a:p>
-        </p:txBody>
-      </p:sp>
-    </p:spTree>
-    <p:extLst>
-      <p:ext uri="{BB962C8B-B14F-4D97-AF65-F5344CB8AC3E}">
-        <p14:creationId xmlns:p14="http://schemas.microsoft.com/office/powerpoint/2010/main" val="3756157473"/>
-      </p:ext>
-    </p:extLst>
-  </p:cSld>
-  <p:clrMapOvr>
-    <a:masterClrMapping/>
-  </p:clrMapOvr>
-  <p:timing>
-    <p:tnLst>
-      <p:par>
-        <p:cTn xmlns:p14="http://schemas.microsoft.com/office/powerpoint/2010/main" id="1" dur="indefinite" restart="never" nodeType="tmRoot"/>
-      </p:par>
-    </p:tnLst>
-  </p:timing>
-</p:sld>
-</file>
-
-<file path=ppt/slides/slide5.xml><?xml version="1.0" encoding="utf-8"?>
 <p:sld xmlns:a="http://schemas.openxmlformats.org/drawingml/2006/main" xmlns:r="http://schemas.openxmlformats.org/officeDocument/2006/relationships" xmlns:p="http://schemas.openxmlformats.org/presentationml/2006/main">
   <p:cSld>
     <p:spTree>
@@ -10845,7 +11615,7 @@
 </p:sld>
 </file>
 
-<file path=ppt/slides/slide6.xml><?xml version="1.0" encoding="utf-8"?>
+<file path=ppt/slides/slide5.xml><?xml version="1.0" encoding="utf-8"?>
 <p:sld xmlns:a="http://schemas.openxmlformats.org/drawingml/2006/main" xmlns:r="http://schemas.openxmlformats.org/officeDocument/2006/relationships" xmlns:p="http://schemas.openxmlformats.org/presentationml/2006/main">
   <p:cSld>
     <p:spTree>
@@ -11455,15 +12225,7 @@
           <a:p>
             <a:r>
               <a:rPr lang="en-US" sz="2000" dirty="0" smtClean="0"/>
-              <a:t>abucket</a:t>
-            </a:r>
-            <a:r>
-              <a:rPr lang="en-US" sz="2000" dirty="0" smtClean="0"/>
-              <a:t>.NewN1QLQuery</a:t>
-            </a:r>
-            <a:r>
-              <a:rPr lang="en-US" sz="2000" dirty="0" smtClean="0"/>
-              <a:t>(</a:t>
+              <a:t>abucket.NewN1QLQuery(</a:t>
             </a:r>
             <a:br>
               <a:rPr lang="en-US" sz="2000" dirty="0" smtClean="0"/>
@@ -12196,7 +12958,7 @@
 </p:sld>
 </file>
 
-<file path=ppt/slides/slide7.xml><?xml version="1.0" encoding="utf-8"?>
+<file path=ppt/slides/slide6.xml><?xml version="1.0" encoding="utf-8"?>
 <p:sld xmlns:a="http://schemas.openxmlformats.org/drawingml/2006/main" xmlns:r="http://schemas.openxmlformats.org/officeDocument/2006/relationships" xmlns:p="http://schemas.openxmlformats.org/presentationml/2006/main">
   <p:cSld>
     <p:spTree>
@@ -12229,339 +12991,6 @@
           <a:lstStyle/>
           <a:p>
             <a:r>
-              <a:rPr lang="en-US" dirty="0" smtClean="0"/>
-              <a:t>Motivation</a:t>
-            </a:r>
-            <a:endParaRPr lang="en-US" dirty="0"/>
-          </a:p>
-        </p:txBody>
-      </p:sp>
-      <p:sp>
-        <p:nvSpPr>
-          <p:cNvPr id="2" name="Content Placeholder 1"/>
-          <p:cNvSpPr>
-            <a:spLocks noGrp="1"/>
-          </p:cNvSpPr>
-          <p:nvPr>
-            <p:ph idx="1"/>
-          </p:nvPr>
-        </p:nvSpPr>
-        <p:spPr>
-          <a:xfrm>
-            <a:off x="457200" y="685799"/>
-            <a:ext cx="8007739" cy="4081463"/>
-          </a:xfrm>
-        </p:spPr>
-        <p:txBody>
-          <a:bodyPr>
-            <a:normAutofit lnSpcReduction="10000"/>
-          </a:bodyPr>
-          <a:lstStyle/>
-          <a:p>
-            <a:pPr marL="285750" indent="-285750">
-              <a:buFont typeface="Wingdings" charset="2"/>
-              <a:buChar char="§"/>
-            </a:pPr>
-            <a:r>
-              <a:rPr lang="en-US" dirty="0" smtClean="0"/>
-              <a:t>Couchbase Server evolved from a cache to a document </a:t>
-            </a:r>
-            <a:r>
-              <a:rPr lang="en-US" dirty="0"/>
-              <a:t>o</a:t>
-            </a:r>
-            <a:r>
-              <a:rPr lang="en-US" dirty="0" smtClean="0"/>
-              <a:t>riented database.</a:t>
-            </a:r>
-          </a:p>
-          <a:p>
-            <a:pPr marL="285750" indent="-285750">
-              <a:buFont typeface="Wingdings" charset="2"/>
-              <a:buChar char="§"/>
-            </a:pPr>
-            <a:endParaRPr lang="en-US" dirty="0"/>
-          </a:p>
-          <a:p>
-            <a:pPr marL="285750" indent="-285750">
-              <a:buFont typeface="Wingdings" charset="2"/>
-              <a:buChar char="§"/>
-            </a:pPr>
-            <a:r>
-              <a:rPr lang="en-US" dirty="0" smtClean="0"/>
-              <a:t>SDK APIs</a:t>
-            </a:r>
-          </a:p>
-          <a:p>
-            <a:pPr marL="587375" lvl="1" indent="-285750">
-              <a:buFont typeface="Wingdings" charset="2"/>
-              <a:buChar char="§"/>
-            </a:pPr>
-            <a:r>
-              <a:rPr lang="en-US" dirty="0" smtClean="0"/>
-              <a:t>Programing model in place since the cache era</a:t>
-            </a:r>
-          </a:p>
-          <a:p>
-            <a:pPr marL="587375" lvl="1" indent="-285750">
-              <a:buFont typeface="Wingdings" charset="2"/>
-              <a:buChar char="§"/>
-            </a:pPr>
-            <a:r>
-              <a:rPr lang="en-US" dirty="0" smtClean="0"/>
-              <a:t>“</a:t>
-            </a:r>
-            <a:r>
-              <a:rPr lang="en-US" dirty="0" err="1" smtClean="0"/>
-              <a:t>Memcached</a:t>
-            </a:r>
-            <a:r>
-              <a:rPr lang="en-US" dirty="0" smtClean="0"/>
-              <a:t>-like”</a:t>
-            </a:r>
-          </a:p>
-          <a:p>
-            <a:pPr marL="587375" lvl="1" indent="-285750">
-              <a:buFont typeface="Wingdings" charset="2"/>
-              <a:buChar char="§"/>
-            </a:pPr>
-            <a:r>
-              <a:rPr lang="en-US" dirty="0" smtClean="0"/>
-              <a:t>Enhanced for views and </a:t>
-            </a:r>
-            <a:r>
-              <a:rPr lang="en-US" dirty="0" err="1" smtClean="0"/>
-              <a:t>config</a:t>
-            </a:r>
-            <a:r>
-              <a:rPr lang="en-US" dirty="0" smtClean="0"/>
-              <a:t> management</a:t>
-            </a:r>
-          </a:p>
-          <a:p>
-            <a:pPr lvl="1" indent="0">
-              <a:buNone/>
-            </a:pPr>
-            <a:endParaRPr lang="en-US" dirty="0"/>
-          </a:p>
-          <a:p>
-            <a:pPr marL="285750" indent="-285750">
-              <a:buFont typeface="Wingdings" charset="2"/>
-              <a:buChar char="§"/>
-            </a:pPr>
-            <a:r>
-              <a:rPr lang="en-US" dirty="0" smtClean="0"/>
-              <a:t>The 2.0 SDK initiative </a:t>
-            </a:r>
-          </a:p>
-          <a:p>
-            <a:pPr marL="587375" lvl="1" indent="-285750">
-              <a:buFont typeface="Wingdings" charset="2"/>
-              <a:buChar char="§"/>
-            </a:pPr>
-            <a:r>
-              <a:rPr lang="en-US" dirty="0" smtClean="0"/>
-              <a:t>Provide document oriented APIs to the developer</a:t>
-            </a:r>
-          </a:p>
-          <a:p>
-            <a:pPr marL="587375" lvl="1" indent="-285750">
-              <a:buFont typeface="Wingdings" charset="2"/>
-              <a:buChar char="§"/>
-            </a:pPr>
-            <a:r>
-              <a:rPr lang="en-US" dirty="0" smtClean="0"/>
-              <a:t>Supporting current and future evolvements (3.0+)</a:t>
-            </a:r>
-          </a:p>
-          <a:p>
-            <a:pPr marL="587375" lvl="1" indent="-285750">
-              <a:buFont typeface="Wingdings" charset="2"/>
-              <a:buChar char="§"/>
-            </a:pPr>
-            <a:r>
-              <a:rPr lang="en-US" dirty="0" smtClean="0"/>
-              <a:t>Interoperability</a:t>
-            </a:r>
-          </a:p>
-          <a:p>
-            <a:pPr marL="285750" indent="-285750">
-              <a:buFont typeface="Wingdings" charset="2"/>
-              <a:buChar char="§"/>
-            </a:pPr>
-            <a:endParaRPr lang="en-US" dirty="0"/>
-          </a:p>
-        </p:txBody>
-      </p:sp>
-      <p:sp>
-        <p:nvSpPr>
-          <p:cNvPr id="4" name="Footer Placeholder 3"/>
-          <p:cNvSpPr>
-            <a:spLocks noGrp="1"/>
-          </p:cNvSpPr>
-          <p:nvPr>
-            <p:ph type="ftr" sz="quarter" idx="11"/>
-          </p:nvPr>
-        </p:nvSpPr>
-        <p:spPr/>
-        <p:txBody>
-          <a:bodyPr/>
-          <a:lstStyle/>
-          <a:p>
-            <a:r>
-              <a:rPr lang="en-US" smtClean="0"/>
-              <a:t>©2014 Couchbase, Inc. — Proprietary and Confidential</a:t>
-            </a:r>
-            <a:endParaRPr lang="en-US" dirty="0"/>
-          </a:p>
-        </p:txBody>
-      </p:sp>
-      <p:sp>
-        <p:nvSpPr>
-          <p:cNvPr id="6" name="TextBox 5"/>
-          <p:cNvSpPr txBox="1"/>
-          <p:nvPr/>
-        </p:nvSpPr>
-        <p:spPr>
-          <a:xfrm>
-            <a:off x="1241632" y="-1364650"/>
-            <a:ext cx="184666" cy="369332"/>
-          </a:xfrm>
-          <a:prstGeom prst="rect">
-            <a:avLst/>
-          </a:prstGeom>
-          <a:noFill/>
-        </p:spPr>
-        <p:txBody>
-          <a:bodyPr wrap="none" rtlCol="0">
-            <a:spAutoFit/>
-          </a:bodyPr>
-          <a:lstStyle/>
-          <a:p>
-            <a:endParaRPr lang="en-US" dirty="0" err="1">
-              <a:solidFill>
-                <a:srgbClr val="333333"/>
-              </a:solidFill>
-              <a:latin typeface="Arial"/>
-              <a:cs typeface="Arial"/>
-            </a:endParaRPr>
-          </a:p>
-        </p:txBody>
-      </p:sp>
-      <p:sp>
-        <p:nvSpPr>
-          <p:cNvPr id="7" name="Rectangle 6"/>
-          <p:cNvSpPr/>
-          <p:nvPr/>
-        </p:nvSpPr>
-        <p:spPr>
-          <a:xfrm>
-            <a:off x="2928734" y="-1895348"/>
-            <a:ext cx="2521175" cy="1222500"/>
-          </a:xfrm>
-          <a:prstGeom prst="rect">
-            <a:avLst/>
-          </a:prstGeom>
-          <a:solidFill>
-            <a:schemeClr val="accent1"/>
-          </a:solidFill>
-          <a:ln>
-            <a:noFill/>
-          </a:ln>
-          <a:effectLst/>
-        </p:spPr>
-        <p:style>
-          <a:lnRef idx="1">
-            <a:schemeClr val="accent1"/>
-          </a:lnRef>
-          <a:fillRef idx="3">
-            <a:schemeClr val="accent1"/>
-          </a:fillRef>
-          <a:effectRef idx="2">
-            <a:schemeClr val="accent1"/>
-          </a:effectRef>
-          <a:fontRef idx="minor">
-            <a:schemeClr val="lt1"/>
-          </a:fontRef>
-        </p:style>
-        <p:txBody>
-          <a:bodyPr rtlCol="0" anchor="ctr"/>
-          <a:lstStyle/>
-          <a:p>
-            <a:pPr algn="ctr"/>
-            <a:r>
-              <a:rPr lang="en-US" dirty="0" smtClean="0">
-                <a:solidFill>
-                  <a:srgbClr val="333333"/>
-                </a:solidFill>
-                <a:latin typeface="Arial"/>
-                <a:cs typeface="Arial"/>
-              </a:rPr>
-              <a:t>j</a:t>
-            </a:r>
-            <a:endParaRPr lang="en-US" dirty="0">
-              <a:solidFill>
-                <a:srgbClr val="333333"/>
-              </a:solidFill>
-              <a:latin typeface="Arial"/>
-              <a:cs typeface="Arial"/>
-            </a:endParaRPr>
-          </a:p>
-        </p:txBody>
-      </p:sp>
-    </p:spTree>
-    <p:extLst>
-      <p:ext uri="{BB962C8B-B14F-4D97-AF65-F5344CB8AC3E}">
-        <p14:creationId xmlns:p14="http://schemas.microsoft.com/office/powerpoint/2010/main" val="3219687316"/>
-      </p:ext>
-    </p:extLst>
-  </p:cSld>
-  <p:clrMapOvr>
-    <a:masterClrMapping/>
-  </p:clrMapOvr>
-  <p:timing>
-    <p:tnLst>
-      <p:par>
-        <p:cTn xmlns:p14="http://schemas.microsoft.com/office/powerpoint/2010/main" id="1" dur="indefinite" restart="never" nodeType="tmRoot"/>
-      </p:par>
-    </p:tnLst>
-  </p:timing>
-</p:sld>
-</file>
-
-<file path=ppt/slides/slide8.xml><?xml version="1.0" encoding="utf-8"?>
-<p:sld xmlns:a="http://schemas.openxmlformats.org/drawingml/2006/main" xmlns:r="http://schemas.openxmlformats.org/officeDocument/2006/relationships" xmlns:p="http://schemas.openxmlformats.org/presentationml/2006/main">
-  <p:cSld>
-    <p:spTree>
-      <p:nvGrpSpPr>
-        <p:cNvPr id="1" name=""/>
-        <p:cNvGrpSpPr/>
-        <p:nvPr/>
-      </p:nvGrpSpPr>
-      <p:grpSpPr>
-        <a:xfrm>
-          <a:off x="0" y="0"/>
-          <a:ext cx="0" cy="0"/>
-          <a:chOff x="0" y="0"/>
-          <a:chExt cx="0" cy="0"/>
-        </a:xfrm>
-      </p:grpSpPr>
-      <p:sp>
-        <p:nvSpPr>
-          <p:cNvPr id="3" name="Title 2"/>
-          <p:cNvSpPr>
-            <a:spLocks noGrp="1"/>
-          </p:cNvSpPr>
-          <p:nvPr>
-            <p:ph type="title"/>
-          </p:nvPr>
-        </p:nvSpPr>
-        <p:spPr/>
-        <p:txBody>
-          <a:bodyPr/>
-          <a:lstStyle/>
-          <a:p>
-            <a:r>
               <a:rPr lang="en-US" smtClean="0"/>
               <a:t>Languages and Interfaces for Couchbase</a:t>
             </a:r>
@@ -12586,13 +13015,8 @@
           <a:p>
             <a:r>
               <a:rPr lang="en-US" dirty="0" smtClean="0"/>
-              <a:t>Official </a:t>
-            </a:r>
-            <a:r>
-              <a:rPr lang="en-US" dirty="0" smtClean="0"/>
-              <a:t>SDKs</a:t>
-            </a:r>
-            <a:endParaRPr lang="en-US" dirty="0" smtClean="0"/>
+              <a:t>Official SDKs</a:t>
+            </a:r>
           </a:p>
           <a:p>
             <a:pPr marL="644525" lvl="1" indent="-342900"/>
@@ -13356,7 +13780,7 @@
 </p:sld>
 </file>
 
-<file path=ppt/slides/slide9.xml><?xml version="1.0" encoding="utf-8"?>
+<file path=ppt/slides/slide7.xml><?xml version="1.0" encoding="utf-8"?>
 <p:sld xmlns:a="http://schemas.openxmlformats.org/drawingml/2006/main" xmlns:r="http://schemas.openxmlformats.org/officeDocument/2006/relationships" xmlns:p="http://schemas.openxmlformats.org/presentationml/2006/main">
   <p:cSld>
     <p:spTree>
@@ -13758,11 +14182,7 @@
             </a:r>
             <a:r>
               <a:rPr lang="en-US" sz="1400" dirty="0" smtClean="0"/>
-              <a:t> Play </a:t>
-            </a:r>
-            <a:r>
-              <a:rPr lang="en-US" sz="1400" dirty="0" smtClean="0"/>
-              <a:t>Framework</a:t>
+              <a:t> Play Framework</a:t>
             </a:r>
           </a:p>
           <a:p>
@@ -13771,7 +14191,6 @@
               <a:rPr lang="en-US" sz="1400" dirty="0" smtClean="0"/>
               <a:t>Support for Java Caching JSR-107</a:t>
             </a:r>
-            <a:endParaRPr lang="en-US" sz="1400" dirty="0" smtClean="0"/>
           </a:p>
           <a:p>
             <a:endParaRPr lang="en-US" sz="1800" dirty="0"/>
@@ -13806,6 +14225,913 @@
     <p:extLst>
       <p:ext uri="{BB962C8B-B14F-4D97-AF65-F5344CB8AC3E}">
         <p14:creationId xmlns:p14="http://schemas.microsoft.com/office/powerpoint/2010/main" val="2756432228"/>
+      </p:ext>
+    </p:extLst>
+  </p:cSld>
+  <p:clrMapOvr>
+    <a:masterClrMapping/>
+  </p:clrMapOvr>
+  <p:timing>
+    <p:tnLst>
+      <p:par>
+        <p:cTn xmlns:p14="http://schemas.microsoft.com/office/powerpoint/2010/main" id="1" dur="indefinite" restart="never" nodeType="tmRoot"/>
+      </p:par>
+    </p:tnLst>
+  </p:timing>
+</p:sld>
+</file>
+
+<file path=ppt/slides/slide8.xml><?xml version="1.0" encoding="utf-8"?>
+<p:sld xmlns:a="http://schemas.openxmlformats.org/drawingml/2006/main" xmlns:r="http://schemas.openxmlformats.org/officeDocument/2006/relationships" xmlns:p="http://schemas.openxmlformats.org/presentationml/2006/main">
+  <p:cSld>
+    <p:spTree>
+      <p:nvGrpSpPr>
+        <p:cNvPr id="1" name=""/>
+        <p:cNvGrpSpPr/>
+        <p:nvPr/>
+      </p:nvGrpSpPr>
+      <p:grpSpPr>
+        <a:xfrm>
+          <a:off x="0" y="0"/>
+          <a:ext cx="0" cy="0"/>
+          <a:chOff x="0" y="0"/>
+          <a:chExt cx="0" cy="0"/>
+        </a:xfrm>
+      </p:grpSpPr>
+      <p:pic>
+        <p:nvPicPr>
+          <p:cNvPr id="11" name="Picture 10" descr="dotNetAvatar.01.png"/>
+          <p:cNvPicPr>
+            <a:picLocks noChangeAspect="1"/>
+          </p:cNvPicPr>
+          <p:nvPr/>
+        </p:nvPicPr>
+        <p:blipFill>
+          <a:blip r:embed="rId2">
+            <a:extLst>
+              <a:ext uri="{28A0092B-C50C-407E-A947-70E740481C1C}">
+                <a14:useLocalDpi xmlns:a14="http://schemas.microsoft.com/office/drawing/2010/main" val="0"/>
+              </a:ext>
+            </a:extLst>
+          </a:blip>
+          <a:stretch>
+            <a:fillRect/>
+          </a:stretch>
+        </p:blipFill>
+        <p:spPr>
+          <a:xfrm>
+            <a:off x="6187440" y="762000"/>
+            <a:ext cx="2438400" cy="2438400"/>
+          </a:xfrm>
+          <a:prstGeom prst="rect">
+            <a:avLst/>
+          </a:prstGeom>
+        </p:spPr>
+      </p:pic>
+      <p:sp>
+        <p:nvSpPr>
+          <p:cNvPr id="2" name="Title 1"/>
+          <p:cNvSpPr>
+            <a:spLocks noGrp="1"/>
+          </p:cNvSpPr>
+          <p:nvPr>
+            <p:ph type="title"/>
+          </p:nvPr>
+        </p:nvSpPr>
+        <p:spPr/>
+        <p:txBody>
+          <a:bodyPr/>
+          <a:lstStyle/>
+          <a:p>
+            <a:r>
+              <a:rPr lang="en-US" dirty="0" smtClean="0"/>
+              <a:t>.NET SDK for Couchbase</a:t>
+            </a:r>
+            <a:endParaRPr lang="en-US" dirty="0"/>
+          </a:p>
+        </p:txBody>
+      </p:sp>
+      <p:sp>
+        <p:nvSpPr>
+          <p:cNvPr id="3" name="Content Placeholder 2"/>
+          <p:cNvSpPr>
+            <a:spLocks noGrp="1"/>
+          </p:cNvSpPr>
+          <p:nvPr>
+            <p:ph idx="1"/>
+          </p:nvPr>
+        </p:nvSpPr>
+        <p:spPr>
+          <a:xfrm>
+            <a:off x="457201" y="685800"/>
+            <a:ext cx="5730239" cy="3957320"/>
+          </a:xfrm>
+        </p:spPr>
+        <p:txBody>
+          <a:bodyPr/>
+          <a:lstStyle/>
+          <a:p>
+            <a:pPr marL="0" indent="0">
+              <a:buNone/>
+            </a:pPr>
+            <a:r>
+              <a:rPr lang="en-US" sz="2000" dirty="0" smtClean="0"/>
+              <a:t>.NET</a:t>
+            </a:r>
+          </a:p>
+          <a:p>
+            <a:pPr marL="0" indent="0">
+              <a:buNone/>
+            </a:pPr>
+            <a:r>
+              <a:rPr lang="en-US" sz="1600" dirty="0" smtClean="0"/>
+              <a:t>2.0 – Document oriented, vastly improved connection management</a:t>
+            </a:r>
+          </a:p>
+          <a:p>
+            <a:pPr marL="0" indent="0">
+              <a:buNone/>
+            </a:pPr>
+            <a:r>
+              <a:rPr lang="en-US" sz="1600" dirty="0" smtClean="0"/>
+              <a:t>2.1 – Task-based Asynchronous Pattern,  pluggable transcoders, networking enhancements </a:t>
+            </a:r>
+          </a:p>
+          <a:p>
+            <a:pPr marL="0" indent="0">
+              <a:buNone/>
+            </a:pPr>
+            <a:r>
+              <a:rPr lang="en-US" sz="1600" dirty="0" smtClean="0"/>
+              <a:t>2.2 – (future) Official N1QL support, official geospatial support</a:t>
+            </a:r>
+          </a:p>
+        </p:txBody>
+      </p:sp>
+      <p:sp>
+        <p:nvSpPr>
+          <p:cNvPr id="8" name="Content Placeholder 2"/>
+          <p:cNvSpPr txBox="1">
+            <a:spLocks/>
+          </p:cNvSpPr>
+          <p:nvPr/>
+        </p:nvSpPr>
+        <p:spPr>
+          <a:xfrm>
+            <a:off x="5598161" y="3151505"/>
+            <a:ext cx="3220719" cy="1491615"/>
+          </a:xfrm>
+          <a:prstGeom prst="rect">
+            <a:avLst/>
+          </a:prstGeom>
+        </p:spPr>
+        <p:txBody>
+          <a:bodyPr vert="horz" lIns="91440" tIns="45720" rIns="91440" bIns="45720" rtlCol="0">
+            <a:noAutofit/>
+          </a:bodyPr>
+          <a:lstStyle>
+            <a:lvl1pPr marL="228600" indent="-228600" algn="l" defTabSz="457200" rtl="0" eaLnBrk="1" latinLnBrk="0" hangingPunct="1">
+              <a:lnSpc>
+                <a:spcPct val="100000"/>
+              </a:lnSpc>
+              <a:spcBef>
+                <a:spcPts val="0"/>
+              </a:spcBef>
+              <a:spcAft>
+                <a:spcPts val="300"/>
+              </a:spcAft>
+              <a:buClr>
+                <a:schemeClr val="accent1"/>
+              </a:buClr>
+              <a:buSzPct val="110000"/>
+              <a:buFont typeface="Wingdings" charset="2"/>
+              <a:buChar char="§"/>
+              <a:defRPr sz="2400" kern="1200">
+                <a:solidFill>
+                  <a:schemeClr val="tx1"/>
+                </a:solidFill>
+                <a:latin typeface="+mn-lt"/>
+                <a:ea typeface="+mn-ea"/>
+                <a:cs typeface="+mn-cs"/>
+              </a:defRPr>
+            </a:lvl1pPr>
+            <a:lvl2pPr marL="455613" indent="-225425" algn="l" defTabSz="457200" rtl="0" eaLnBrk="1" latinLnBrk="0" hangingPunct="1">
+              <a:lnSpc>
+                <a:spcPct val="100000"/>
+              </a:lnSpc>
+              <a:spcBef>
+                <a:spcPts val="0"/>
+              </a:spcBef>
+              <a:spcAft>
+                <a:spcPts val="300"/>
+              </a:spcAft>
+              <a:buClr>
+                <a:srgbClr val="262626"/>
+              </a:buClr>
+              <a:buFont typeface="Wingdings" charset="2"/>
+              <a:buChar char="§"/>
+              <a:defRPr sz="2000" kern="1200">
+                <a:solidFill>
+                  <a:schemeClr val="tx1"/>
+                </a:solidFill>
+                <a:latin typeface="+mn-lt"/>
+                <a:ea typeface="+mn-ea"/>
+                <a:cs typeface="+mn-cs"/>
+              </a:defRPr>
+            </a:lvl2pPr>
+            <a:lvl3pPr marL="631825" indent="-177800" algn="l" defTabSz="457200" rtl="0" eaLnBrk="1" latinLnBrk="0" hangingPunct="1">
+              <a:lnSpc>
+                <a:spcPct val="100000"/>
+              </a:lnSpc>
+              <a:spcBef>
+                <a:spcPts val="0"/>
+              </a:spcBef>
+              <a:spcAft>
+                <a:spcPts val="300"/>
+              </a:spcAft>
+              <a:buClr>
+                <a:srgbClr val="262626"/>
+              </a:buClr>
+              <a:buFont typeface="Lucida Grande"/>
+              <a:buChar char="–"/>
+              <a:defRPr sz="2000" kern="1200">
+                <a:solidFill>
+                  <a:schemeClr val="tx1"/>
+                </a:solidFill>
+                <a:latin typeface="+mn-lt"/>
+                <a:ea typeface="+mn-ea"/>
+                <a:cs typeface="+mn-cs"/>
+              </a:defRPr>
+            </a:lvl3pPr>
+            <a:lvl4pPr marL="800100" indent="-168275" algn="l" defTabSz="457200" rtl="0" eaLnBrk="1" latinLnBrk="0" hangingPunct="1">
+              <a:lnSpc>
+                <a:spcPct val="100000"/>
+              </a:lnSpc>
+              <a:spcBef>
+                <a:spcPts val="0"/>
+              </a:spcBef>
+              <a:spcAft>
+                <a:spcPts val="300"/>
+              </a:spcAft>
+              <a:buClr>
+                <a:srgbClr val="262626"/>
+              </a:buClr>
+              <a:buFont typeface="Lucida Grande"/>
+              <a:buChar char="–"/>
+              <a:defRPr sz="1600" kern="1200">
+                <a:solidFill>
+                  <a:schemeClr val="tx1"/>
+                </a:solidFill>
+                <a:latin typeface="+mn-lt"/>
+                <a:ea typeface="+mn-ea"/>
+                <a:cs typeface="+mn-cs"/>
+              </a:defRPr>
+            </a:lvl4pPr>
+            <a:lvl5pPr marL="969963" indent="-169863" algn="l" defTabSz="457200" rtl="0" eaLnBrk="1" latinLnBrk="0" hangingPunct="1">
+              <a:lnSpc>
+                <a:spcPct val="100000"/>
+              </a:lnSpc>
+              <a:spcBef>
+                <a:spcPts val="0"/>
+              </a:spcBef>
+              <a:spcAft>
+                <a:spcPts val="300"/>
+              </a:spcAft>
+              <a:buClr>
+                <a:srgbClr val="262626"/>
+              </a:buClr>
+              <a:buFont typeface="Lucida Grande"/>
+              <a:buChar char="–"/>
+              <a:defRPr sz="1600" kern="1200">
+                <a:solidFill>
+                  <a:schemeClr val="tx1"/>
+                </a:solidFill>
+                <a:latin typeface="+mn-lt"/>
+                <a:ea typeface="+mn-ea"/>
+                <a:cs typeface="+mn-cs"/>
+              </a:defRPr>
+            </a:lvl5pPr>
+            <a:lvl6pPr marL="2514600" indent="-228600" algn="l" defTabSz="457200" rtl="0" eaLnBrk="1" latinLnBrk="0" hangingPunct="1">
+              <a:spcBef>
+                <a:spcPct val="20000"/>
+              </a:spcBef>
+              <a:buFont typeface="Arial"/>
+              <a:buChar char="•"/>
+              <a:defRPr sz="2000" kern="1200">
+                <a:solidFill>
+                  <a:schemeClr val="tx1"/>
+                </a:solidFill>
+                <a:latin typeface="+mn-lt"/>
+                <a:ea typeface="+mn-ea"/>
+                <a:cs typeface="+mn-cs"/>
+              </a:defRPr>
+            </a:lvl6pPr>
+            <a:lvl7pPr marL="2971800" indent="-228600" algn="l" defTabSz="457200" rtl="0" eaLnBrk="1" latinLnBrk="0" hangingPunct="1">
+              <a:spcBef>
+                <a:spcPct val="20000"/>
+              </a:spcBef>
+              <a:buFont typeface="Arial"/>
+              <a:buChar char="•"/>
+              <a:defRPr sz="2000" kern="1200">
+                <a:solidFill>
+                  <a:schemeClr val="tx1"/>
+                </a:solidFill>
+                <a:latin typeface="+mn-lt"/>
+                <a:ea typeface="+mn-ea"/>
+                <a:cs typeface="+mn-cs"/>
+              </a:defRPr>
+            </a:lvl7pPr>
+            <a:lvl8pPr marL="3429000" indent="-228600" algn="l" defTabSz="457200" rtl="0" eaLnBrk="1" latinLnBrk="0" hangingPunct="1">
+              <a:spcBef>
+                <a:spcPct val="20000"/>
+              </a:spcBef>
+              <a:buFont typeface="Arial"/>
+              <a:buChar char="•"/>
+              <a:defRPr sz="2000" kern="1200">
+                <a:solidFill>
+                  <a:schemeClr val="tx1"/>
+                </a:solidFill>
+                <a:latin typeface="+mn-lt"/>
+                <a:ea typeface="+mn-ea"/>
+                <a:cs typeface="+mn-cs"/>
+              </a:defRPr>
+            </a:lvl8pPr>
+            <a:lvl9pPr marL="3886200" indent="-228600" algn="l" defTabSz="457200" rtl="0" eaLnBrk="1" latinLnBrk="0" hangingPunct="1">
+              <a:spcBef>
+                <a:spcPct val="20000"/>
+              </a:spcBef>
+              <a:buFont typeface="Arial"/>
+              <a:buChar char="•"/>
+              <a:defRPr sz="2000" kern="1200">
+                <a:solidFill>
+                  <a:schemeClr val="tx1"/>
+                </a:solidFill>
+                <a:latin typeface="+mn-lt"/>
+                <a:ea typeface="+mn-ea"/>
+                <a:cs typeface="+mn-cs"/>
+              </a:defRPr>
+            </a:lvl9pPr>
+          </a:lstStyle>
+          <a:p>
+            <a:r>
+              <a:rPr lang="en-US" sz="1800" dirty="0" smtClean="0"/>
+              <a:t>Integration for .NET</a:t>
+            </a:r>
+          </a:p>
+          <a:p>
+            <a:pPr lvl="1"/>
+            <a:r>
+              <a:rPr lang="en-US" sz="1400" dirty="0" smtClean="0"/>
+              <a:t>LINQ  (language integrated query)</a:t>
+            </a:r>
+          </a:p>
+          <a:p>
+            <a:pPr lvl="1"/>
+            <a:r>
+              <a:rPr lang="en-US" sz="1400" dirty="0" smtClean="0"/>
+              <a:t>ASP.NET Session Providers</a:t>
+            </a:r>
+          </a:p>
+          <a:p>
+            <a:pPr lvl="1"/>
+            <a:r>
+              <a:rPr lang="en-US" sz="1400" dirty="0" err="1" smtClean="0"/>
+              <a:t>Contrib</a:t>
+            </a:r>
+            <a:r>
+              <a:rPr lang="en-US" sz="1400" dirty="0" smtClean="0"/>
+              <a:t> for new features</a:t>
+            </a:r>
+          </a:p>
+        </p:txBody>
+      </p:sp>
+      <p:pic>
+        <p:nvPicPr>
+          <p:cNvPr id="12" name="Picture 11"/>
+          <p:cNvPicPr>
+            <a:picLocks noChangeAspect="1"/>
+          </p:cNvPicPr>
+          <p:nvPr/>
+        </p:nvPicPr>
+        <p:blipFill>
+          <a:blip r:embed="rId3"/>
+          <a:stretch>
+            <a:fillRect/>
+          </a:stretch>
+        </p:blipFill>
+        <p:spPr>
+          <a:xfrm>
+            <a:off x="1981200" y="2513850"/>
+            <a:ext cx="3108960" cy="2129270"/>
+          </a:xfrm>
+          <a:prstGeom prst="rect">
+            <a:avLst/>
+          </a:prstGeom>
+        </p:spPr>
+      </p:pic>
+    </p:spTree>
+    <p:extLst>
+      <p:ext uri="{BB962C8B-B14F-4D97-AF65-F5344CB8AC3E}">
+        <p14:creationId xmlns:p14="http://schemas.microsoft.com/office/powerpoint/2010/main" val="3714359048"/>
+      </p:ext>
+    </p:extLst>
+  </p:cSld>
+  <p:clrMapOvr>
+    <a:masterClrMapping/>
+  </p:clrMapOvr>
+  <p:timing>
+    <p:tnLst>
+      <p:par>
+        <p:cTn xmlns:p14="http://schemas.microsoft.com/office/powerpoint/2010/main" id="1" dur="indefinite" restart="never" nodeType="tmRoot"/>
+      </p:par>
+    </p:tnLst>
+  </p:timing>
+</p:sld>
+</file>
+
+<file path=ppt/slides/slide9.xml><?xml version="1.0" encoding="utf-8"?>
+<p:sld xmlns:a="http://schemas.openxmlformats.org/drawingml/2006/main" xmlns:r="http://schemas.openxmlformats.org/officeDocument/2006/relationships" xmlns:p="http://schemas.openxmlformats.org/presentationml/2006/main">
+  <p:cSld>
+    <p:spTree>
+      <p:nvGrpSpPr>
+        <p:cNvPr id="1" name=""/>
+        <p:cNvGrpSpPr/>
+        <p:nvPr/>
+      </p:nvGrpSpPr>
+      <p:grpSpPr>
+        <a:xfrm>
+          <a:off x="0" y="0"/>
+          <a:ext cx="0" cy="0"/>
+          <a:chOff x="0" y="0"/>
+          <a:chExt cx="0" cy="0"/>
+        </a:xfrm>
+      </p:grpSpPr>
+      <p:pic>
+        <p:nvPicPr>
+          <p:cNvPr id="6" name="Picture 5" descr="nodeJSAvatar.01.png"/>
+          <p:cNvPicPr>
+            <a:picLocks noChangeAspect="1"/>
+          </p:cNvPicPr>
+          <p:nvPr/>
+        </p:nvPicPr>
+        <p:blipFill>
+          <a:blip r:embed="rId2">
+            <a:extLst>
+              <a:ext uri="{28A0092B-C50C-407E-A947-70E740481C1C}">
+                <a14:useLocalDpi xmlns:a14="http://schemas.microsoft.com/office/drawing/2010/main" val="0"/>
+              </a:ext>
+            </a:extLst>
+          </a:blip>
+          <a:stretch>
+            <a:fillRect/>
+          </a:stretch>
+        </p:blipFill>
+        <p:spPr>
+          <a:xfrm>
+            <a:off x="6187440" y="762000"/>
+            <a:ext cx="2438400" cy="2438400"/>
+          </a:xfrm>
+          <a:prstGeom prst="rect">
+            <a:avLst/>
+          </a:prstGeom>
+        </p:spPr>
+      </p:pic>
+      <p:sp>
+        <p:nvSpPr>
+          <p:cNvPr id="2" name="Title 1"/>
+          <p:cNvSpPr>
+            <a:spLocks noGrp="1"/>
+          </p:cNvSpPr>
+          <p:nvPr>
+            <p:ph type="title"/>
+          </p:nvPr>
+        </p:nvSpPr>
+        <p:spPr/>
+        <p:txBody>
+          <a:bodyPr/>
+          <a:lstStyle/>
+          <a:p>
+            <a:r>
+              <a:rPr lang="en-US" dirty="0" err="1" smtClean="0"/>
+              <a:t>Node.js</a:t>
+            </a:r>
+            <a:r>
+              <a:rPr lang="en-US" dirty="0" smtClean="0"/>
+              <a:t> SDK for Couchbase</a:t>
+            </a:r>
+            <a:endParaRPr lang="en-US" dirty="0"/>
+          </a:p>
+        </p:txBody>
+      </p:sp>
+      <p:sp>
+        <p:nvSpPr>
+          <p:cNvPr id="3" name="Content Placeholder 2"/>
+          <p:cNvSpPr>
+            <a:spLocks noGrp="1"/>
+          </p:cNvSpPr>
+          <p:nvPr>
+            <p:ph idx="1"/>
+          </p:nvPr>
+        </p:nvSpPr>
+        <p:spPr>
+          <a:xfrm>
+            <a:off x="457201" y="685800"/>
+            <a:ext cx="5953760" cy="3957320"/>
+          </a:xfrm>
+        </p:spPr>
+        <p:txBody>
+          <a:bodyPr/>
+          <a:lstStyle/>
+          <a:p>
+            <a:pPr marL="0" indent="0">
+              <a:buNone/>
+            </a:pPr>
+            <a:r>
+              <a:rPr lang="en-US" sz="2000" dirty="0" err="1" smtClean="0"/>
+              <a:t>Node.js</a:t>
+            </a:r>
+            <a:endParaRPr lang="en-US" sz="2000" dirty="0" smtClean="0"/>
+          </a:p>
+          <a:p>
+            <a:pPr marL="0" indent="0">
+              <a:buNone/>
+            </a:pPr>
+            <a:r>
+              <a:rPr lang="en-US" sz="1600" dirty="0" smtClean="0"/>
+              <a:t>2.0 – More document oriented, revised view interface, experimental N1QL support, streaming view results and automatic pipelining of multi-operations</a:t>
+            </a:r>
+          </a:p>
+          <a:p>
+            <a:pPr marL="0" indent="0">
+              <a:buNone/>
+            </a:pPr>
+            <a:r>
+              <a:rPr lang="en-US" sz="1600" dirty="0" smtClean="0"/>
+              <a:t>2.1 </a:t>
+            </a:r>
+            <a:r>
+              <a:rPr lang="en-US" sz="1600" smtClean="0"/>
+              <a:t>– (future) N1QL </a:t>
+            </a:r>
+            <a:r>
+              <a:rPr lang="en-US" sz="1600" dirty="0" smtClean="0"/>
+              <a:t>official support</a:t>
+            </a:r>
+          </a:p>
+          <a:p>
+            <a:r>
+              <a:rPr lang="en-US" sz="1600" dirty="0" smtClean="0"/>
+              <a:t>Based on and bundles </a:t>
+            </a:r>
+            <a:r>
+              <a:rPr lang="en-US" sz="1600" dirty="0" err="1" smtClean="0"/>
+              <a:t>libcouchbase</a:t>
+            </a:r>
+            <a:r>
+              <a:rPr lang="en-US" sz="1600" dirty="0" smtClean="0"/>
+              <a:t>, the super-fast event-oriented C SDK/library for Couchbase</a:t>
+            </a:r>
+          </a:p>
+          <a:p>
+            <a:r>
+              <a:rPr lang="en-US" sz="1600" dirty="0" smtClean="0"/>
+              <a:t>Asynchronous Interface</a:t>
+            </a:r>
+          </a:p>
+          <a:p>
+            <a:pPr lvl="1"/>
+            <a:r>
+              <a:rPr lang="en-US" sz="1200" dirty="0" smtClean="0"/>
+              <a:t>All responses are through callbacks as expected</a:t>
+            </a:r>
+          </a:p>
+          <a:p>
+            <a:pPr lvl="1"/>
+            <a:endParaRPr lang="en-US" sz="1200" dirty="0"/>
+          </a:p>
+        </p:txBody>
+      </p:sp>
+      <p:sp>
+        <p:nvSpPr>
+          <p:cNvPr id="8" name="Content Placeholder 2"/>
+          <p:cNvSpPr txBox="1">
+            <a:spLocks/>
+          </p:cNvSpPr>
+          <p:nvPr/>
+        </p:nvSpPr>
+        <p:spPr>
+          <a:xfrm>
+            <a:off x="5598161" y="3151505"/>
+            <a:ext cx="3220719" cy="1644015"/>
+          </a:xfrm>
+          <a:prstGeom prst="rect">
+            <a:avLst/>
+          </a:prstGeom>
+        </p:spPr>
+        <p:txBody>
+          <a:bodyPr vert="horz" lIns="91440" tIns="45720" rIns="91440" bIns="45720" rtlCol="0">
+            <a:noAutofit/>
+          </a:bodyPr>
+          <a:lstStyle>
+            <a:lvl1pPr marL="228600" indent="-228600" algn="l" defTabSz="457200" rtl="0" eaLnBrk="1" latinLnBrk="0" hangingPunct="1">
+              <a:lnSpc>
+                <a:spcPct val="100000"/>
+              </a:lnSpc>
+              <a:spcBef>
+                <a:spcPts val="0"/>
+              </a:spcBef>
+              <a:spcAft>
+                <a:spcPts val="300"/>
+              </a:spcAft>
+              <a:buClr>
+                <a:schemeClr val="accent1"/>
+              </a:buClr>
+              <a:buSzPct val="110000"/>
+              <a:buFont typeface="Wingdings" charset="2"/>
+              <a:buChar char="§"/>
+              <a:defRPr sz="2400" kern="1200">
+                <a:solidFill>
+                  <a:schemeClr val="tx1"/>
+                </a:solidFill>
+                <a:latin typeface="+mn-lt"/>
+                <a:ea typeface="+mn-ea"/>
+                <a:cs typeface="+mn-cs"/>
+              </a:defRPr>
+            </a:lvl1pPr>
+            <a:lvl2pPr marL="455613" indent="-225425" algn="l" defTabSz="457200" rtl="0" eaLnBrk="1" latinLnBrk="0" hangingPunct="1">
+              <a:lnSpc>
+                <a:spcPct val="100000"/>
+              </a:lnSpc>
+              <a:spcBef>
+                <a:spcPts val="0"/>
+              </a:spcBef>
+              <a:spcAft>
+                <a:spcPts val="300"/>
+              </a:spcAft>
+              <a:buClr>
+                <a:srgbClr val="262626"/>
+              </a:buClr>
+              <a:buFont typeface="Wingdings" charset="2"/>
+              <a:buChar char="§"/>
+              <a:defRPr sz="2000" kern="1200">
+                <a:solidFill>
+                  <a:schemeClr val="tx1"/>
+                </a:solidFill>
+                <a:latin typeface="+mn-lt"/>
+                <a:ea typeface="+mn-ea"/>
+                <a:cs typeface="+mn-cs"/>
+              </a:defRPr>
+            </a:lvl2pPr>
+            <a:lvl3pPr marL="631825" indent="-177800" algn="l" defTabSz="457200" rtl="0" eaLnBrk="1" latinLnBrk="0" hangingPunct="1">
+              <a:lnSpc>
+                <a:spcPct val="100000"/>
+              </a:lnSpc>
+              <a:spcBef>
+                <a:spcPts val="0"/>
+              </a:spcBef>
+              <a:spcAft>
+                <a:spcPts val="300"/>
+              </a:spcAft>
+              <a:buClr>
+                <a:srgbClr val="262626"/>
+              </a:buClr>
+              <a:buFont typeface="Lucida Grande"/>
+              <a:buChar char="–"/>
+              <a:defRPr sz="2000" kern="1200">
+                <a:solidFill>
+                  <a:schemeClr val="tx1"/>
+                </a:solidFill>
+                <a:latin typeface="+mn-lt"/>
+                <a:ea typeface="+mn-ea"/>
+                <a:cs typeface="+mn-cs"/>
+              </a:defRPr>
+            </a:lvl3pPr>
+            <a:lvl4pPr marL="800100" indent="-168275" algn="l" defTabSz="457200" rtl="0" eaLnBrk="1" latinLnBrk="0" hangingPunct="1">
+              <a:lnSpc>
+                <a:spcPct val="100000"/>
+              </a:lnSpc>
+              <a:spcBef>
+                <a:spcPts val="0"/>
+              </a:spcBef>
+              <a:spcAft>
+                <a:spcPts val="300"/>
+              </a:spcAft>
+              <a:buClr>
+                <a:srgbClr val="262626"/>
+              </a:buClr>
+              <a:buFont typeface="Lucida Grande"/>
+              <a:buChar char="–"/>
+              <a:defRPr sz="1600" kern="1200">
+                <a:solidFill>
+                  <a:schemeClr val="tx1"/>
+                </a:solidFill>
+                <a:latin typeface="+mn-lt"/>
+                <a:ea typeface="+mn-ea"/>
+                <a:cs typeface="+mn-cs"/>
+              </a:defRPr>
+            </a:lvl4pPr>
+            <a:lvl5pPr marL="969963" indent="-169863" algn="l" defTabSz="457200" rtl="0" eaLnBrk="1" latinLnBrk="0" hangingPunct="1">
+              <a:lnSpc>
+                <a:spcPct val="100000"/>
+              </a:lnSpc>
+              <a:spcBef>
+                <a:spcPts val="0"/>
+              </a:spcBef>
+              <a:spcAft>
+                <a:spcPts val="300"/>
+              </a:spcAft>
+              <a:buClr>
+                <a:srgbClr val="262626"/>
+              </a:buClr>
+              <a:buFont typeface="Lucida Grande"/>
+              <a:buChar char="–"/>
+              <a:defRPr sz="1600" kern="1200">
+                <a:solidFill>
+                  <a:schemeClr val="tx1"/>
+                </a:solidFill>
+                <a:latin typeface="+mn-lt"/>
+                <a:ea typeface="+mn-ea"/>
+                <a:cs typeface="+mn-cs"/>
+              </a:defRPr>
+            </a:lvl5pPr>
+            <a:lvl6pPr marL="2514600" indent="-228600" algn="l" defTabSz="457200" rtl="0" eaLnBrk="1" latinLnBrk="0" hangingPunct="1">
+              <a:spcBef>
+                <a:spcPct val="20000"/>
+              </a:spcBef>
+              <a:buFont typeface="Arial"/>
+              <a:buChar char="•"/>
+              <a:defRPr sz="2000" kern="1200">
+                <a:solidFill>
+                  <a:schemeClr val="tx1"/>
+                </a:solidFill>
+                <a:latin typeface="+mn-lt"/>
+                <a:ea typeface="+mn-ea"/>
+                <a:cs typeface="+mn-cs"/>
+              </a:defRPr>
+            </a:lvl6pPr>
+            <a:lvl7pPr marL="2971800" indent="-228600" algn="l" defTabSz="457200" rtl="0" eaLnBrk="1" latinLnBrk="0" hangingPunct="1">
+              <a:spcBef>
+                <a:spcPct val="20000"/>
+              </a:spcBef>
+              <a:buFont typeface="Arial"/>
+              <a:buChar char="•"/>
+              <a:defRPr sz="2000" kern="1200">
+                <a:solidFill>
+                  <a:schemeClr val="tx1"/>
+                </a:solidFill>
+                <a:latin typeface="+mn-lt"/>
+                <a:ea typeface="+mn-ea"/>
+                <a:cs typeface="+mn-cs"/>
+              </a:defRPr>
+            </a:lvl7pPr>
+            <a:lvl8pPr marL="3429000" indent="-228600" algn="l" defTabSz="457200" rtl="0" eaLnBrk="1" latinLnBrk="0" hangingPunct="1">
+              <a:spcBef>
+                <a:spcPct val="20000"/>
+              </a:spcBef>
+              <a:buFont typeface="Arial"/>
+              <a:buChar char="•"/>
+              <a:defRPr sz="2000" kern="1200">
+                <a:solidFill>
+                  <a:schemeClr val="tx1"/>
+                </a:solidFill>
+                <a:latin typeface="+mn-lt"/>
+                <a:ea typeface="+mn-ea"/>
+                <a:cs typeface="+mn-cs"/>
+              </a:defRPr>
+            </a:lvl8pPr>
+            <a:lvl9pPr marL="3886200" indent="-228600" algn="l" defTabSz="457200" rtl="0" eaLnBrk="1" latinLnBrk="0" hangingPunct="1">
+              <a:spcBef>
+                <a:spcPct val="20000"/>
+              </a:spcBef>
+              <a:buFont typeface="Arial"/>
+              <a:buChar char="•"/>
+              <a:defRPr sz="2000" kern="1200">
+                <a:solidFill>
+                  <a:schemeClr val="tx1"/>
+                </a:solidFill>
+                <a:latin typeface="+mn-lt"/>
+                <a:ea typeface="+mn-ea"/>
+                <a:cs typeface="+mn-cs"/>
+              </a:defRPr>
+            </a:lvl9pPr>
+          </a:lstStyle>
+          <a:p>
+            <a:r>
+              <a:rPr lang="en-US" sz="1600" dirty="0" smtClean="0"/>
+              <a:t>Frameworks for </a:t>
+            </a:r>
+            <a:r>
+              <a:rPr lang="en-US" sz="1600" dirty="0" err="1" smtClean="0"/>
+              <a:t>Node.js</a:t>
+            </a:r>
+            <a:r>
+              <a:rPr lang="en-US" sz="1600" dirty="0" smtClean="0"/>
+              <a:t> developers</a:t>
+            </a:r>
+          </a:p>
+          <a:p>
+            <a:pPr lvl="1"/>
+            <a:r>
+              <a:rPr lang="en-US" sz="1100" dirty="0" smtClean="0"/>
+              <a:t>Couchbase Ottoman</a:t>
+            </a:r>
+          </a:p>
+          <a:p>
+            <a:pPr lvl="1"/>
+            <a:r>
+              <a:rPr lang="en-US" sz="1100" dirty="0" err="1" smtClean="0"/>
+              <a:t>Kouch</a:t>
+            </a:r>
+            <a:r>
+              <a:rPr lang="en-US" sz="1100" dirty="0" smtClean="0"/>
+              <a:t>: Mongoose-like porting framework </a:t>
+            </a:r>
+          </a:p>
+          <a:p>
+            <a:pPr lvl="1"/>
+            <a:r>
+              <a:rPr lang="en-US" sz="1100" dirty="0" smtClean="0"/>
+              <a:t>arrest-</a:t>
+            </a:r>
+            <a:r>
+              <a:rPr lang="en-US" sz="1100" dirty="0" err="1" smtClean="0"/>
+              <a:t>couchbase</a:t>
+            </a:r>
+            <a:r>
+              <a:rPr lang="en-US" sz="1100" dirty="0" smtClean="0"/>
+              <a:t>, fast-</a:t>
+            </a:r>
+            <a:r>
+              <a:rPr lang="en-US" sz="1100" dirty="0" err="1" smtClean="0"/>
+              <a:t>api</a:t>
+            </a:r>
+            <a:r>
+              <a:rPr lang="en-US" sz="1100" dirty="0" smtClean="0"/>
+              <a:t>, sofa-</a:t>
+            </a:r>
+            <a:r>
+              <a:rPr lang="en-US" sz="1100" dirty="0" err="1" smtClean="0"/>
+              <a:t>odm</a:t>
+            </a:r>
+            <a:r>
+              <a:rPr lang="en-US" sz="1100" dirty="0" smtClean="0"/>
+              <a:t>, </a:t>
+            </a:r>
+            <a:r>
+              <a:rPr lang="en-US" sz="1100" dirty="0" err="1" smtClean="0"/>
+              <a:t>couchtard</a:t>
+            </a:r>
+            <a:endParaRPr lang="en-US" sz="1100" dirty="0" smtClean="0"/>
+          </a:p>
+          <a:p>
+            <a:pPr lvl="1"/>
+            <a:r>
+              <a:rPr lang="en-US" sz="1100" dirty="0" smtClean="0"/>
+              <a:t>33 dependencies on </a:t>
+            </a:r>
+            <a:r>
+              <a:rPr lang="en-US" sz="1100" dirty="0" err="1" smtClean="0"/>
+              <a:t>npm</a:t>
+            </a:r>
+            <a:r>
+              <a:rPr lang="en-US" sz="1100" dirty="0" smtClean="0"/>
+              <a:t>!</a:t>
+            </a:r>
+          </a:p>
+          <a:p>
+            <a:pPr lvl="1"/>
+            <a:endParaRPr lang="en-US" sz="1200" dirty="0" smtClean="0"/>
+          </a:p>
+        </p:txBody>
+      </p:sp>
+      <p:pic>
+        <p:nvPicPr>
+          <p:cNvPr id="7" name="Picture 6"/>
+          <p:cNvPicPr>
+            <a:picLocks noChangeAspect="1"/>
+          </p:cNvPicPr>
+          <p:nvPr/>
+        </p:nvPicPr>
+        <p:blipFill>
+          <a:blip r:embed="rId3"/>
+          <a:stretch>
+            <a:fillRect/>
+          </a:stretch>
+        </p:blipFill>
+        <p:spPr>
+          <a:xfrm>
+            <a:off x="599441" y="2919832"/>
+            <a:ext cx="4632960" cy="1723288"/>
+          </a:xfrm>
+          <a:prstGeom prst="rect">
+            <a:avLst/>
+          </a:prstGeom>
+        </p:spPr>
+      </p:pic>
+    </p:spTree>
+    <p:extLst>
+      <p:ext uri="{BB962C8B-B14F-4D97-AF65-F5344CB8AC3E}">
+        <p14:creationId xmlns:p14="http://schemas.microsoft.com/office/powerpoint/2010/main" val="2617164019"/>
       </p:ext>
     </p:extLst>
   </p:cSld>
